--- a/doc/2018-inu-webrtc-06.pptx
+++ b/doc/2018-inu-webrtc-06.pptx
@@ -5,10 +5,10 @@
     <p:sldMasterId id="2147483660" r:id="rId1"/>
   </p:sldMasterIdLst>
   <p:notesMasterIdLst>
-    <p:notesMasterId r:id="rId21"/>
+    <p:notesMasterId r:id="rId23"/>
   </p:notesMasterIdLst>
   <p:handoutMasterIdLst>
-    <p:handoutMasterId r:id="rId22"/>
+    <p:handoutMasterId r:id="rId24"/>
   </p:handoutMasterIdLst>
   <p:sldIdLst>
     <p:sldId id="257" r:id="rId2"/>
@@ -27,29 +27,31 @@
     <p:sldId id="357" r:id="rId15"/>
     <p:sldId id="358" r:id="rId16"/>
     <p:sldId id="348" r:id="rId17"/>
-    <p:sldId id="349" r:id="rId18"/>
-    <p:sldId id="354" r:id="rId19"/>
-    <p:sldId id="278" r:id="rId20"/>
+    <p:sldId id="362" r:id="rId18"/>
+    <p:sldId id="349" r:id="rId19"/>
+    <p:sldId id="363" r:id="rId20"/>
+    <p:sldId id="354" r:id="rId21"/>
+    <p:sldId id="278" r:id="rId22"/>
   </p:sldIdLst>
   <p:sldSz cx="9144000" cy="6858000" type="screen4x3"/>
   <p:notesSz cx="6797675" cy="9926638"/>
   <p:embeddedFontLst>
     <p:embeddedFont>
       <p:font typeface="맑은 고딕" panose="020B0503020000020004" pitchFamily="50" charset="-127"/>
-      <p:regular r:id="rId23"/>
-      <p:bold r:id="rId24"/>
-    </p:embeddedFont>
-    <p:embeddedFont>
-      <p:font typeface="나눔고딕" panose="020D0604000000000000" pitchFamily="50" charset="-127"/>
       <p:regular r:id="rId25"/>
       <p:bold r:id="rId26"/>
     </p:embeddedFont>
     <p:embeddedFont>
-      <p:font typeface="Consolas" panose="020B0609020204030204" pitchFamily="49" charset="0"/>
+      <p:font typeface="나눔고딕" panose="020D0604000000000000" pitchFamily="50" charset="-127"/>
       <p:regular r:id="rId27"/>
       <p:bold r:id="rId28"/>
-      <p:italic r:id="rId29"/>
-      <p:boldItalic r:id="rId30"/>
+    </p:embeddedFont>
+    <p:embeddedFont>
+      <p:font typeface="Consolas" panose="020B0609020204030204" pitchFamily="49" charset="0"/>
+      <p:regular r:id="rId29"/>
+      <p:bold r:id="rId30"/>
+      <p:italic r:id="rId31"/>
+      <p:boldItalic r:id="rId32"/>
     </p:embeddedFont>
   </p:embeddedFontLst>
   <p:defaultTextStyle>
@@ -333,7 +335,7 @@
             <a:fld id="{207F23D9-DF40-4811-9C78-A2E2A32398DD}" type="datetimeFigureOut">
               <a:rPr lang="ko-KR" altLang="en-US" smtClean="0"/>
               <a:pPr/>
-              <a:t>2018-01-10</a:t>
+              <a:t>2018-01-11</a:t>
             </a:fld>
             <a:endParaRPr lang="ko-KR" altLang="en-US"/>
           </a:p>
@@ -500,7 +502,7 @@
             <a:fld id="{F3AF6795-A612-454E-AF7A-9192B1BEBB13}" type="datetimeFigureOut">
               <a:rPr lang="ko-KR" altLang="en-US" smtClean="0"/>
               <a:pPr/>
-              <a:t>2018-01-10</a:t>
+              <a:t>2018-01-11</a:t>
             </a:fld>
             <a:endParaRPr lang="ko-KR" altLang="en-US"/>
           </a:p>
@@ -1264,7 +1266,7 @@
             <a:fld id="{A0A51D67-0C14-4576-BCC5-A508196B7BB5}" type="slidenum">
               <a:rPr lang="ko-KR" altLang="en-US" smtClean="0"/>
               <a:pPr/>
-              <a:t>17</a:t>
+              <a:t>18</a:t>
             </a:fld>
             <a:endParaRPr lang="ko-KR" altLang="en-US"/>
           </a:p>
@@ -1349,7 +1351,7 @@
             <a:fld id="{A0A51D67-0C14-4576-BCC5-A508196B7BB5}" type="slidenum">
               <a:rPr lang="ko-KR" altLang="en-US" smtClean="0"/>
               <a:pPr/>
-              <a:t>18</a:t>
+              <a:t>20</a:t>
             </a:fld>
             <a:endParaRPr lang="ko-KR" altLang="en-US"/>
           </a:p>
@@ -1436,7 +1438,7 @@
             <a:fld id="{A0A51D67-0C14-4576-BCC5-A508196B7BB5}" type="slidenum">
               <a:rPr lang="ko-KR" altLang="en-US" smtClean="0"/>
               <a:pPr/>
-              <a:t>19</a:t>
+              <a:t>21</a:t>
             </a:fld>
             <a:endParaRPr lang="ko-KR" altLang="en-US"/>
           </a:p>
@@ -2635,7 +2637,7 @@
             <a:fld id="{8761FD00-3F21-42CF-9EF5-8F6D81CE3AFD}" type="datetimeFigureOut">
               <a:rPr lang="ko-KR" altLang="en-US" smtClean="0"/>
               <a:pPr/>
-              <a:t>2018-01-10</a:t>
+              <a:t>2018-01-11</a:t>
             </a:fld>
             <a:endParaRPr lang="ko-KR" altLang="en-US"/>
           </a:p>
@@ -3381,7 +3383,7 @@
             <a:fld id="{8761FD00-3F21-42CF-9EF5-8F6D81CE3AFD}" type="datetimeFigureOut">
               <a:rPr lang="ko-KR" altLang="en-US" smtClean="0"/>
               <a:pPr/>
-              <a:t>2018-01-10</a:t>
+              <a:t>2018-01-11</a:t>
             </a:fld>
             <a:endParaRPr lang="ko-KR" altLang="en-US"/>
           </a:p>
@@ -3694,7 +3696,7 @@
             <a:fld id="{8761FD00-3F21-42CF-9EF5-8F6D81CE3AFD}" type="datetimeFigureOut">
               <a:rPr lang="ko-KR" altLang="en-US" smtClean="0"/>
               <a:pPr/>
-              <a:t>2018-01-10</a:t>
+              <a:t>2018-01-11</a:t>
             </a:fld>
             <a:endParaRPr lang="ko-KR" altLang="en-US"/>
           </a:p>
@@ -3949,7 +3951,7 @@
             <a:fld id="{8761FD00-3F21-42CF-9EF5-8F6D81CE3AFD}" type="datetimeFigureOut">
               <a:rPr lang="ko-KR" altLang="en-US" smtClean="0"/>
               <a:pPr/>
-              <a:t>2018-01-10</a:t>
+              <a:t>2018-01-11</a:t>
             </a:fld>
             <a:endParaRPr lang="ko-KR" altLang="en-US"/>
           </a:p>
@@ -4175,7 +4177,7 @@
             <a:fld id="{8761FD00-3F21-42CF-9EF5-8F6D81CE3AFD}" type="datetimeFigureOut">
               <a:rPr lang="ko-KR" altLang="en-US" smtClean="0"/>
               <a:pPr/>
-              <a:t>2018-01-10</a:t>
+              <a:t>2018-01-11</a:t>
             </a:fld>
             <a:endParaRPr lang="ko-KR" altLang="en-US"/>
           </a:p>
@@ -4401,7 +4403,7 @@
             <a:fld id="{8761FD00-3F21-42CF-9EF5-8F6D81CE3AFD}" type="datetimeFigureOut">
               <a:rPr lang="ko-KR" altLang="en-US" smtClean="0"/>
               <a:pPr/>
-              <a:t>2018-01-10</a:t>
+              <a:t>2018-01-11</a:t>
             </a:fld>
             <a:endParaRPr lang="ko-KR" altLang="en-US"/>
           </a:p>
@@ -8275,11 +8277,7 @@
             </a:br>
             <a:r>
               <a:rPr lang="ko-KR" altLang="en-US" sz="1600" dirty="0"/>
-              <a:t>－ 잘 정리되어 있는 문서</a:t>
-            </a:r>
-            <a:r>
-              <a:rPr lang="ko-KR" altLang="en-US" sz="1600" dirty="0"/>
-              <a:t> </a:t>
+              <a:t>－ 잘 정리되어 있는 문서 </a:t>
             </a:r>
             <a:r>
               <a:rPr lang="en-US" altLang="ko-KR" sz="1600" dirty="0" smtClean="0"/>
@@ -10111,6 +10109,345 @@
       </p:grpSpPr>
       <p:sp>
         <p:nvSpPr>
+          <p:cNvPr id="2" name="제목 1"/>
+          <p:cNvSpPr>
+            <a:spLocks noGrp="1"/>
+          </p:cNvSpPr>
+          <p:nvPr>
+            <p:ph type="title"/>
+          </p:nvPr>
+        </p:nvSpPr>
+        <p:spPr/>
+        <p:txBody>
+          <a:bodyPr/>
+          <a:lstStyle/>
+          <a:p>
+            <a:endParaRPr lang="ko-KR" altLang="en-US"/>
+          </a:p>
+        </p:txBody>
+      </p:sp>
+      <p:pic>
+        <p:nvPicPr>
+          <p:cNvPr id="6" name="내용 개체 틀 5"/>
+          <p:cNvPicPr>
+            <a:picLocks noGrp="1" noChangeAspect="1"/>
+          </p:cNvPicPr>
+          <p:nvPr>
+            <p:ph idx="1"/>
+          </p:nvPr>
+        </p:nvPicPr>
+        <p:blipFill>
+          <a:blip r:embed="rId2"/>
+          <a:stretch>
+            <a:fillRect/>
+          </a:stretch>
+        </p:blipFill>
+        <p:spPr>
+          <a:xfrm>
+            <a:off x="457200" y="1738252"/>
+            <a:ext cx="8229600" cy="4249859"/>
+          </a:xfrm>
+          <a:prstGeom prst="rect">
+            <a:avLst/>
+          </a:prstGeom>
+        </p:spPr>
+      </p:pic>
+      <p:sp>
+        <p:nvSpPr>
+          <p:cNvPr id="7" name="직사각형 6"/>
+          <p:cNvSpPr/>
+          <p:nvPr/>
+        </p:nvSpPr>
+        <p:spPr>
+          <a:xfrm>
+            <a:off x="457200" y="3259494"/>
+            <a:ext cx="967273" cy="261257"/>
+          </a:xfrm>
+          <a:prstGeom prst="rect">
+            <a:avLst/>
+          </a:prstGeom>
+        </p:spPr>
+        <p:style>
+          <a:lnRef idx="2">
+            <a:schemeClr val="accent1">
+              <a:shade val="50000"/>
+            </a:schemeClr>
+          </a:lnRef>
+          <a:fillRef idx="1">
+            <a:schemeClr val="accent1"/>
+          </a:fillRef>
+          <a:effectRef idx="0">
+            <a:schemeClr val="accent1"/>
+          </a:effectRef>
+          <a:fontRef idx="minor">
+            <a:schemeClr val="lt1"/>
+          </a:fontRef>
+        </p:style>
+        <p:txBody>
+          <a:bodyPr rtlCol="0" anchor="ctr"/>
+          <a:lstStyle/>
+          <a:p>
+            <a:pPr algn="ctr"/>
+            <a:r>
+              <a:rPr lang="en-US" altLang="ko-KR" dirty="0" err="1" smtClean="0"/>
+              <a:t>zoops</a:t>
+            </a:r>
+            <a:endParaRPr lang="ko-KR" altLang="en-US" dirty="0"/>
+          </a:p>
+        </p:txBody>
+      </p:sp>
+      <p:sp>
+        <p:nvSpPr>
+          <p:cNvPr id="8" name="직사각형 7"/>
+          <p:cNvSpPr/>
+          <p:nvPr/>
+        </p:nvSpPr>
+        <p:spPr>
+          <a:xfrm>
+            <a:off x="4572000" y="3259493"/>
+            <a:ext cx="967273" cy="261257"/>
+          </a:xfrm>
+          <a:prstGeom prst="rect">
+            <a:avLst/>
+          </a:prstGeom>
+        </p:spPr>
+        <p:style>
+          <a:lnRef idx="2">
+            <a:schemeClr val="accent1">
+              <a:shade val="50000"/>
+            </a:schemeClr>
+          </a:lnRef>
+          <a:fillRef idx="1">
+            <a:schemeClr val="accent1"/>
+          </a:fillRef>
+          <a:effectRef idx="0">
+            <a:schemeClr val="accent1"/>
+          </a:effectRef>
+          <a:fontRef idx="minor">
+            <a:schemeClr val="lt1"/>
+          </a:fontRef>
+        </p:style>
+        <p:txBody>
+          <a:bodyPr rtlCol="0" anchor="ctr"/>
+          <a:lstStyle/>
+          <a:p>
+            <a:pPr algn="ctr"/>
+            <a:r>
+              <a:rPr lang="en-US" altLang="ko-KR" dirty="0" smtClean="0"/>
+              <a:t>nick</a:t>
+            </a:r>
+            <a:endParaRPr lang="ko-KR" altLang="en-US" dirty="0"/>
+          </a:p>
+        </p:txBody>
+      </p:sp>
+      <p:sp>
+        <p:nvSpPr>
+          <p:cNvPr id="9" name="모서리가 둥근 직사각형 8"/>
+          <p:cNvSpPr/>
+          <p:nvPr/>
+        </p:nvSpPr>
+        <p:spPr>
+          <a:xfrm>
+            <a:off x="1468016" y="3259493"/>
+            <a:ext cx="914400" cy="261257"/>
+          </a:xfrm>
+          <a:prstGeom prst="roundRect">
+            <a:avLst/>
+          </a:prstGeom>
+        </p:spPr>
+        <p:style>
+          <a:lnRef idx="2">
+            <a:schemeClr val="accent1">
+              <a:shade val="50000"/>
+            </a:schemeClr>
+          </a:lnRef>
+          <a:fillRef idx="1">
+            <a:schemeClr val="accent1"/>
+          </a:fillRef>
+          <a:effectRef idx="0">
+            <a:schemeClr val="accent1"/>
+          </a:effectRef>
+          <a:fontRef idx="minor">
+            <a:schemeClr val="lt1"/>
+          </a:fontRef>
+        </p:style>
+        <p:txBody>
+          <a:bodyPr rtlCol="0" anchor="ctr"/>
+          <a:lstStyle/>
+          <a:p>
+            <a:pPr algn="ctr"/>
+            <a:r>
+              <a:rPr lang="ko-KR" altLang="en-US" dirty="0" smtClean="0"/>
+              <a:t>바꾸기</a:t>
+            </a:r>
+            <a:endParaRPr lang="ko-KR" altLang="en-US" dirty="0"/>
+          </a:p>
+        </p:txBody>
+      </p:sp>
+      <p:sp>
+        <p:nvSpPr>
+          <p:cNvPr id="10" name="모서리가 둥근 직사각형 9"/>
+          <p:cNvSpPr/>
+          <p:nvPr/>
+        </p:nvSpPr>
+        <p:spPr>
+          <a:xfrm>
+            <a:off x="5604587" y="3265712"/>
+            <a:ext cx="895740" cy="261257"/>
+          </a:xfrm>
+          <a:prstGeom prst="roundRect">
+            <a:avLst/>
+          </a:prstGeom>
+        </p:spPr>
+        <p:style>
+          <a:lnRef idx="2">
+            <a:schemeClr val="accent1">
+              <a:shade val="50000"/>
+            </a:schemeClr>
+          </a:lnRef>
+          <a:fillRef idx="1">
+            <a:schemeClr val="accent1"/>
+          </a:fillRef>
+          <a:effectRef idx="0">
+            <a:schemeClr val="accent1"/>
+          </a:effectRef>
+          <a:fontRef idx="minor">
+            <a:schemeClr val="lt1"/>
+          </a:fontRef>
+        </p:style>
+        <p:txBody>
+          <a:bodyPr rtlCol="0" anchor="ctr"/>
+          <a:lstStyle/>
+          <a:p>
+            <a:pPr algn="ctr"/>
+            <a:r>
+              <a:rPr lang="ko-KR" altLang="en-US" smtClean="0"/>
+              <a:t>바꾸기</a:t>
+            </a:r>
+            <a:endParaRPr lang="ko-KR" altLang="en-US"/>
+          </a:p>
+        </p:txBody>
+      </p:sp>
+      <p:sp>
+        <p:nvSpPr>
+          <p:cNvPr id="11" name="직사각형 10"/>
+          <p:cNvSpPr/>
+          <p:nvPr/>
+        </p:nvSpPr>
+        <p:spPr>
+          <a:xfrm>
+            <a:off x="3219061" y="3278153"/>
+            <a:ext cx="967273" cy="261257"/>
+          </a:xfrm>
+          <a:prstGeom prst="rect">
+            <a:avLst/>
+          </a:prstGeom>
+        </p:spPr>
+        <p:style>
+          <a:lnRef idx="2">
+            <a:schemeClr val="accent1">
+              <a:shade val="50000"/>
+            </a:schemeClr>
+          </a:lnRef>
+          <a:fillRef idx="1">
+            <a:schemeClr val="accent1"/>
+          </a:fillRef>
+          <a:effectRef idx="0">
+            <a:schemeClr val="accent1"/>
+          </a:effectRef>
+          <a:fontRef idx="minor">
+            <a:schemeClr val="lt1"/>
+          </a:fontRef>
+        </p:style>
+        <p:txBody>
+          <a:bodyPr rtlCol="0" anchor="ctr"/>
+          <a:lstStyle/>
+          <a:p>
+            <a:pPr algn="ctr"/>
+            <a:r>
+              <a:rPr lang="en-US" altLang="ko-KR" dirty="0" smtClean="0"/>
+              <a:t>nick</a:t>
+            </a:r>
+            <a:endParaRPr lang="ko-KR" altLang="en-US" dirty="0"/>
+          </a:p>
+        </p:txBody>
+      </p:sp>
+      <p:sp>
+        <p:nvSpPr>
+          <p:cNvPr id="12" name="직사각형 11"/>
+          <p:cNvSpPr/>
+          <p:nvPr/>
+        </p:nvSpPr>
+        <p:spPr>
+          <a:xfrm>
+            <a:off x="7232781" y="3259490"/>
+            <a:ext cx="967273" cy="261257"/>
+          </a:xfrm>
+          <a:prstGeom prst="rect">
+            <a:avLst/>
+          </a:prstGeom>
+        </p:spPr>
+        <p:style>
+          <a:lnRef idx="2">
+            <a:schemeClr val="accent1">
+              <a:shade val="50000"/>
+            </a:schemeClr>
+          </a:lnRef>
+          <a:fillRef idx="1">
+            <a:schemeClr val="accent1"/>
+          </a:fillRef>
+          <a:effectRef idx="0">
+            <a:schemeClr val="accent1"/>
+          </a:effectRef>
+          <a:fontRef idx="minor">
+            <a:schemeClr val="lt1"/>
+          </a:fontRef>
+        </p:style>
+        <p:txBody>
+          <a:bodyPr rtlCol="0" anchor="ctr"/>
+          <a:lstStyle/>
+          <a:p>
+            <a:pPr algn="ctr"/>
+            <a:r>
+              <a:rPr lang="en-US" altLang="ko-KR" dirty="0" err="1" smtClean="0"/>
+              <a:t>zoops</a:t>
+            </a:r>
+            <a:endParaRPr lang="ko-KR" altLang="en-US" dirty="0"/>
+          </a:p>
+        </p:txBody>
+      </p:sp>
+    </p:spTree>
+    <p:extLst>
+      <p:ext uri="{BB962C8B-B14F-4D97-AF65-F5344CB8AC3E}">
+        <p14:creationId xmlns:p14="http://schemas.microsoft.com/office/powerpoint/2010/main" val="103660509"/>
+      </p:ext>
+    </p:extLst>
+  </p:cSld>
+  <p:clrMapOvr>
+    <a:masterClrMapping/>
+  </p:clrMapOvr>
+</p:sld>
+</file>
+
+<file path=ppt/slides/slide18.xml><?xml version="1.0" encoding="utf-8"?>
+<p:sld xmlns:a="http://schemas.openxmlformats.org/drawingml/2006/main" xmlns:r="http://schemas.openxmlformats.org/officeDocument/2006/relationships" xmlns:p="http://schemas.openxmlformats.org/presentationml/2006/main">
+  <p:cSld>
+    <p:spTree>
+      <p:nvGrpSpPr>
+        <p:cNvPr id="1" name=""/>
+        <p:cNvGrpSpPr/>
+        <p:nvPr/>
+      </p:nvGrpSpPr>
+      <p:grpSpPr>
+        <a:xfrm>
+          <a:off x="0" y="0"/>
+          <a:ext cx="0" cy="0"/>
+          <a:chOff x="0" y="0"/>
+          <a:chExt cx="0" cy="0"/>
+        </a:xfrm>
+      </p:grpSpPr>
+      <p:sp>
+        <p:nvSpPr>
           <p:cNvPr id="5" name="TextBox 4"/>
           <p:cNvSpPr txBox="1"/>
           <p:nvPr/>
@@ -10312,7 +10649,7 @@
                 <a:ea typeface="나눔고딕" pitchFamily="50" charset="-127"/>
               </a:rPr>
               <a:pPr algn="r"/>
-              <a:t>17</a:t>
+              <a:t>18</a:t>
             </a:fld>
             <a:r>
               <a:rPr lang="en-US" altLang="ko-KR" sz="800" spc="-30" dirty="0" smtClean="0">
@@ -10723,7 +11060,491 @@
 </p:sld>
 </file>
 
-<file path=ppt/slides/slide18.xml><?xml version="1.0" encoding="utf-8"?>
+<file path=ppt/slides/slide19.xml><?xml version="1.0" encoding="utf-8"?>
+<p:sld xmlns:a="http://schemas.openxmlformats.org/drawingml/2006/main" xmlns:r="http://schemas.openxmlformats.org/officeDocument/2006/relationships" xmlns:p="http://schemas.openxmlformats.org/presentationml/2006/main">
+  <p:cSld>
+    <p:spTree>
+      <p:nvGrpSpPr>
+        <p:cNvPr id="1" name=""/>
+        <p:cNvGrpSpPr/>
+        <p:nvPr/>
+      </p:nvGrpSpPr>
+      <p:grpSpPr>
+        <a:xfrm>
+          <a:off x="0" y="0"/>
+          <a:ext cx="0" cy="0"/>
+          <a:chOff x="0" y="0"/>
+          <a:chExt cx="0" cy="0"/>
+        </a:xfrm>
+      </p:grpSpPr>
+      <p:sp>
+        <p:nvSpPr>
+          <p:cNvPr id="2" name="제목 1"/>
+          <p:cNvSpPr>
+            <a:spLocks noGrp="1"/>
+          </p:cNvSpPr>
+          <p:nvPr>
+            <p:ph type="title"/>
+          </p:nvPr>
+        </p:nvSpPr>
+        <p:spPr/>
+        <p:txBody>
+          <a:bodyPr/>
+          <a:lstStyle/>
+          <a:p>
+            <a:endParaRPr lang="ko-KR" altLang="en-US"/>
+          </a:p>
+        </p:txBody>
+      </p:sp>
+      <p:pic>
+        <p:nvPicPr>
+          <p:cNvPr id="4" name="내용 개체 틀 5"/>
+          <p:cNvPicPr>
+            <a:picLocks noChangeAspect="1"/>
+          </p:cNvPicPr>
+          <p:nvPr/>
+        </p:nvPicPr>
+        <p:blipFill>
+          <a:blip r:embed="rId2"/>
+          <a:stretch>
+            <a:fillRect/>
+          </a:stretch>
+        </p:blipFill>
+        <p:spPr>
+          <a:xfrm>
+            <a:off x="457200" y="1738252"/>
+            <a:ext cx="8229600" cy="4249859"/>
+          </a:xfrm>
+          <a:prstGeom prst="rect">
+            <a:avLst/>
+          </a:prstGeom>
+        </p:spPr>
+      </p:pic>
+      <p:sp>
+        <p:nvSpPr>
+          <p:cNvPr id="5" name="직사각형 4"/>
+          <p:cNvSpPr/>
+          <p:nvPr/>
+        </p:nvSpPr>
+        <p:spPr>
+          <a:xfrm>
+            <a:off x="457200" y="3259494"/>
+            <a:ext cx="967273" cy="261257"/>
+          </a:xfrm>
+          <a:prstGeom prst="rect">
+            <a:avLst/>
+          </a:prstGeom>
+        </p:spPr>
+        <p:style>
+          <a:lnRef idx="2">
+            <a:schemeClr val="accent1">
+              <a:shade val="50000"/>
+            </a:schemeClr>
+          </a:lnRef>
+          <a:fillRef idx="1">
+            <a:schemeClr val="accent1"/>
+          </a:fillRef>
+          <a:effectRef idx="0">
+            <a:schemeClr val="accent1"/>
+          </a:effectRef>
+          <a:fontRef idx="minor">
+            <a:schemeClr val="lt1"/>
+          </a:fontRef>
+        </p:style>
+        <p:txBody>
+          <a:bodyPr rtlCol="0" anchor="ctr"/>
+          <a:lstStyle/>
+          <a:p>
+            <a:pPr algn="ctr"/>
+            <a:r>
+              <a:rPr lang="en-US" altLang="ko-KR" dirty="0" err="1" smtClean="0"/>
+              <a:t>zoops</a:t>
+            </a:r>
+            <a:endParaRPr lang="ko-KR" altLang="en-US" dirty="0"/>
+          </a:p>
+        </p:txBody>
+      </p:sp>
+      <p:sp>
+        <p:nvSpPr>
+          <p:cNvPr id="6" name="직사각형 5"/>
+          <p:cNvSpPr/>
+          <p:nvPr/>
+        </p:nvSpPr>
+        <p:spPr>
+          <a:xfrm>
+            <a:off x="4572000" y="3259493"/>
+            <a:ext cx="967273" cy="261257"/>
+          </a:xfrm>
+          <a:prstGeom prst="rect">
+            <a:avLst/>
+          </a:prstGeom>
+        </p:spPr>
+        <p:style>
+          <a:lnRef idx="2">
+            <a:schemeClr val="accent1">
+              <a:shade val="50000"/>
+            </a:schemeClr>
+          </a:lnRef>
+          <a:fillRef idx="1">
+            <a:schemeClr val="accent1"/>
+          </a:fillRef>
+          <a:effectRef idx="0">
+            <a:schemeClr val="accent1"/>
+          </a:effectRef>
+          <a:fontRef idx="minor">
+            <a:schemeClr val="lt1"/>
+          </a:fontRef>
+        </p:style>
+        <p:txBody>
+          <a:bodyPr rtlCol="0" anchor="ctr"/>
+          <a:lstStyle/>
+          <a:p>
+            <a:pPr algn="ctr"/>
+            <a:r>
+              <a:rPr lang="en-US" altLang="ko-KR" dirty="0" smtClean="0"/>
+              <a:t>nick</a:t>
+            </a:r>
+            <a:endParaRPr lang="ko-KR" altLang="en-US" dirty="0"/>
+          </a:p>
+        </p:txBody>
+      </p:sp>
+      <p:sp>
+        <p:nvSpPr>
+          <p:cNvPr id="7" name="모서리가 둥근 직사각형 6"/>
+          <p:cNvSpPr/>
+          <p:nvPr/>
+        </p:nvSpPr>
+        <p:spPr>
+          <a:xfrm>
+            <a:off x="1468016" y="3259493"/>
+            <a:ext cx="914400" cy="261257"/>
+          </a:xfrm>
+          <a:prstGeom prst="roundRect">
+            <a:avLst/>
+          </a:prstGeom>
+        </p:spPr>
+        <p:style>
+          <a:lnRef idx="2">
+            <a:schemeClr val="accent1">
+              <a:shade val="50000"/>
+            </a:schemeClr>
+          </a:lnRef>
+          <a:fillRef idx="1">
+            <a:schemeClr val="accent1"/>
+          </a:fillRef>
+          <a:effectRef idx="0">
+            <a:schemeClr val="accent1"/>
+          </a:effectRef>
+          <a:fontRef idx="minor">
+            <a:schemeClr val="lt1"/>
+          </a:fontRef>
+        </p:style>
+        <p:txBody>
+          <a:bodyPr rtlCol="0" anchor="ctr"/>
+          <a:lstStyle/>
+          <a:p>
+            <a:pPr algn="ctr"/>
+            <a:r>
+              <a:rPr lang="ko-KR" altLang="en-US" dirty="0" smtClean="0"/>
+              <a:t>바꾸기</a:t>
+            </a:r>
+            <a:endParaRPr lang="ko-KR" altLang="en-US" dirty="0"/>
+          </a:p>
+        </p:txBody>
+      </p:sp>
+      <p:sp>
+        <p:nvSpPr>
+          <p:cNvPr id="8" name="모서리가 둥근 직사각형 7"/>
+          <p:cNvSpPr/>
+          <p:nvPr/>
+        </p:nvSpPr>
+        <p:spPr>
+          <a:xfrm>
+            <a:off x="5604587" y="3265712"/>
+            <a:ext cx="895740" cy="261257"/>
+          </a:xfrm>
+          <a:prstGeom prst="roundRect">
+            <a:avLst/>
+          </a:prstGeom>
+        </p:spPr>
+        <p:style>
+          <a:lnRef idx="2">
+            <a:schemeClr val="accent1">
+              <a:shade val="50000"/>
+            </a:schemeClr>
+          </a:lnRef>
+          <a:fillRef idx="1">
+            <a:schemeClr val="accent1"/>
+          </a:fillRef>
+          <a:effectRef idx="0">
+            <a:schemeClr val="accent1"/>
+          </a:effectRef>
+          <a:fontRef idx="minor">
+            <a:schemeClr val="lt1"/>
+          </a:fontRef>
+        </p:style>
+        <p:txBody>
+          <a:bodyPr rtlCol="0" anchor="ctr"/>
+          <a:lstStyle/>
+          <a:p>
+            <a:pPr algn="ctr"/>
+            <a:r>
+              <a:rPr lang="ko-KR" altLang="en-US" smtClean="0"/>
+              <a:t>바꾸기</a:t>
+            </a:r>
+            <a:endParaRPr lang="ko-KR" altLang="en-US"/>
+          </a:p>
+        </p:txBody>
+      </p:sp>
+      <p:sp>
+        <p:nvSpPr>
+          <p:cNvPr id="9" name="직사각형 8"/>
+          <p:cNvSpPr/>
+          <p:nvPr/>
+        </p:nvSpPr>
+        <p:spPr>
+          <a:xfrm>
+            <a:off x="3219061" y="3278153"/>
+            <a:ext cx="967273" cy="261257"/>
+          </a:xfrm>
+          <a:prstGeom prst="rect">
+            <a:avLst/>
+          </a:prstGeom>
+        </p:spPr>
+        <p:style>
+          <a:lnRef idx="2">
+            <a:schemeClr val="accent1">
+              <a:shade val="50000"/>
+            </a:schemeClr>
+          </a:lnRef>
+          <a:fillRef idx="1">
+            <a:schemeClr val="accent1"/>
+          </a:fillRef>
+          <a:effectRef idx="0">
+            <a:schemeClr val="accent1"/>
+          </a:effectRef>
+          <a:fontRef idx="minor">
+            <a:schemeClr val="lt1"/>
+          </a:fontRef>
+        </p:style>
+        <p:txBody>
+          <a:bodyPr rtlCol="0" anchor="ctr"/>
+          <a:lstStyle/>
+          <a:p>
+            <a:pPr algn="ctr"/>
+            <a:r>
+              <a:rPr lang="en-US" altLang="ko-KR" dirty="0" smtClean="0"/>
+              <a:t>nick</a:t>
+            </a:r>
+            <a:endParaRPr lang="ko-KR" altLang="en-US" dirty="0"/>
+          </a:p>
+        </p:txBody>
+      </p:sp>
+      <p:sp>
+        <p:nvSpPr>
+          <p:cNvPr id="10" name="직사각형 9"/>
+          <p:cNvSpPr/>
+          <p:nvPr/>
+        </p:nvSpPr>
+        <p:spPr>
+          <a:xfrm>
+            <a:off x="7232781" y="3259490"/>
+            <a:ext cx="967273" cy="261257"/>
+          </a:xfrm>
+          <a:prstGeom prst="rect">
+            <a:avLst/>
+          </a:prstGeom>
+        </p:spPr>
+        <p:style>
+          <a:lnRef idx="2">
+            <a:schemeClr val="accent1">
+              <a:shade val="50000"/>
+            </a:schemeClr>
+          </a:lnRef>
+          <a:fillRef idx="1">
+            <a:schemeClr val="accent1"/>
+          </a:fillRef>
+          <a:effectRef idx="0">
+            <a:schemeClr val="accent1"/>
+          </a:effectRef>
+          <a:fontRef idx="minor">
+            <a:schemeClr val="lt1"/>
+          </a:fontRef>
+        </p:style>
+        <p:txBody>
+          <a:bodyPr rtlCol="0" anchor="ctr"/>
+          <a:lstStyle/>
+          <a:p>
+            <a:pPr algn="ctr"/>
+            <a:r>
+              <a:rPr lang="en-US" altLang="ko-KR" dirty="0" err="1" smtClean="0"/>
+              <a:t>zoops</a:t>
+            </a:r>
+            <a:endParaRPr lang="ko-KR" altLang="en-US" dirty="0"/>
+          </a:p>
+        </p:txBody>
+      </p:sp>
+      <p:sp>
+        <p:nvSpPr>
+          <p:cNvPr id="11" name="직사각형 10"/>
+          <p:cNvSpPr/>
+          <p:nvPr/>
+        </p:nvSpPr>
+        <p:spPr>
+          <a:xfrm>
+            <a:off x="1679510" y="3651687"/>
+            <a:ext cx="1539551" cy="211494"/>
+          </a:xfrm>
+          <a:prstGeom prst="rect">
+            <a:avLst/>
+          </a:prstGeom>
+        </p:spPr>
+        <p:style>
+          <a:lnRef idx="2">
+            <a:schemeClr val="accent1">
+              <a:shade val="50000"/>
+            </a:schemeClr>
+          </a:lnRef>
+          <a:fillRef idx="1">
+            <a:schemeClr val="accent1"/>
+          </a:fillRef>
+          <a:effectRef idx="0">
+            <a:schemeClr val="accent1"/>
+          </a:effectRef>
+          <a:fontRef idx="minor">
+            <a:schemeClr val="lt1"/>
+          </a:fontRef>
+        </p:style>
+        <p:txBody>
+          <a:bodyPr rtlCol="0" anchor="ctr"/>
+          <a:lstStyle/>
+          <a:p>
+            <a:pPr algn="ctr"/>
+            <a:r>
+              <a:rPr lang="en-US" altLang="ko-KR" dirty="0" smtClean="0"/>
+              <a:t>password</a:t>
+            </a:r>
+            <a:endParaRPr lang="ko-KR" altLang="en-US" dirty="0"/>
+          </a:p>
+        </p:txBody>
+      </p:sp>
+      <p:sp>
+        <p:nvSpPr>
+          <p:cNvPr id="12" name="직사각형 11"/>
+          <p:cNvSpPr/>
+          <p:nvPr/>
+        </p:nvSpPr>
+        <p:spPr>
+          <a:xfrm>
+            <a:off x="5952930" y="3651687"/>
+            <a:ext cx="1539551" cy="211494"/>
+          </a:xfrm>
+          <a:prstGeom prst="rect">
+            <a:avLst/>
+          </a:prstGeom>
+        </p:spPr>
+        <p:style>
+          <a:lnRef idx="2">
+            <a:schemeClr val="accent1">
+              <a:shade val="50000"/>
+            </a:schemeClr>
+          </a:lnRef>
+          <a:fillRef idx="1">
+            <a:schemeClr val="accent1"/>
+          </a:fillRef>
+          <a:effectRef idx="0">
+            <a:schemeClr val="accent1"/>
+          </a:effectRef>
+          <a:fontRef idx="minor">
+            <a:schemeClr val="lt1"/>
+          </a:fontRef>
+        </p:style>
+        <p:txBody>
+          <a:bodyPr rtlCol="0" anchor="ctr"/>
+          <a:lstStyle/>
+          <a:p>
+            <a:pPr algn="ctr"/>
+            <a:r>
+              <a:rPr lang="en-US" altLang="ko-KR" dirty="0" smtClean="0"/>
+              <a:t>password</a:t>
+            </a:r>
+            <a:endParaRPr lang="ko-KR" altLang="en-US" dirty="0"/>
+          </a:p>
+        </p:txBody>
+      </p:sp>
+      <p:pic>
+        <p:nvPicPr>
+          <p:cNvPr id="13" name="내용 개체 틀 12"/>
+          <p:cNvPicPr>
+            <a:picLocks noGrp="1" noChangeAspect="1"/>
+          </p:cNvPicPr>
+          <p:nvPr>
+            <p:ph idx="1"/>
+          </p:nvPr>
+        </p:nvPicPr>
+        <p:blipFill>
+          <a:blip r:embed="rId3" cstate="print">
+            <a:extLst>
+              <a:ext uri="{28A0092B-C50C-407E-A947-70E740481C1C}">
+                <a14:useLocalDpi xmlns:a14="http://schemas.microsoft.com/office/drawing/2010/main" val="0"/>
+              </a:ext>
+            </a:extLst>
+          </a:blip>
+          <a:stretch>
+            <a:fillRect/>
+          </a:stretch>
+        </p:blipFill>
+        <p:spPr>
+          <a:xfrm>
+            <a:off x="1145185" y="4161761"/>
+            <a:ext cx="104385" cy="105439"/>
+          </a:xfrm>
+        </p:spPr>
+      </p:pic>
+      <p:pic>
+        <p:nvPicPr>
+          <p:cNvPr id="14" name="내용 개체 틀 12"/>
+          <p:cNvPicPr>
+            <a:picLocks noChangeAspect="1"/>
+          </p:cNvPicPr>
+          <p:nvPr/>
+        </p:nvPicPr>
+        <p:blipFill>
+          <a:blip r:embed="rId3" cstate="print">
+            <a:extLst>
+              <a:ext uri="{28A0092B-C50C-407E-A947-70E740481C1C}">
+                <a14:useLocalDpi xmlns:a14="http://schemas.microsoft.com/office/drawing/2010/main" val="0"/>
+              </a:ext>
+            </a:extLst>
+          </a:blip>
+          <a:stretch>
+            <a:fillRect/>
+          </a:stretch>
+        </p:blipFill>
+        <p:spPr>
+          <a:xfrm>
+            <a:off x="5256875" y="4109041"/>
+            <a:ext cx="104385" cy="105439"/>
+          </a:xfrm>
+          <a:prstGeom prst="rect">
+            <a:avLst/>
+          </a:prstGeom>
+        </p:spPr>
+      </p:pic>
+    </p:spTree>
+    <p:extLst>
+      <p:ext uri="{BB962C8B-B14F-4D97-AF65-F5344CB8AC3E}">
+        <p14:creationId xmlns:p14="http://schemas.microsoft.com/office/powerpoint/2010/main" val="3568743201"/>
+      </p:ext>
+    </p:extLst>
+  </p:cSld>
+  <p:clrMapOvr>
+    <a:masterClrMapping/>
+  </p:clrMapOvr>
+</p:sld>
+</file>
+
+<file path=ppt/slides/slide2.xml><?xml version="1.0" encoding="utf-8"?>
 <p:sld xmlns:a="http://schemas.openxmlformats.org/drawingml/2006/main" xmlns:r="http://schemas.openxmlformats.org/officeDocument/2006/relationships" xmlns:p="http://schemas.openxmlformats.org/presentationml/2006/main">
   <p:cSld>
     <p:spTree>
@@ -10773,7 +11594,7 @@
                 <a:latin typeface="나눔고딕" pitchFamily="50" charset="-127"/>
                 <a:ea typeface="나눔고딕" pitchFamily="50" charset="-127"/>
               </a:rPr>
-              <a:t>Room </a:t>
+              <a:t>A/S</a:t>
             </a:r>
             <a:endParaRPr lang="en-US" altLang="ko-KR" sz="800" spc="-30" dirty="0">
               <a:solidFill>
@@ -10849,24 +11670,64 @@
           <a:p>
             <a:pPr algn="l"/>
             <a:r>
-              <a:rPr lang="en-US" altLang="ko-KR" sz="4000" b="1" spc="-150" dirty="0" err="1" smtClean="0">
+              <a:rPr lang="en-US" altLang="ko-KR" sz="4000" b="1" spc="-150" dirty="0" smtClean="0">
                 <a:solidFill>
                   <a:schemeClr val="accent4">
                     <a:lumMod val="50000"/>
                   </a:schemeClr>
                 </a:solidFill>
-              </a:rPr>
-              <a:t>Heroku</a:t>
-            </a:r>
-            <a:r>
-              <a:rPr lang="ko-KR" altLang="en-US" sz="4000" b="1" spc="-150" dirty="0" smtClean="0">
+                <a:latin typeface="나눔고딕" pitchFamily="50" charset="-127"/>
+                <a:ea typeface="나눔고딕" pitchFamily="50" charset="-127"/>
+              </a:rPr>
+              <a:t>express-</a:t>
+            </a:r>
+            <a:r>
+              <a:rPr lang="en-US" altLang="ko-KR" sz="4000" b="1" spc="-150" dirty="0" err="1" smtClean="0">
                 <a:solidFill>
                   <a:schemeClr val="accent4">
                     <a:lumMod val="50000"/>
                   </a:schemeClr>
                 </a:solidFill>
-              </a:rPr>
-              <a:t>에서 테스트</a:t>
+                <a:latin typeface="나눔고딕" pitchFamily="50" charset="-127"/>
+                <a:ea typeface="나눔고딕" pitchFamily="50" charset="-127"/>
+              </a:rPr>
+              <a:t>ws</a:t>
+            </a:r>
+            <a:r>
+              <a:rPr lang="en-US" altLang="ko-KR" sz="4000" b="1" spc="-150" dirty="0" smtClean="0">
+                <a:solidFill>
+                  <a:schemeClr val="accent4">
+                    <a:lumMod val="50000"/>
+                  </a:schemeClr>
+                </a:solidFill>
+                <a:latin typeface="나눔고딕" pitchFamily="50" charset="-127"/>
+                <a:ea typeface="나눔고딕" pitchFamily="50" charset="-127"/>
+              </a:rPr>
+              <a:t> </a:t>
+            </a:r>
+            <a:r>
+              <a:rPr lang="ko-KR" altLang="en-US" sz="4000" b="1" spc="-150" dirty="0" err="1" smtClean="0">
+                <a:solidFill>
+                  <a:schemeClr val="accent4">
+                    <a:lumMod val="50000"/>
+                  </a:schemeClr>
+                </a:solidFill>
+                <a:latin typeface="나눔고딕" pitchFamily="50" charset="-127"/>
+                <a:ea typeface="나눔고딕" pitchFamily="50" charset="-127"/>
+              </a:rPr>
+              <a:t>연결안되었던</a:t>
+            </a:r>
+            <a:r>
+              <a:rPr lang="ko-KR" altLang="en-US" sz="4000" b="1" spc="-150" dirty="0" smtClean="0">
+                <a:solidFill>
+                  <a:schemeClr val="accent4">
+                    <a:lumMod val="50000"/>
+                  </a:schemeClr>
+                </a:solidFill>
+                <a:latin typeface="나눔고딕" pitchFamily="50" charset="-127"/>
+                <a:ea typeface="나눔고딕" pitchFamily="50" charset="-127"/>
+              </a:rPr>
+              <a:t> 문제</a:t>
             </a:r>
             <a:endParaRPr lang="ko-KR" altLang="en-US" sz="4000" b="1" spc="-150" dirty="0">
               <a:solidFill>
@@ -10915,7 +11776,1533 @@
                 <a:ea typeface="나눔고딕" pitchFamily="50" charset="-127"/>
               </a:rPr>
               <a:pPr algn="r"/>
-              <a:t>18</a:t>
+              <a:t>2</a:t>
+            </a:fld>
+            <a:r>
+              <a:rPr lang="en-US" altLang="ko-KR" sz="800" spc="-30" dirty="0" smtClean="0">
+                <a:solidFill>
+                  <a:schemeClr val="tx1">
+                    <a:lumMod val="95000"/>
+                    <a:lumOff val="5000"/>
+                  </a:schemeClr>
+                </a:solidFill>
+                <a:latin typeface="나눔고딕" pitchFamily="50" charset="-127"/>
+                <a:ea typeface="나눔고딕" pitchFamily="50" charset="-127"/>
+              </a:rPr>
+              <a:t> / 14</a:t>
+            </a:r>
+            <a:endParaRPr lang="en-US" altLang="ko-KR" sz="800" spc="-30" dirty="0">
+              <a:solidFill>
+                <a:schemeClr val="tx1">
+                  <a:lumMod val="95000"/>
+                  <a:lumOff val="5000"/>
+                </a:schemeClr>
+              </a:solidFill>
+              <a:latin typeface="나눔고딕" pitchFamily="50" charset="-127"/>
+              <a:ea typeface="나눔고딕" pitchFamily="50" charset="-127"/>
+            </a:endParaRPr>
+          </a:p>
+        </p:txBody>
+      </p:sp>
+      <p:sp>
+        <p:nvSpPr>
+          <p:cNvPr id="3" name="직사각형 2"/>
+          <p:cNvSpPr/>
+          <p:nvPr/>
+        </p:nvSpPr>
+        <p:spPr>
+          <a:xfrm>
+            <a:off x="364802" y="2032792"/>
+            <a:ext cx="8406000" cy="553998"/>
+          </a:xfrm>
+          <a:prstGeom prst="rect">
+            <a:avLst/>
+          </a:prstGeom>
+          <a:solidFill>
+            <a:schemeClr val="tx1"/>
+          </a:solidFill>
+        </p:spPr>
+        <p:txBody>
+          <a:bodyPr wrap="square">
+            <a:spAutoFit/>
+          </a:bodyPr>
+          <a:lstStyle/>
+          <a:p>
+            <a:r>
+              <a:rPr lang="en-US" altLang="ko-KR" sz="1000" dirty="0" err="1">
+                <a:solidFill>
+                  <a:srgbClr val="569CD6"/>
+                </a:solidFill>
+                <a:latin typeface="Consolas" panose="020B0609020204030204" pitchFamily="49" charset="0"/>
+              </a:rPr>
+              <a:t>var</a:t>
+            </a:r>
+            <a:r>
+              <a:rPr lang="en-US" altLang="ko-KR" sz="1000" dirty="0">
+                <a:solidFill>
+                  <a:srgbClr val="D4D4D4"/>
+                </a:solidFill>
+                <a:latin typeface="Consolas" panose="020B0609020204030204" pitchFamily="49" charset="0"/>
+              </a:rPr>
+              <a:t> </a:t>
+            </a:r>
+            <a:r>
+              <a:rPr lang="en-US" altLang="ko-KR" sz="1000" dirty="0">
+                <a:solidFill>
+                  <a:srgbClr val="9CDCFE"/>
+                </a:solidFill>
+                <a:latin typeface="Consolas" panose="020B0609020204030204" pitchFamily="49" charset="0"/>
+              </a:rPr>
+              <a:t>server</a:t>
+            </a:r>
+            <a:r>
+              <a:rPr lang="en-US" altLang="ko-KR" sz="1000" dirty="0">
+                <a:solidFill>
+                  <a:srgbClr val="D4D4D4"/>
+                </a:solidFill>
+                <a:latin typeface="Consolas" panose="020B0609020204030204" pitchFamily="49" charset="0"/>
+              </a:rPr>
+              <a:t> = </a:t>
+            </a:r>
+            <a:r>
+              <a:rPr lang="en-US" altLang="ko-KR" sz="1000" dirty="0" err="1">
+                <a:solidFill>
+                  <a:srgbClr val="9CDCFE"/>
+                </a:solidFill>
+                <a:latin typeface="Consolas" panose="020B0609020204030204" pitchFamily="49" charset="0"/>
+              </a:rPr>
+              <a:t>app</a:t>
+            </a:r>
+            <a:r>
+              <a:rPr lang="en-US" altLang="ko-KR" sz="1000" dirty="0" err="1">
+                <a:solidFill>
+                  <a:srgbClr val="D4D4D4"/>
+                </a:solidFill>
+                <a:latin typeface="Consolas" panose="020B0609020204030204" pitchFamily="49" charset="0"/>
+              </a:rPr>
+              <a:t>.</a:t>
+            </a:r>
+            <a:r>
+              <a:rPr lang="en-US" altLang="ko-KR" sz="1000" dirty="0" err="1">
+                <a:solidFill>
+                  <a:srgbClr val="DCDCAA"/>
+                </a:solidFill>
+                <a:latin typeface="Consolas" panose="020B0609020204030204" pitchFamily="49" charset="0"/>
+              </a:rPr>
+              <a:t>listen</a:t>
+            </a:r>
+            <a:r>
+              <a:rPr lang="en-US" altLang="ko-KR" sz="1000" dirty="0">
+                <a:solidFill>
+                  <a:srgbClr val="D4D4D4"/>
+                </a:solidFill>
+                <a:latin typeface="Consolas" panose="020B0609020204030204" pitchFamily="49" charset="0"/>
+              </a:rPr>
+              <a:t>(</a:t>
+            </a:r>
+            <a:r>
+              <a:rPr lang="en-US" altLang="ko-KR" sz="1000" dirty="0" err="1">
+                <a:solidFill>
+                  <a:srgbClr val="9CDCFE"/>
+                </a:solidFill>
+                <a:latin typeface="Consolas" panose="020B0609020204030204" pitchFamily="49" charset="0"/>
+              </a:rPr>
+              <a:t>app</a:t>
+            </a:r>
+            <a:r>
+              <a:rPr lang="en-US" altLang="ko-KR" sz="1000" dirty="0" err="1">
+                <a:solidFill>
+                  <a:srgbClr val="D4D4D4"/>
+                </a:solidFill>
+                <a:latin typeface="Consolas" panose="020B0609020204030204" pitchFamily="49" charset="0"/>
+              </a:rPr>
+              <a:t>.</a:t>
+            </a:r>
+            <a:r>
+              <a:rPr lang="en-US" altLang="ko-KR" sz="1000" dirty="0" err="1">
+                <a:solidFill>
+                  <a:srgbClr val="DCDCAA"/>
+                </a:solidFill>
+                <a:latin typeface="Consolas" panose="020B0609020204030204" pitchFamily="49" charset="0"/>
+              </a:rPr>
+              <a:t>get</a:t>
+            </a:r>
+            <a:r>
+              <a:rPr lang="en-US" altLang="ko-KR" sz="1000" dirty="0">
+                <a:solidFill>
+                  <a:srgbClr val="D4D4D4"/>
+                </a:solidFill>
+                <a:latin typeface="Consolas" panose="020B0609020204030204" pitchFamily="49" charset="0"/>
+              </a:rPr>
+              <a:t>( </a:t>
+            </a:r>
+            <a:r>
+              <a:rPr lang="en-US" altLang="ko-KR" sz="1000" dirty="0">
+                <a:solidFill>
+                  <a:srgbClr val="CE9178"/>
+                </a:solidFill>
+                <a:latin typeface="Consolas" panose="020B0609020204030204" pitchFamily="49" charset="0"/>
+              </a:rPr>
+              <a:t>'port'</a:t>
+            </a:r>
+            <a:r>
+              <a:rPr lang="en-US" altLang="ko-KR" sz="1000" dirty="0">
+                <a:solidFill>
+                  <a:srgbClr val="D4D4D4"/>
+                </a:solidFill>
+                <a:latin typeface="Consolas" panose="020B0609020204030204" pitchFamily="49" charset="0"/>
+              </a:rPr>
+              <a:t> ), </a:t>
+            </a:r>
+            <a:r>
+              <a:rPr lang="en-US" altLang="ko-KR" sz="1000" dirty="0">
+                <a:solidFill>
+                  <a:srgbClr val="569CD6"/>
+                </a:solidFill>
+                <a:latin typeface="Consolas" panose="020B0609020204030204" pitchFamily="49" charset="0"/>
+              </a:rPr>
+              <a:t>function</a:t>
+            </a:r>
+            <a:r>
+              <a:rPr lang="en-US" altLang="ko-KR" sz="1000" dirty="0">
+                <a:solidFill>
+                  <a:srgbClr val="D4D4D4"/>
+                </a:solidFill>
+                <a:latin typeface="Consolas" panose="020B0609020204030204" pitchFamily="49" charset="0"/>
+              </a:rPr>
+              <a:t>(){</a:t>
+            </a:r>
+          </a:p>
+          <a:p>
+            <a:pPr lvl="1"/>
+            <a:r>
+              <a:rPr lang="en-US" altLang="ko-KR" sz="1000" dirty="0">
+                <a:solidFill>
+                  <a:srgbClr val="4EC9B0"/>
+                </a:solidFill>
+                <a:latin typeface="Consolas" panose="020B0609020204030204" pitchFamily="49" charset="0"/>
+              </a:rPr>
+              <a:t>console</a:t>
+            </a:r>
+            <a:r>
+              <a:rPr lang="en-US" altLang="ko-KR" sz="1000" dirty="0">
+                <a:solidFill>
+                  <a:srgbClr val="D4D4D4"/>
+                </a:solidFill>
+                <a:latin typeface="Consolas" panose="020B0609020204030204" pitchFamily="49" charset="0"/>
+              </a:rPr>
+              <a:t>.</a:t>
+            </a:r>
+            <a:r>
+              <a:rPr lang="en-US" altLang="ko-KR" sz="1000" dirty="0">
+                <a:solidFill>
+                  <a:srgbClr val="DCDCAA"/>
+                </a:solidFill>
+                <a:latin typeface="Consolas" panose="020B0609020204030204" pitchFamily="49" charset="0"/>
+              </a:rPr>
+              <a:t>log</a:t>
+            </a:r>
+            <a:r>
+              <a:rPr lang="en-US" altLang="ko-KR" sz="1000" dirty="0">
+                <a:solidFill>
+                  <a:srgbClr val="D4D4D4"/>
+                </a:solidFill>
+                <a:latin typeface="Consolas" panose="020B0609020204030204" pitchFamily="49" charset="0"/>
+              </a:rPr>
+              <a:t>( </a:t>
+            </a:r>
+            <a:r>
+              <a:rPr lang="en-US" altLang="ko-KR" sz="1000" dirty="0">
+                <a:solidFill>
+                  <a:srgbClr val="CE9178"/>
+                </a:solidFill>
+                <a:latin typeface="Consolas" panose="020B0609020204030204" pitchFamily="49" charset="0"/>
+              </a:rPr>
+              <a:t>'Express server listening on port '</a:t>
+            </a:r>
+            <a:r>
+              <a:rPr lang="en-US" altLang="ko-KR" sz="1000" dirty="0">
+                <a:solidFill>
+                  <a:srgbClr val="D4D4D4"/>
+                </a:solidFill>
+                <a:latin typeface="Consolas" panose="020B0609020204030204" pitchFamily="49" charset="0"/>
+              </a:rPr>
+              <a:t> + </a:t>
+            </a:r>
+            <a:r>
+              <a:rPr lang="en-US" altLang="ko-KR" sz="1000" dirty="0" err="1">
+                <a:solidFill>
+                  <a:srgbClr val="9CDCFE"/>
+                </a:solidFill>
+                <a:latin typeface="Consolas" panose="020B0609020204030204" pitchFamily="49" charset="0"/>
+              </a:rPr>
+              <a:t>app</a:t>
+            </a:r>
+            <a:r>
+              <a:rPr lang="en-US" altLang="ko-KR" sz="1000" dirty="0" err="1">
+                <a:solidFill>
+                  <a:srgbClr val="D4D4D4"/>
+                </a:solidFill>
+                <a:latin typeface="Consolas" panose="020B0609020204030204" pitchFamily="49" charset="0"/>
+              </a:rPr>
+              <a:t>.</a:t>
+            </a:r>
+            <a:r>
+              <a:rPr lang="en-US" altLang="ko-KR" sz="1000" dirty="0" err="1">
+                <a:solidFill>
+                  <a:srgbClr val="DCDCAA"/>
+                </a:solidFill>
+                <a:latin typeface="Consolas" panose="020B0609020204030204" pitchFamily="49" charset="0"/>
+              </a:rPr>
+              <a:t>get</a:t>
+            </a:r>
+            <a:r>
+              <a:rPr lang="en-US" altLang="ko-KR" sz="1000" dirty="0">
+                <a:solidFill>
+                  <a:srgbClr val="D4D4D4"/>
+                </a:solidFill>
+                <a:latin typeface="Consolas" panose="020B0609020204030204" pitchFamily="49" charset="0"/>
+              </a:rPr>
+              <a:t>( </a:t>
+            </a:r>
+            <a:r>
+              <a:rPr lang="en-US" altLang="ko-KR" sz="1000" dirty="0">
+                <a:solidFill>
+                  <a:srgbClr val="CE9178"/>
+                </a:solidFill>
+                <a:latin typeface="Consolas" panose="020B0609020204030204" pitchFamily="49" charset="0"/>
+              </a:rPr>
+              <a:t>'port'</a:t>
+            </a:r>
+            <a:r>
+              <a:rPr lang="en-US" altLang="ko-KR" sz="1000" dirty="0">
+                <a:solidFill>
+                  <a:srgbClr val="D4D4D4"/>
+                </a:solidFill>
+                <a:latin typeface="Consolas" panose="020B0609020204030204" pitchFamily="49" charset="0"/>
+              </a:rPr>
+              <a:t> ));</a:t>
+            </a:r>
+          </a:p>
+          <a:p>
+            <a:r>
+              <a:rPr lang="en-US" altLang="ko-KR" sz="1000" dirty="0">
+                <a:solidFill>
+                  <a:srgbClr val="D4D4D4"/>
+                </a:solidFill>
+                <a:latin typeface="Consolas" panose="020B0609020204030204" pitchFamily="49" charset="0"/>
+              </a:rPr>
+              <a:t>});</a:t>
+            </a:r>
+            <a:endParaRPr lang="en-US" altLang="ko-KR" sz="1000" b="0" dirty="0">
+              <a:solidFill>
+                <a:srgbClr val="D4D4D4"/>
+              </a:solidFill>
+              <a:effectLst/>
+              <a:latin typeface="Consolas" panose="020B0609020204030204" pitchFamily="49" charset="0"/>
+            </a:endParaRPr>
+          </a:p>
+        </p:txBody>
+      </p:sp>
+      <p:sp>
+        <p:nvSpPr>
+          <p:cNvPr id="4" name="직사각형 3"/>
+          <p:cNvSpPr/>
+          <p:nvPr/>
+        </p:nvSpPr>
+        <p:spPr>
+          <a:xfrm>
+            <a:off x="319155" y="5363350"/>
+            <a:ext cx="8406001" cy="707886"/>
+          </a:xfrm>
+          <a:prstGeom prst="rect">
+            <a:avLst/>
+          </a:prstGeom>
+          <a:solidFill>
+            <a:schemeClr val="tx1"/>
+          </a:solidFill>
+        </p:spPr>
+        <p:txBody>
+          <a:bodyPr wrap="square">
+            <a:spAutoFit/>
+          </a:bodyPr>
+          <a:lstStyle/>
+          <a:p>
+            <a:r>
+              <a:rPr lang="en-US" altLang="ko-KR" sz="1000" dirty="0" err="1">
+                <a:solidFill>
+                  <a:srgbClr val="9CDCFE"/>
+                </a:solidFill>
+                <a:latin typeface="Consolas" panose="020B0609020204030204" pitchFamily="49" charset="0"/>
+              </a:rPr>
+              <a:t>app</a:t>
+            </a:r>
+            <a:r>
+              <a:rPr lang="en-US" altLang="ko-KR" sz="1000" dirty="0" err="1">
+                <a:solidFill>
+                  <a:srgbClr val="D4D4D4"/>
+                </a:solidFill>
+                <a:latin typeface="Consolas" panose="020B0609020204030204" pitchFamily="49" charset="0"/>
+              </a:rPr>
+              <a:t>.</a:t>
+            </a:r>
+            <a:r>
+              <a:rPr lang="en-US" altLang="ko-KR" sz="1000" dirty="0" err="1">
+                <a:solidFill>
+                  <a:srgbClr val="DCDCAA"/>
+                </a:solidFill>
+                <a:latin typeface="Consolas" panose="020B0609020204030204" pitchFamily="49" charset="0"/>
+              </a:rPr>
+              <a:t>listen</a:t>
+            </a:r>
+            <a:r>
+              <a:rPr lang="en-US" altLang="ko-KR" sz="1000" dirty="0">
+                <a:solidFill>
+                  <a:srgbClr val="D4D4D4"/>
+                </a:solidFill>
+                <a:latin typeface="Consolas" panose="020B0609020204030204" pitchFamily="49" charset="0"/>
+              </a:rPr>
+              <a:t> = </a:t>
+            </a:r>
+            <a:r>
+              <a:rPr lang="en-US" altLang="ko-KR" sz="1000" dirty="0">
+                <a:solidFill>
+                  <a:srgbClr val="569CD6"/>
+                </a:solidFill>
+                <a:latin typeface="Consolas" panose="020B0609020204030204" pitchFamily="49" charset="0"/>
+              </a:rPr>
+              <a:t>function</a:t>
+            </a:r>
+            <a:r>
+              <a:rPr lang="en-US" altLang="ko-KR" sz="1000" dirty="0">
+                <a:solidFill>
+                  <a:srgbClr val="D4D4D4"/>
+                </a:solidFill>
+                <a:latin typeface="Consolas" panose="020B0609020204030204" pitchFamily="49" charset="0"/>
+              </a:rPr>
+              <a:t> </a:t>
+            </a:r>
+            <a:r>
+              <a:rPr lang="en-US" altLang="ko-KR" sz="1000" dirty="0">
+                <a:solidFill>
+                  <a:srgbClr val="DCDCAA"/>
+                </a:solidFill>
+                <a:latin typeface="Consolas" panose="020B0609020204030204" pitchFamily="49" charset="0"/>
+              </a:rPr>
+              <a:t>listen</a:t>
+            </a:r>
+            <a:r>
+              <a:rPr lang="en-US" altLang="ko-KR" sz="1000" dirty="0">
+                <a:solidFill>
+                  <a:srgbClr val="D4D4D4"/>
+                </a:solidFill>
+                <a:latin typeface="Consolas" panose="020B0609020204030204" pitchFamily="49" charset="0"/>
+              </a:rPr>
+              <a:t>() {</a:t>
+            </a:r>
+          </a:p>
+          <a:p>
+            <a:pPr lvl="1"/>
+            <a:r>
+              <a:rPr lang="en-US" altLang="ko-KR" sz="1000" dirty="0" err="1">
+                <a:solidFill>
+                  <a:srgbClr val="569CD6"/>
+                </a:solidFill>
+                <a:latin typeface="Consolas" panose="020B0609020204030204" pitchFamily="49" charset="0"/>
+              </a:rPr>
+              <a:t>var</a:t>
+            </a:r>
+            <a:r>
+              <a:rPr lang="en-US" altLang="ko-KR" sz="1000" dirty="0">
+                <a:solidFill>
+                  <a:srgbClr val="D4D4D4"/>
+                </a:solidFill>
+                <a:latin typeface="Consolas" panose="020B0609020204030204" pitchFamily="49" charset="0"/>
+              </a:rPr>
+              <a:t> </a:t>
+            </a:r>
+            <a:r>
+              <a:rPr lang="en-US" altLang="ko-KR" sz="1000" dirty="0">
+                <a:solidFill>
+                  <a:srgbClr val="9CDCFE"/>
+                </a:solidFill>
+                <a:latin typeface="Consolas" panose="020B0609020204030204" pitchFamily="49" charset="0"/>
+              </a:rPr>
+              <a:t>server</a:t>
+            </a:r>
+            <a:r>
+              <a:rPr lang="en-US" altLang="ko-KR" sz="1000" dirty="0">
+                <a:solidFill>
+                  <a:srgbClr val="D4D4D4"/>
+                </a:solidFill>
+                <a:latin typeface="Consolas" panose="020B0609020204030204" pitchFamily="49" charset="0"/>
+              </a:rPr>
+              <a:t> = </a:t>
+            </a:r>
+            <a:r>
+              <a:rPr lang="en-US" altLang="ko-KR" sz="1000" dirty="0" err="1">
+                <a:solidFill>
+                  <a:srgbClr val="9CDCFE"/>
+                </a:solidFill>
+                <a:latin typeface="Consolas" panose="020B0609020204030204" pitchFamily="49" charset="0"/>
+              </a:rPr>
+              <a:t>http</a:t>
+            </a:r>
+            <a:r>
+              <a:rPr lang="en-US" altLang="ko-KR" sz="1000" dirty="0" err="1">
+                <a:solidFill>
+                  <a:srgbClr val="D4D4D4"/>
+                </a:solidFill>
+                <a:latin typeface="Consolas" panose="020B0609020204030204" pitchFamily="49" charset="0"/>
+              </a:rPr>
+              <a:t>.</a:t>
+            </a:r>
+            <a:r>
+              <a:rPr lang="en-US" altLang="ko-KR" sz="1000" dirty="0" err="1">
+                <a:solidFill>
+                  <a:srgbClr val="DCDCAA"/>
+                </a:solidFill>
+                <a:latin typeface="Consolas" panose="020B0609020204030204" pitchFamily="49" charset="0"/>
+              </a:rPr>
+              <a:t>createServer</a:t>
+            </a:r>
+            <a:r>
+              <a:rPr lang="en-US" altLang="ko-KR" sz="1000" dirty="0">
+                <a:solidFill>
+                  <a:srgbClr val="D4D4D4"/>
+                </a:solidFill>
+                <a:latin typeface="Consolas" panose="020B0609020204030204" pitchFamily="49" charset="0"/>
+              </a:rPr>
+              <a:t>(</a:t>
+            </a:r>
+            <a:r>
+              <a:rPr lang="en-US" altLang="ko-KR" sz="1000" dirty="0">
+                <a:solidFill>
+                  <a:srgbClr val="569CD6"/>
+                </a:solidFill>
+                <a:latin typeface="Consolas" panose="020B0609020204030204" pitchFamily="49" charset="0"/>
+              </a:rPr>
+              <a:t>this</a:t>
+            </a:r>
+            <a:r>
+              <a:rPr lang="en-US" altLang="ko-KR" sz="1000" dirty="0">
+                <a:solidFill>
+                  <a:srgbClr val="D4D4D4"/>
+                </a:solidFill>
+                <a:latin typeface="Consolas" panose="020B0609020204030204" pitchFamily="49" charset="0"/>
+              </a:rPr>
+              <a:t>);</a:t>
+            </a:r>
+          </a:p>
+          <a:p>
+            <a:pPr lvl="1"/>
+            <a:r>
+              <a:rPr lang="en-US" altLang="ko-KR" sz="1000" dirty="0">
+                <a:solidFill>
+                  <a:srgbClr val="C586C0"/>
+                </a:solidFill>
+                <a:latin typeface="Consolas" panose="020B0609020204030204" pitchFamily="49" charset="0"/>
+              </a:rPr>
+              <a:t>return</a:t>
+            </a:r>
+            <a:r>
+              <a:rPr lang="en-US" altLang="ko-KR" sz="1000" dirty="0">
+                <a:solidFill>
+                  <a:srgbClr val="D4D4D4"/>
+                </a:solidFill>
+                <a:latin typeface="Consolas" panose="020B0609020204030204" pitchFamily="49" charset="0"/>
+              </a:rPr>
+              <a:t> </a:t>
+            </a:r>
+            <a:r>
+              <a:rPr lang="en-US" altLang="ko-KR" sz="1000" dirty="0" err="1">
+                <a:solidFill>
+                  <a:srgbClr val="9CDCFE"/>
+                </a:solidFill>
+                <a:latin typeface="Consolas" panose="020B0609020204030204" pitchFamily="49" charset="0"/>
+              </a:rPr>
+              <a:t>server</a:t>
+            </a:r>
+            <a:r>
+              <a:rPr lang="en-US" altLang="ko-KR" sz="1000" dirty="0" err="1">
+                <a:solidFill>
+                  <a:srgbClr val="D4D4D4"/>
+                </a:solidFill>
+                <a:latin typeface="Consolas" panose="020B0609020204030204" pitchFamily="49" charset="0"/>
+              </a:rPr>
+              <a:t>.</a:t>
+            </a:r>
+            <a:r>
+              <a:rPr lang="en-US" altLang="ko-KR" sz="1000" dirty="0" err="1">
+                <a:solidFill>
+                  <a:srgbClr val="9CDCFE"/>
+                </a:solidFill>
+                <a:latin typeface="Consolas" panose="020B0609020204030204" pitchFamily="49" charset="0"/>
+              </a:rPr>
+              <a:t>listen</a:t>
+            </a:r>
+            <a:r>
+              <a:rPr lang="en-US" altLang="ko-KR" sz="1000" dirty="0" err="1">
+                <a:solidFill>
+                  <a:srgbClr val="D4D4D4"/>
+                </a:solidFill>
+                <a:latin typeface="Consolas" panose="020B0609020204030204" pitchFamily="49" charset="0"/>
+              </a:rPr>
+              <a:t>.</a:t>
+            </a:r>
+            <a:r>
+              <a:rPr lang="en-US" altLang="ko-KR" sz="1000" dirty="0" err="1">
+                <a:solidFill>
+                  <a:srgbClr val="DCDCAA"/>
+                </a:solidFill>
+                <a:latin typeface="Consolas" panose="020B0609020204030204" pitchFamily="49" charset="0"/>
+              </a:rPr>
+              <a:t>apply</a:t>
+            </a:r>
+            <a:r>
+              <a:rPr lang="en-US" altLang="ko-KR" sz="1000" dirty="0">
+                <a:solidFill>
+                  <a:srgbClr val="D4D4D4"/>
+                </a:solidFill>
+                <a:latin typeface="Consolas" panose="020B0609020204030204" pitchFamily="49" charset="0"/>
+              </a:rPr>
+              <a:t>(</a:t>
+            </a:r>
+            <a:r>
+              <a:rPr lang="en-US" altLang="ko-KR" sz="1000" dirty="0">
+                <a:solidFill>
+                  <a:srgbClr val="9CDCFE"/>
+                </a:solidFill>
+                <a:latin typeface="Consolas" panose="020B0609020204030204" pitchFamily="49" charset="0"/>
+              </a:rPr>
+              <a:t>server</a:t>
+            </a:r>
+            <a:r>
+              <a:rPr lang="en-US" altLang="ko-KR" sz="1000" dirty="0">
+                <a:solidFill>
+                  <a:srgbClr val="D4D4D4"/>
+                </a:solidFill>
+                <a:latin typeface="Consolas" panose="020B0609020204030204" pitchFamily="49" charset="0"/>
+              </a:rPr>
+              <a:t>, </a:t>
+            </a:r>
+            <a:r>
+              <a:rPr lang="en-US" altLang="ko-KR" sz="1000" dirty="0">
+                <a:solidFill>
+                  <a:srgbClr val="569CD6"/>
+                </a:solidFill>
+                <a:latin typeface="Consolas" panose="020B0609020204030204" pitchFamily="49" charset="0"/>
+              </a:rPr>
+              <a:t>arguments</a:t>
+            </a:r>
+            <a:r>
+              <a:rPr lang="en-US" altLang="ko-KR" sz="1000" dirty="0">
+                <a:solidFill>
+                  <a:srgbClr val="D4D4D4"/>
+                </a:solidFill>
+                <a:latin typeface="Consolas" panose="020B0609020204030204" pitchFamily="49" charset="0"/>
+              </a:rPr>
+              <a:t>);</a:t>
+            </a:r>
+          </a:p>
+          <a:p>
+            <a:r>
+              <a:rPr lang="en-US" altLang="ko-KR" sz="1000" dirty="0">
+                <a:solidFill>
+                  <a:srgbClr val="D4D4D4"/>
+                </a:solidFill>
+                <a:latin typeface="Consolas" panose="020B0609020204030204" pitchFamily="49" charset="0"/>
+              </a:rPr>
+              <a:t>};</a:t>
+            </a:r>
+            <a:endParaRPr lang="en-US" altLang="ko-KR" sz="1000" b="0" dirty="0">
+              <a:solidFill>
+                <a:srgbClr val="D4D4D4"/>
+              </a:solidFill>
+              <a:effectLst/>
+              <a:latin typeface="Consolas" panose="020B0609020204030204" pitchFamily="49" charset="0"/>
+            </a:endParaRPr>
+          </a:p>
+        </p:txBody>
+      </p:sp>
+      <p:sp>
+        <p:nvSpPr>
+          <p:cNvPr id="6" name="직사각형 5"/>
+          <p:cNvSpPr/>
+          <p:nvPr/>
+        </p:nvSpPr>
+        <p:spPr>
+          <a:xfrm>
+            <a:off x="319155" y="3159462"/>
+            <a:ext cx="8406001" cy="1631216"/>
+          </a:xfrm>
+          <a:prstGeom prst="rect">
+            <a:avLst/>
+          </a:prstGeom>
+          <a:solidFill>
+            <a:schemeClr val="tx1"/>
+          </a:solidFill>
+        </p:spPr>
+        <p:txBody>
+          <a:bodyPr wrap="square">
+            <a:spAutoFit/>
+          </a:bodyPr>
+          <a:lstStyle/>
+          <a:p>
+            <a:r>
+              <a:rPr lang="en-US" altLang="ko-KR" sz="1000" dirty="0" err="1">
+                <a:solidFill>
+                  <a:srgbClr val="569CD6"/>
+                </a:solidFill>
+                <a:latin typeface="Consolas" panose="020B0609020204030204" pitchFamily="49" charset="0"/>
+              </a:rPr>
+              <a:t>var</a:t>
+            </a:r>
+            <a:r>
+              <a:rPr lang="en-US" altLang="ko-KR" sz="1000" dirty="0">
+                <a:solidFill>
+                  <a:srgbClr val="D4D4D4"/>
+                </a:solidFill>
+                <a:latin typeface="Consolas" panose="020B0609020204030204" pitchFamily="49" charset="0"/>
+              </a:rPr>
+              <a:t> </a:t>
+            </a:r>
+            <a:r>
+              <a:rPr lang="en-US" altLang="ko-KR" sz="1000" dirty="0">
+                <a:solidFill>
+                  <a:srgbClr val="9CDCFE"/>
+                </a:solidFill>
+                <a:latin typeface="Consolas" panose="020B0609020204030204" pitchFamily="49" charset="0"/>
+              </a:rPr>
+              <a:t>server</a:t>
+            </a:r>
+            <a:r>
+              <a:rPr lang="en-US" altLang="ko-KR" sz="1000" dirty="0">
+                <a:solidFill>
+                  <a:srgbClr val="D4D4D4"/>
+                </a:solidFill>
+                <a:latin typeface="Consolas" panose="020B0609020204030204" pitchFamily="49" charset="0"/>
+              </a:rPr>
+              <a:t> = </a:t>
+            </a:r>
+            <a:r>
+              <a:rPr lang="en-US" altLang="ko-KR" sz="1000" dirty="0" err="1">
+                <a:solidFill>
+                  <a:srgbClr val="9CDCFE"/>
+                </a:solidFill>
+                <a:latin typeface="Consolas" panose="020B0609020204030204" pitchFamily="49" charset="0"/>
+              </a:rPr>
+              <a:t>http</a:t>
+            </a:r>
+            <a:r>
+              <a:rPr lang="en-US" altLang="ko-KR" sz="1000" dirty="0" err="1">
+                <a:solidFill>
+                  <a:srgbClr val="D4D4D4"/>
+                </a:solidFill>
+                <a:latin typeface="Consolas" panose="020B0609020204030204" pitchFamily="49" charset="0"/>
+              </a:rPr>
+              <a:t>.</a:t>
+            </a:r>
+            <a:r>
+              <a:rPr lang="en-US" altLang="ko-KR" sz="1000" dirty="0" err="1">
+                <a:solidFill>
+                  <a:srgbClr val="DCDCAA"/>
+                </a:solidFill>
+                <a:latin typeface="Consolas" panose="020B0609020204030204" pitchFamily="49" charset="0"/>
+              </a:rPr>
+              <a:t>createServer</a:t>
+            </a:r>
+            <a:r>
+              <a:rPr lang="en-US" altLang="ko-KR" sz="1000" dirty="0">
+                <a:solidFill>
+                  <a:srgbClr val="D4D4D4"/>
+                </a:solidFill>
+                <a:latin typeface="Consolas" panose="020B0609020204030204" pitchFamily="49" charset="0"/>
+              </a:rPr>
+              <a:t>(</a:t>
+            </a:r>
+            <a:r>
+              <a:rPr lang="en-US" altLang="ko-KR" sz="1000" dirty="0">
+                <a:solidFill>
+                  <a:srgbClr val="9CDCFE"/>
+                </a:solidFill>
+                <a:latin typeface="Consolas" panose="020B0609020204030204" pitchFamily="49" charset="0"/>
+              </a:rPr>
+              <a:t>app</a:t>
+            </a:r>
+            <a:r>
+              <a:rPr lang="en-US" altLang="ko-KR" sz="1000" dirty="0">
+                <a:solidFill>
+                  <a:srgbClr val="D4D4D4"/>
+                </a:solidFill>
+                <a:latin typeface="Consolas" panose="020B0609020204030204" pitchFamily="49" charset="0"/>
+              </a:rPr>
+              <a:t>);</a:t>
+            </a:r>
+          </a:p>
+          <a:p>
+            <a:r>
+              <a:rPr lang="en-US" altLang="ko-KR" sz="1000" dirty="0">
+                <a:solidFill>
+                  <a:srgbClr val="608B4E"/>
+                </a:solidFill>
+                <a:latin typeface="Consolas" panose="020B0609020204030204" pitchFamily="49" charset="0"/>
+              </a:rPr>
+              <a:t>/**</a:t>
+            </a:r>
+            <a:endParaRPr lang="en-US" altLang="ko-KR" sz="1000" dirty="0">
+              <a:solidFill>
+                <a:srgbClr val="D4D4D4"/>
+              </a:solidFill>
+              <a:latin typeface="Consolas" panose="020B0609020204030204" pitchFamily="49" charset="0"/>
+            </a:endParaRPr>
+          </a:p>
+          <a:p>
+            <a:r>
+              <a:rPr lang="en-US" altLang="ko-KR" sz="1000" dirty="0">
+                <a:solidFill>
+                  <a:srgbClr val="608B4E"/>
+                </a:solidFill>
+                <a:latin typeface="Consolas" panose="020B0609020204030204" pitchFamily="49" charset="0"/>
+              </a:rPr>
+              <a:t>* Listen on provided port, on all network interfaces.</a:t>
+            </a:r>
+            <a:endParaRPr lang="en-US" altLang="ko-KR" sz="1000" dirty="0">
+              <a:solidFill>
+                <a:srgbClr val="D4D4D4"/>
+              </a:solidFill>
+              <a:latin typeface="Consolas" panose="020B0609020204030204" pitchFamily="49" charset="0"/>
+            </a:endParaRPr>
+          </a:p>
+          <a:p>
+            <a:r>
+              <a:rPr lang="en-US" altLang="ko-KR" sz="1000" dirty="0">
+                <a:solidFill>
+                  <a:srgbClr val="608B4E"/>
+                </a:solidFill>
+                <a:latin typeface="Consolas" panose="020B0609020204030204" pitchFamily="49" charset="0"/>
+              </a:rPr>
+              <a:t>*/</a:t>
+            </a:r>
+            <a:endParaRPr lang="en-US" altLang="ko-KR" sz="1000" dirty="0">
+              <a:solidFill>
+                <a:srgbClr val="D4D4D4"/>
+              </a:solidFill>
+              <a:latin typeface="Consolas" panose="020B0609020204030204" pitchFamily="49" charset="0"/>
+            </a:endParaRPr>
+          </a:p>
+          <a:p>
+            <a:r>
+              <a:rPr lang="en-US" altLang="ko-KR" sz="1000" dirty="0">
+                <a:solidFill>
+                  <a:srgbClr val="D4D4D4"/>
+                </a:solidFill>
+                <a:latin typeface="Consolas" panose="020B0609020204030204" pitchFamily="49" charset="0"/>
+              </a:rPr>
+              <a:t/>
+            </a:r>
+            <a:br>
+              <a:rPr lang="en-US" altLang="ko-KR" sz="1000" dirty="0">
+                <a:solidFill>
+                  <a:srgbClr val="D4D4D4"/>
+                </a:solidFill>
+                <a:latin typeface="Consolas" panose="020B0609020204030204" pitchFamily="49" charset="0"/>
+              </a:rPr>
+            </a:br>
+            <a:r>
+              <a:rPr lang="en-US" altLang="ko-KR" sz="1000" dirty="0" err="1">
+                <a:solidFill>
+                  <a:srgbClr val="9CDCFE"/>
+                </a:solidFill>
+                <a:latin typeface="Consolas" panose="020B0609020204030204" pitchFamily="49" charset="0"/>
+              </a:rPr>
+              <a:t>server</a:t>
+            </a:r>
+            <a:r>
+              <a:rPr lang="en-US" altLang="ko-KR" sz="1000" dirty="0" err="1">
+                <a:solidFill>
+                  <a:srgbClr val="D4D4D4"/>
+                </a:solidFill>
+                <a:latin typeface="Consolas" panose="020B0609020204030204" pitchFamily="49" charset="0"/>
+              </a:rPr>
+              <a:t>.</a:t>
+            </a:r>
+            <a:r>
+              <a:rPr lang="en-US" altLang="ko-KR" sz="1000" dirty="0" err="1">
+                <a:solidFill>
+                  <a:srgbClr val="DCDCAA"/>
+                </a:solidFill>
+                <a:latin typeface="Consolas" panose="020B0609020204030204" pitchFamily="49" charset="0"/>
+              </a:rPr>
+              <a:t>listen</a:t>
+            </a:r>
+            <a:r>
+              <a:rPr lang="en-US" altLang="ko-KR" sz="1000" dirty="0">
+                <a:solidFill>
+                  <a:srgbClr val="D4D4D4"/>
+                </a:solidFill>
+                <a:latin typeface="Consolas" panose="020B0609020204030204" pitchFamily="49" charset="0"/>
+              </a:rPr>
+              <a:t>(</a:t>
+            </a:r>
+            <a:r>
+              <a:rPr lang="en-US" altLang="ko-KR" sz="1000" dirty="0">
+                <a:solidFill>
+                  <a:srgbClr val="9CDCFE"/>
+                </a:solidFill>
+                <a:latin typeface="Consolas" panose="020B0609020204030204" pitchFamily="49" charset="0"/>
+              </a:rPr>
+              <a:t>port</a:t>
+            </a:r>
+            <a:r>
+              <a:rPr lang="en-US" altLang="ko-KR" sz="1000" dirty="0">
+                <a:solidFill>
+                  <a:srgbClr val="D4D4D4"/>
+                </a:solidFill>
+                <a:latin typeface="Consolas" panose="020B0609020204030204" pitchFamily="49" charset="0"/>
+              </a:rPr>
+              <a:t>);</a:t>
+            </a:r>
+          </a:p>
+          <a:p>
+            <a:r>
+              <a:rPr lang="en-US" altLang="ko-KR" sz="1000" dirty="0" err="1">
+                <a:solidFill>
+                  <a:srgbClr val="9CDCFE"/>
+                </a:solidFill>
+                <a:latin typeface="Consolas" panose="020B0609020204030204" pitchFamily="49" charset="0"/>
+              </a:rPr>
+              <a:t>server</a:t>
+            </a:r>
+            <a:r>
+              <a:rPr lang="en-US" altLang="ko-KR" sz="1000" dirty="0" err="1">
+                <a:solidFill>
+                  <a:srgbClr val="D4D4D4"/>
+                </a:solidFill>
+                <a:latin typeface="Consolas" panose="020B0609020204030204" pitchFamily="49" charset="0"/>
+              </a:rPr>
+              <a:t>.</a:t>
+            </a:r>
+            <a:r>
+              <a:rPr lang="en-US" altLang="ko-KR" sz="1000" dirty="0" err="1">
+                <a:solidFill>
+                  <a:srgbClr val="DCDCAA"/>
+                </a:solidFill>
+                <a:latin typeface="Consolas" panose="020B0609020204030204" pitchFamily="49" charset="0"/>
+              </a:rPr>
+              <a:t>on</a:t>
+            </a:r>
+            <a:r>
+              <a:rPr lang="en-US" altLang="ko-KR" sz="1000" dirty="0">
+                <a:solidFill>
+                  <a:srgbClr val="D4D4D4"/>
+                </a:solidFill>
+                <a:latin typeface="Consolas" panose="020B0609020204030204" pitchFamily="49" charset="0"/>
+              </a:rPr>
+              <a:t>(</a:t>
+            </a:r>
+            <a:r>
+              <a:rPr lang="en-US" altLang="ko-KR" sz="1000" dirty="0">
+                <a:solidFill>
+                  <a:srgbClr val="CE9178"/>
+                </a:solidFill>
+                <a:latin typeface="Consolas" panose="020B0609020204030204" pitchFamily="49" charset="0"/>
+              </a:rPr>
+              <a:t>'error'</a:t>
+            </a:r>
+            <a:r>
+              <a:rPr lang="en-US" altLang="ko-KR" sz="1000" dirty="0">
+                <a:solidFill>
+                  <a:srgbClr val="D4D4D4"/>
+                </a:solidFill>
+                <a:latin typeface="Consolas" panose="020B0609020204030204" pitchFamily="49" charset="0"/>
+              </a:rPr>
+              <a:t>, </a:t>
+            </a:r>
+            <a:r>
+              <a:rPr lang="en-US" altLang="ko-KR" sz="1000" dirty="0" err="1">
+                <a:solidFill>
+                  <a:srgbClr val="9CDCFE"/>
+                </a:solidFill>
+                <a:latin typeface="Consolas" panose="020B0609020204030204" pitchFamily="49" charset="0"/>
+              </a:rPr>
+              <a:t>onError</a:t>
+            </a:r>
+            <a:r>
+              <a:rPr lang="en-US" altLang="ko-KR" sz="1000" dirty="0">
+                <a:solidFill>
+                  <a:srgbClr val="D4D4D4"/>
+                </a:solidFill>
+                <a:latin typeface="Consolas" panose="020B0609020204030204" pitchFamily="49" charset="0"/>
+              </a:rPr>
+              <a:t>);</a:t>
+            </a:r>
+          </a:p>
+          <a:p>
+            <a:r>
+              <a:rPr lang="en-US" altLang="ko-KR" sz="1000" dirty="0" err="1">
+                <a:solidFill>
+                  <a:srgbClr val="9CDCFE"/>
+                </a:solidFill>
+                <a:latin typeface="Consolas" panose="020B0609020204030204" pitchFamily="49" charset="0"/>
+              </a:rPr>
+              <a:t>server</a:t>
+            </a:r>
+            <a:r>
+              <a:rPr lang="en-US" altLang="ko-KR" sz="1000" dirty="0" err="1">
+                <a:solidFill>
+                  <a:srgbClr val="D4D4D4"/>
+                </a:solidFill>
+                <a:latin typeface="Consolas" panose="020B0609020204030204" pitchFamily="49" charset="0"/>
+              </a:rPr>
+              <a:t>.</a:t>
+            </a:r>
+            <a:r>
+              <a:rPr lang="en-US" altLang="ko-KR" sz="1000" dirty="0" err="1">
+                <a:solidFill>
+                  <a:srgbClr val="DCDCAA"/>
+                </a:solidFill>
+                <a:latin typeface="Consolas" panose="020B0609020204030204" pitchFamily="49" charset="0"/>
+              </a:rPr>
+              <a:t>on</a:t>
+            </a:r>
+            <a:r>
+              <a:rPr lang="en-US" altLang="ko-KR" sz="1000" dirty="0">
+                <a:solidFill>
+                  <a:srgbClr val="D4D4D4"/>
+                </a:solidFill>
+                <a:latin typeface="Consolas" panose="020B0609020204030204" pitchFamily="49" charset="0"/>
+              </a:rPr>
+              <a:t>(</a:t>
+            </a:r>
+            <a:r>
+              <a:rPr lang="en-US" altLang="ko-KR" sz="1000" dirty="0">
+                <a:solidFill>
+                  <a:srgbClr val="CE9178"/>
+                </a:solidFill>
+                <a:latin typeface="Consolas" panose="020B0609020204030204" pitchFamily="49" charset="0"/>
+              </a:rPr>
+              <a:t>'listening'</a:t>
+            </a:r>
+            <a:r>
+              <a:rPr lang="en-US" altLang="ko-KR" sz="1000" dirty="0">
+                <a:solidFill>
+                  <a:srgbClr val="D4D4D4"/>
+                </a:solidFill>
+                <a:latin typeface="Consolas" panose="020B0609020204030204" pitchFamily="49" charset="0"/>
+              </a:rPr>
+              <a:t>, </a:t>
+            </a:r>
+            <a:r>
+              <a:rPr lang="en-US" altLang="ko-KR" sz="1000" dirty="0" err="1">
+                <a:solidFill>
+                  <a:srgbClr val="9CDCFE"/>
+                </a:solidFill>
+                <a:latin typeface="Consolas" panose="020B0609020204030204" pitchFamily="49" charset="0"/>
+              </a:rPr>
+              <a:t>onListening</a:t>
+            </a:r>
+            <a:r>
+              <a:rPr lang="en-US" altLang="ko-KR" sz="1000" dirty="0">
+                <a:solidFill>
+                  <a:srgbClr val="D4D4D4"/>
+                </a:solidFill>
+                <a:latin typeface="Consolas" panose="020B0609020204030204" pitchFamily="49" charset="0"/>
+              </a:rPr>
+              <a:t>);</a:t>
+            </a:r>
+          </a:p>
+          <a:p>
+            <a:r>
+              <a:rPr lang="en-US" altLang="ko-KR" sz="1000" dirty="0">
+                <a:solidFill>
+                  <a:srgbClr val="D4D4D4"/>
+                </a:solidFill>
+                <a:latin typeface="Consolas" panose="020B0609020204030204" pitchFamily="49" charset="0"/>
+              </a:rPr>
+              <a:t/>
+            </a:r>
+            <a:br>
+              <a:rPr lang="en-US" altLang="ko-KR" sz="1000" dirty="0">
+                <a:solidFill>
+                  <a:srgbClr val="D4D4D4"/>
+                </a:solidFill>
+                <a:latin typeface="Consolas" panose="020B0609020204030204" pitchFamily="49" charset="0"/>
+              </a:rPr>
+            </a:br>
+            <a:endParaRPr lang="en-US" altLang="ko-KR" sz="1000" b="0" dirty="0">
+              <a:solidFill>
+                <a:srgbClr val="D4D4D4"/>
+              </a:solidFill>
+              <a:effectLst/>
+              <a:latin typeface="Consolas" panose="020B0609020204030204" pitchFamily="49" charset="0"/>
+            </a:endParaRPr>
+          </a:p>
+        </p:txBody>
+      </p:sp>
+      <p:sp>
+        <p:nvSpPr>
+          <p:cNvPr id="7" name="직사각형 6"/>
+          <p:cNvSpPr/>
+          <p:nvPr/>
+        </p:nvSpPr>
+        <p:spPr>
+          <a:xfrm>
+            <a:off x="319155" y="1663460"/>
+            <a:ext cx="2695546" cy="369332"/>
+          </a:xfrm>
+          <a:prstGeom prst="rect">
+            <a:avLst/>
+          </a:prstGeom>
+        </p:spPr>
+        <p:txBody>
+          <a:bodyPr wrap="none">
+            <a:spAutoFit/>
+          </a:bodyPr>
+          <a:lstStyle/>
+          <a:p>
+            <a:r>
+              <a:rPr lang="en-US" altLang="ko-KR" b="1" spc="-150" dirty="0" err="1" smtClean="0">
+                <a:solidFill>
+                  <a:schemeClr val="accent4">
+                    <a:lumMod val="50000"/>
+                  </a:schemeClr>
+                </a:solidFill>
+                <a:latin typeface="나눔고딕" pitchFamily="50" charset="-127"/>
+                <a:ea typeface="나눔고딕" pitchFamily="50" charset="-127"/>
+              </a:rPr>
+              <a:t>Websocket</a:t>
+            </a:r>
+            <a:r>
+              <a:rPr lang="ko-KR" altLang="en-US" b="1" spc="-150" dirty="0" smtClean="0">
+                <a:solidFill>
+                  <a:schemeClr val="accent4">
+                    <a:lumMod val="50000"/>
+                  </a:schemeClr>
+                </a:solidFill>
+                <a:latin typeface="나눔고딕" pitchFamily="50" charset="-127"/>
+                <a:ea typeface="나눔고딕" pitchFamily="50" charset="-127"/>
+              </a:rPr>
+              <a:t>이 동작하는 코드 </a:t>
+            </a:r>
+            <a:endParaRPr lang="ko-KR" altLang="en-US" dirty="0"/>
+          </a:p>
+        </p:txBody>
+      </p:sp>
+      <p:sp>
+        <p:nvSpPr>
+          <p:cNvPr id="11" name="직사각형 10"/>
+          <p:cNvSpPr/>
+          <p:nvPr/>
+        </p:nvSpPr>
+        <p:spPr>
+          <a:xfrm>
+            <a:off x="280246" y="2752861"/>
+            <a:ext cx="3134769" cy="369332"/>
+          </a:xfrm>
+          <a:prstGeom prst="rect">
+            <a:avLst/>
+          </a:prstGeom>
+        </p:spPr>
+        <p:txBody>
+          <a:bodyPr wrap="none">
+            <a:spAutoFit/>
+          </a:bodyPr>
+          <a:lstStyle/>
+          <a:p>
+            <a:r>
+              <a:rPr lang="en-US" altLang="ko-KR" b="1" spc="-150" dirty="0" err="1" smtClean="0">
+                <a:solidFill>
+                  <a:schemeClr val="accent4">
+                    <a:lumMod val="50000"/>
+                  </a:schemeClr>
+                </a:solidFill>
+                <a:latin typeface="나눔고딕" pitchFamily="50" charset="-127"/>
+                <a:ea typeface="나눔고딕" pitchFamily="50" charset="-127"/>
+              </a:rPr>
+              <a:t>Websocket</a:t>
+            </a:r>
+            <a:r>
+              <a:rPr lang="ko-KR" altLang="en-US" b="1" spc="-150" dirty="0" smtClean="0">
+                <a:solidFill>
+                  <a:schemeClr val="accent4">
+                    <a:lumMod val="50000"/>
+                  </a:schemeClr>
+                </a:solidFill>
+                <a:latin typeface="나눔고딕" pitchFamily="50" charset="-127"/>
+                <a:ea typeface="나눔고딕" pitchFamily="50" charset="-127"/>
+              </a:rPr>
+              <a:t>이 동작하지 않는 코드 </a:t>
+            </a:r>
+            <a:endParaRPr lang="ko-KR" altLang="en-US" dirty="0"/>
+          </a:p>
+        </p:txBody>
+      </p:sp>
+      <p:sp>
+        <p:nvSpPr>
+          <p:cNvPr id="12" name="직사각형 11"/>
+          <p:cNvSpPr/>
+          <p:nvPr/>
+        </p:nvSpPr>
+        <p:spPr>
+          <a:xfrm>
+            <a:off x="319155" y="4927810"/>
+            <a:ext cx="5264583" cy="369332"/>
+          </a:xfrm>
+          <a:prstGeom prst="rect">
+            <a:avLst/>
+          </a:prstGeom>
+        </p:spPr>
+        <p:txBody>
+          <a:bodyPr wrap="none">
+            <a:spAutoFit/>
+          </a:bodyPr>
+          <a:lstStyle/>
+          <a:p>
+            <a:r>
+              <a:rPr lang="en-US" altLang="ko-KR" dirty="0" err="1"/>
+              <a:t>a</a:t>
+            </a:r>
+            <a:r>
+              <a:rPr lang="en-US" altLang="ko-KR" dirty="0" err="1" smtClean="0"/>
+              <a:t>pp.listen</a:t>
+            </a:r>
+            <a:r>
+              <a:rPr lang="en-US" altLang="ko-KR" dirty="0" smtClean="0"/>
+              <a:t> == </a:t>
+            </a:r>
+            <a:r>
+              <a:rPr lang="en-US" altLang="ko-KR" dirty="0" err="1" smtClean="0"/>
+              <a:t>http.createServer</a:t>
+            </a:r>
+            <a:r>
+              <a:rPr lang="en-US" altLang="ko-KR" dirty="0" smtClean="0"/>
+              <a:t> + </a:t>
+            </a:r>
+            <a:r>
+              <a:rPr lang="en-US" altLang="ko-KR" dirty="0" err="1" smtClean="0"/>
+              <a:t>server.listen</a:t>
+            </a:r>
+            <a:r>
+              <a:rPr lang="en-US" altLang="ko-KR" dirty="0" smtClean="0"/>
+              <a:t> ??</a:t>
+            </a:r>
+            <a:endParaRPr lang="ko-KR" altLang="en-US" dirty="0"/>
+          </a:p>
+        </p:txBody>
+      </p:sp>
+      <p:sp>
+        <p:nvSpPr>
+          <p:cNvPr id="8" name="직사각형 7"/>
+          <p:cNvSpPr/>
+          <p:nvPr/>
+        </p:nvSpPr>
+        <p:spPr>
+          <a:xfrm>
+            <a:off x="319155" y="6274576"/>
+            <a:ext cx="8406001" cy="369332"/>
+          </a:xfrm>
+          <a:prstGeom prst="rect">
+            <a:avLst/>
+          </a:prstGeom>
+        </p:spPr>
+        <p:txBody>
+          <a:bodyPr wrap="square">
+            <a:spAutoFit/>
+          </a:bodyPr>
+          <a:lstStyle/>
+          <a:p>
+            <a:r>
+              <a:rPr lang="ko-KR" altLang="en-US" b="1" spc="-150" dirty="0" err="1" smtClean="0">
+                <a:solidFill>
+                  <a:srgbClr val="FF0000"/>
+                </a:solidFill>
+                <a:latin typeface="나눔고딕" pitchFamily="50" charset="-127"/>
+                <a:ea typeface="나눔고딕" pitchFamily="50" charset="-127"/>
+              </a:rPr>
+              <a:t>어느부분때문에</a:t>
+            </a:r>
+            <a:r>
+              <a:rPr lang="ko-KR" altLang="en-US" b="1" spc="-150" dirty="0" smtClean="0">
+                <a:solidFill>
+                  <a:srgbClr val="FF0000"/>
+                </a:solidFill>
+                <a:latin typeface="나눔고딕" pitchFamily="50" charset="-127"/>
+                <a:ea typeface="나눔고딕" pitchFamily="50" charset="-127"/>
+              </a:rPr>
+              <a:t> 동작하지 </a:t>
+            </a:r>
+            <a:r>
+              <a:rPr lang="ko-KR" altLang="en-US" b="1" spc="-150" dirty="0" err="1" smtClean="0">
+                <a:solidFill>
+                  <a:srgbClr val="FF0000"/>
+                </a:solidFill>
+                <a:latin typeface="나눔고딕" pitchFamily="50" charset="-127"/>
+                <a:ea typeface="나눔고딕" pitchFamily="50" charset="-127"/>
+              </a:rPr>
+              <a:t>않았던건</a:t>
+            </a:r>
+            <a:r>
+              <a:rPr lang="ko-KR" altLang="en-US" b="1" spc="-150" dirty="0" smtClean="0">
+                <a:solidFill>
+                  <a:srgbClr val="FF0000"/>
+                </a:solidFill>
+                <a:latin typeface="나눔고딕" pitchFamily="50" charset="-127"/>
+                <a:ea typeface="나눔고딕" pitchFamily="50" charset="-127"/>
+              </a:rPr>
+              <a:t> 알았지만</a:t>
+            </a:r>
+            <a:r>
+              <a:rPr lang="en-US" altLang="ko-KR" b="1" spc="-150" dirty="0" smtClean="0">
+                <a:solidFill>
+                  <a:srgbClr val="FF0000"/>
+                </a:solidFill>
+                <a:latin typeface="나눔고딕" pitchFamily="50" charset="-127"/>
+                <a:ea typeface="나눔고딕" pitchFamily="50" charset="-127"/>
+              </a:rPr>
+              <a:t>, </a:t>
+            </a:r>
+            <a:r>
+              <a:rPr lang="ko-KR" altLang="en-US" b="1" spc="-150" dirty="0" smtClean="0">
+                <a:solidFill>
+                  <a:srgbClr val="FF0000"/>
+                </a:solidFill>
+                <a:latin typeface="나눔고딕" pitchFamily="50" charset="-127"/>
+                <a:ea typeface="나눔고딕" pitchFamily="50" charset="-127"/>
+              </a:rPr>
+              <a:t>왜 그런지는 모르겠다</a:t>
+            </a:r>
+            <a:r>
+              <a:rPr lang="en-US" altLang="ko-KR" b="1" spc="-150" dirty="0" smtClean="0">
+                <a:solidFill>
+                  <a:srgbClr val="FF0000"/>
+                </a:solidFill>
+                <a:latin typeface="나눔고딕" pitchFamily="50" charset="-127"/>
+                <a:ea typeface="나눔고딕" pitchFamily="50" charset="-127"/>
+              </a:rPr>
+              <a:t>. </a:t>
+            </a:r>
+            <a:endParaRPr lang="ko-KR" altLang="en-US" dirty="0">
+              <a:solidFill>
+                <a:srgbClr val="FF0000"/>
+              </a:solidFill>
+            </a:endParaRPr>
+          </a:p>
+        </p:txBody>
+      </p:sp>
+    </p:spTree>
+    <p:extLst>
+      <p:ext uri="{BB962C8B-B14F-4D97-AF65-F5344CB8AC3E}">
+        <p14:creationId xmlns:p14="http://schemas.microsoft.com/office/powerpoint/2010/main" val="2859972608"/>
+      </p:ext>
+    </p:extLst>
+  </p:cSld>
+  <p:clrMapOvr>
+    <a:masterClrMapping/>
+  </p:clrMapOvr>
+  <p:timing>
+    <p:tnLst>
+      <p:par>
+        <p:cTn id="1" dur="indefinite" restart="never" nodeType="tmRoot"/>
+      </p:par>
+    </p:tnLst>
+  </p:timing>
+</p:sld>
+</file>
+
+<file path=ppt/slides/slide20.xml><?xml version="1.0" encoding="utf-8"?>
+<p:sld xmlns:a="http://schemas.openxmlformats.org/drawingml/2006/main" xmlns:r="http://schemas.openxmlformats.org/officeDocument/2006/relationships" xmlns:p="http://schemas.openxmlformats.org/presentationml/2006/main">
+  <p:cSld>
+    <p:spTree>
+      <p:nvGrpSpPr>
+        <p:cNvPr id="1" name=""/>
+        <p:cNvGrpSpPr/>
+        <p:nvPr/>
+      </p:nvGrpSpPr>
+      <p:grpSpPr>
+        <a:xfrm>
+          <a:off x="0" y="0"/>
+          <a:ext cx="0" cy="0"/>
+          <a:chOff x="0" y="0"/>
+          <a:chExt cx="0" cy="0"/>
+        </a:xfrm>
+      </p:grpSpPr>
+      <p:sp>
+        <p:nvSpPr>
+          <p:cNvPr id="5" name="TextBox 4"/>
+          <p:cNvSpPr txBox="1"/>
+          <p:nvPr/>
+        </p:nvSpPr>
+        <p:spPr>
+          <a:xfrm>
+            <a:off x="263455" y="195231"/>
+            <a:ext cx="1584176" cy="215444"/>
+          </a:xfrm>
+          <a:prstGeom prst="rect">
+            <a:avLst/>
+          </a:prstGeom>
+          <a:noFill/>
+        </p:spPr>
+        <p:txBody>
+          <a:bodyPr wrap="square" rtlCol="0">
+            <a:spAutoFit/>
+          </a:bodyPr>
+          <a:lstStyle/>
+          <a:p>
+            <a:r>
+              <a:rPr lang="en-US" altLang="ko-KR" sz="800" spc="-30" dirty="0" smtClean="0">
+                <a:solidFill>
+                  <a:schemeClr val="tx1">
+                    <a:lumMod val="95000"/>
+                    <a:lumOff val="5000"/>
+                  </a:schemeClr>
+                </a:solidFill>
+                <a:latin typeface="나눔고딕" pitchFamily="50" charset="-127"/>
+                <a:ea typeface="나눔고딕" pitchFamily="50" charset="-127"/>
+              </a:rPr>
+              <a:t>Room </a:t>
+            </a:r>
+            <a:endParaRPr lang="en-US" altLang="ko-KR" sz="800" spc="-30" dirty="0">
+              <a:solidFill>
+                <a:schemeClr val="tx1">
+                  <a:lumMod val="95000"/>
+                  <a:lumOff val="5000"/>
+                </a:schemeClr>
+              </a:solidFill>
+              <a:latin typeface="나눔고딕" pitchFamily="50" charset="-127"/>
+              <a:ea typeface="나눔고딕" pitchFamily="50" charset="-127"/>
+            </a:endParaRPr>
+          </a:p>
+        </p:txBody>
+      </p:sp>
+      <p:cxnSp>
+        <p:nvCxnSpPr>
+          <p:cNvPr id="20" name="직선 연결선 19"/>
+          <p:cNvCxnSpPr/>
+          <p:nvPr/>
+        </p:nvCxnSpPr>
+        <p:spPr>
+          <a:xfrm>
+            <a:off x="364803" y="547859"/>
+            <a:ext cx="8406000" cy="0"/>
+          </a:xfrm>
+          <a:prstGeom prst="line">
+            <a:avLst/>
+          </a:prstGeom>
+          <a:ln w="3175">
+            <a:solidFill>
+              <a:schemeClr val="accent4">
+                <a:lumMod val="50000"/>
+              </a:schemeClr>
+            </a:solidFill>
+          </a:ln>
+        </p:spPr>
+        <p:style>
+          <a:lnRef idx="1">
+            <a:schemeClr val="accent1"/>
+          </a:lnRef>
+          <a:fillRef idx="0">
+            <a:schemeClr val="accent1"/>
+          </a:fillRef>
+          <a:effectRef idx="0">
+            <a:schemeClr val="accent1"/>
+          </a:effectRef>
+          <a:fontRef idx="minor">
+            <a:schemeClr val="tx1"/>
+          </a:fontRef>
+        </p:style>
+      </p:cxnSp>
+      <p:sp>
+        <p:nvSpPr>
+          <p:cNvPr id="31" name="제목 1"/>
+          <p:cNvSpPr>
+            <a:spLocks noGrp="1"/>
+          </p:cNvSpPr>
+          <p:nvPr>
+            <p:ph type="title"/>
+          </p:nvPr>
+        </p:nvSpPr>
+        <p:spPr>
+          <a:xfrm>
+            <a:off x="256544" y="700126"/>
+            <a:ext cx="6995120" cy="580926"/>
+          </a:xfrm>
+        </p:spPr>
+        <p:txBody>
+          <a:bodyPr>
+            <a:noAutofit/>
+          </a:bodyPr>
+          <a:lstStyle/>
+          <a:p>
+            <a:pPr algn="l"/>
+            <a:r>
+              <a:rPr lang="en-US" altLang="ko-KR" sz="4000" b="1" spc="-150" dirty="0" err="1" smtClean="0">
+                <a:solidFill>
+                  <a:schemeClr val="accent4">
+                    <a:lumMod val="50000"/>
+                  </a:schemeClr>
+                </a:solidFill>
+              </a:rPr>
+              <a:t>Heroku</a:t>
+            </a:r>
+            <a:r>
+              <a:rPr lang="ko-KR" altLang="en-US" sz="4000" b="1" spc="-150" dirty="0" smtClean="0">
+                <a:solidFill>
+                  <a:schemeClr val="accent4">
+                    <a:lumMod val="50000"/>
+                  </a:schemeClr>
+                </a:solidFill>
+              </a:rPr>
+              <a:t>에서 테스트</a:t>
+            </a:r>
+            <a:endParaRPr lang="ko-KR" altLang="en-US" sz="4000" b="1" spc="-150" dirty="0">
+              <a:solidFill>
+                <a:schemeClr val="accent4">
+                  <a:lumMod val="50000"/>
+                </a:schemeClr>
+              </a:solidFill>
+              <a:latin typeface="나눔고딕" pitchFamily="50" charset="-127"/>
+              <a:ea typeface="나눔고딕" pitchFamily="50" charset="-127"/>
+            </a:endParaRPr>
+          </a:p>
+        </p:txBody>
+      </p:sp>
+      <p:sp>
+        <p:nvSpPr>
+          <p:cNvPr id="9" name="TextBox 8"/>
+          <p:cNvSpPr txBox="1"/>
+          <p:nvPr/>
+        </p:nvSpPr>
+        <p:spPr>
+          <a:xfrm>
+            <a:off x="7277411" y="195231"/>
+            <a:ext cx="1584176" cy="215444"/>
+          </a:xfrm>
+          <a:prstGeom prst="rect">
+            <a:avLst/>
+          </a:prstGeom>
+          <a:noFill/>
+        </p:spPr>
+        <p:txBody>
+          <a:bodyPr wrap="square" rtlCol="0">
+            <a:spAutoFit/>
+          </a:bodyPr>
+          <a:lstStyle/>
+          <a:p>
+            <a:pPr algn="r"/>
+            <a:fld id="{DBA1376A-1BCE-4C3B-85BD-05D751D6B156}" type="slidenum">
+              <a:rPr lang="en-US" altLang="ko-KR" sz="800" spc="-30" smtClean="0">
+                <a:solidFill>
+                  <a:schemeClr val="tx1">
+                    <a:lumMod val="95000"/>
+                    <a:lumOff val="5000"/>
+                  </a:schemeClr>
+                </a:solidFill>
+                <a:latin typeface="나눔고딕" pitchFamily="50" charset="-127"/>
+                <a:ea typeface="나눔고딕" pitchFamily="50" charset="-127"/>
+              </a:rPr>
+              <a:pPr algn="r"/>
+              <a:t>20</a:t>
             </a:fld>
             <a:r>
               <a:rPr lang="en-US" altLang="ko-KR" sz="800" spc="-30" dirty="0" smtClean="0">
@@ -11661,7 +14048,7 @@
 </p:sld>
 </file>
 
-<file path=ppt/slides/slide19.xml><?xml version="1.0" encoding="utf-8"?>
+<file path=ppt/slides/slide21.xml><?xml version="1.0" encoding="utf-8"?>
 <p:sld xmlns:a="http://schemas.openxmlformats.org/drawingml/2006/main" xmlns:r="http://schemas.openxmlformats.org/officeDocument/2006/relationships" xmlns:p="http://schemas.openxmlformats.org/presentationml/2006/main">
   <p:cSld>
     <p:spTree>
@@ -12004,7 +14391,7 @@
 </p:sld>
 </file>
 
-<file path=ppt/slides/slide2.xml><?xml version="1.0" encoding="utf-8"?>
+<file path=ppt/slides/slide3.xml><?xml version="1.0" encoding="utf-8"?>
 <p:sld xmlns:a="http://schemas.openxmlformats.org/drawingml/2006/main" xmlns:r="http://schemas.openxmlformats.org/officeDocument/2006/relationships" xmlns:p="http://schemas.openxmlformats.org/presentationml/2006/main">
   <p:cSld>
     <p:spTree>
@@ -12044,7 +14431,7 @@
           <a:lstStyle/>
           <a:p>
             <a:r>
-              <a:rPr lang="en-US" altLang="ko-KR" sz="800" spc="-30" dirty="0" smtClean="0">
+              <a:rPr lang="ko-KR" altLang="en-US" sz="800" spc="-30" dirty="0" smtClean="0">
                 <a:solidFill>
                   <a:schemeClr val="tx1">
                     <a:lumMod val="95000"/>
@@ -12054,7 +14441,7 @@
                 <a:latin typeface="나눔고딕" pitchFamily="50" charset="-127"/>
                 <a:ea typeface="나눔고딕" pitchFamily="50" charset="-127"/>
               </a:rPr>
-              <a:t>A/S</a:t>
+              <a:t>복습</a:t>
             </a:r>
             <a:endParaRPr lang="en-US" altLang="ko-KR" sz="800" spc="-30" dirty="0">
               <a:solidFill>
@@ -12130,64 +14517,14 @@
           <a:p>
             <a:pPr algn="l"/>
             <a:r>
-              <a:rPr lang="en-US" altLang="ko-KR" sz="4000" b="1" spc="-150" dirty="0" smtClean="0">
+              <a:rPr lang="ko-KR" altLang="en-US" sz="4000" b="1" spc="-150" dirty="0" smtClean="0">
                 <a:solidFill>
                   <a:schemeClr val="accent4">
                     <a:lumMod val="50000"/>
                   </a:schemeClr>
                 </a:solidFill>
-                <a:latin typeface="나눔고딕" pitchFamily="50" charset="-127"/>
-                <a:ea typeface="나눔고딕" pitchFamily="50" charset="-127"/>
-              </a:rPr>
-              <a:t>express-</a:t>
-            </a:r>
-            <a:r>
-              <a:rPr lang="en-US" altLang="ko-KR" sz="4000" b="1" spc="-150" dirty="0" err="1" smtClean="0">
-                <a:solidFill>
-                  <a:schemeClr val="accent4">
-                    <a:lumMod val="50000"/>
-                  </a:schemeClr>
-                </a:solidFill>
-                <a:latin typeface="나눔고딕" pitchFamily="50" charset="-127"/>
-                <a:ea typeface="나눔고딕" pitchFamily="50" charset="-127"/>
-              </a:rPr>
-              <a:t>ws</a:t>
-            </a:r>
-            <a:r>
-              <a:rPr lang="en-US" altLang="ko-KR" sz="4000" b="1" spc="-150" dirty="0" smtClean="0">
-                <a:solidFill>
-                  <a:schemeClr val="accent4">
-                    <a:lumMod val="50000"/>
-                  </a:schemeClr>
-                </a:solidFill>
-                <a:latin typeface="나눔고딕" pitchFamily="50" charset="-127"/>
-                <a:ea typeface="나눔고딕" pitchFamily="50" charset="-127"/>
-              </a:rPr>
-              <a:t> </a:t>
-            </a:r>
-            <a:r>
-              <a:rPr lang="ko-KR" altLang="en-US" sz="4000" b="1" spc="-150" dirty="0" err="1" smtClean="0">
-                <a:solidFill>
-                  <a:schemeClr val="accent4">
-                    <a:lumMod val="50000"/>
-                  </a:schemeClr>
-                </a:solidFill>
-                <a:latin typeface="나눔고딕" pitchFamily="50" charset="-127"/>
-                <a:ea typeface="나눔고딕" pitchFamily="50" charset="-127"/>
-              </a:rPr>
-              <a:t>연결안되었던</a:t>
-            </a:r>
-            <a:r>
-              <a:rPr lang="ko-KR" altLang="en-US" sz="4000" b="1" spc="-150" dirty="0" smtClean="0">
-                <a:solidFill>
-                  <a:schemeClr val="accent4">
-                    <a:lumMod val="50000"/>
-                  </a:schemeClr>
-                </a:solidFill>
-                <a:latin typeface="나눔고딕" pitchFamily="50" charset="-127"/>
-                <a:ea typeface="나눔고딕" pitchFamily="50" charset="-127"/>
-              </a:rPr>
-              <a:t> 문제</a:t>
+              </a:rPr>
+              <a:t>중간 회고</a:t>
             </a:r>
             <a:endParaRPr lang="ko-KR" altLang="en-US" sz="4000" b="1" spc="-150" dirty="0">
               <a:solidFill>
@@ -12236,7 +14573,7 @@
                 <a:ea typeface="나눔고딕" pitchFamily="50" charset="-127"/>
               </a:rPr>
               <a:pPr algn="r"/>
-              <a:t>2</a:t>
+              <a:t>3</a:t>
             </a:fld>
             <a:r>
               <a:rPr lang="en-US" altLang="ko-KR" sz="800" spc="-30" dirty="0" smtClean="0">
@@ -12266,1201 +14603,14 @@
       </p:sp>
       <p:sp>
         <p:nvSpPr>
-          <p:cNvPr id="3" name="직사각형 2"/>
-          <p:cNvSpPr/>
-          <p:nvPr/>
-        </p:nvSpPr>
-        <p:spPr>
-          <a:xfrm>
-            <a:off x="364802" y="2032792"/>
-            <a:ext cx="8406000" cy="553998"/>
-          </a:xfrm>
-          <a:prstGeom prst="rect">
-            <a:avLst/>
-          </a:prstGeom>
-          <a:solidFill>
-            <a:schemeClr val="tx1"/>
-          </a:solidFill>
-        </p:spPr>
-        <p:txBody>
-          <a:bodyPr wrap="square">
-            <a:spAutoFit/>
-          </a:bodyPr>
-          <a:lstStyle/>
-          <a:p>
-            <a:r>
-              <a:rPr lang="en-US" altLang="ko-KR" sz="1000" dirty="0" err="1">
-                <a:solidFill>
-                  <a:srgbClr val="569CD6"/>
-                </a:solidFill>
-                <a:latin typeface="Consolas" panose="020B0609020204030204" pitchFamily="49" charset="0"/>
-              </a:rPr>
-              <a:t>var</a:t>
-            </a:r>
-            <a:r>
-              <a:rPr lang="en-US" altLang="ko-KR" sz="1000" dirty="0">
-                <a:solidFill>
-                  <a:srgbClr val="D4D4D4"/>
-                </a:solidFill>
-                <a:latin typeface="Consolas" panose="020B0609020204030204" pitchFamily="49" charset="0"/>
-              </a:rPr>
-              <a:t> </a:t>
-            </a:r>
-            <a:r>
-              <a:rPr lang="en-US" altLang="ko-KR" sz="1000" dirty="0">
-                <a:solidFill>
-                  <a:srgbClr val="9CDCFE"/>
-                </a:solidFill>
-                <a:latin typeface="Consolas" panose="020B0609020204030204" pitchFamily="49" charset="0"/>
-              </a:rPr>
-              <a:t>server</a:t>
-            </a:r>
-            <a:r>
-              <a:rPr lang="en-US" altLang="ko-KR" sz="1000" dirty="0">
-                <a:solidFill>
-                  <a:srgbClr val="D4D4D4"/>
-                </a:solidFill>
-                <a:latin typeface="Consolas" panose="020B0609020204030204" pitchFamily="49" charset="0"/>
-              </a:rPr>
-              <a:t> = </a:t>
-            </a:r>
-            <a:r>
-              <a:rPr lang="en-US" altLang="ko-KR" sz="1000" dirty="0" err="1">
-                <a:solidFill>
-                  <a:srgbClr val="9CDCFE"/>
-                </a:solidFill>
-                <a:latin typeface="Consolas" panose="020B0609020204030204" pitchFamily="49" charset="0"/>
-              </a:rPr>
-              <a:t>app</a:t>
-            </a:r>
-            <a:r>
-              <a:rPr lang="en-US" altLang="ko-KR" sz="1000" dirty="0" err="1">
-                <a:solidFill>
-                  <a:srgbClr val="D4D4D4"/>
-                </a:solidFill>
-                <a:latin typeface="Consolas" panose="020B0609020204030204" pitchFamily="49" charset="0"/>
-              </a:rPr>
-              <a:t>.</a:t>
-            </a:r>
-            <a:r>
-              <a:rPr lang="en-US" altLang="ko-KR" sz="1000" dirty="0" err="1">
-                <a:solidFill>
-                  <a:srgbClr val="DCDCAA"/>
-                </a:solidFill>
-                <a:latin typeface="Consolas" panose="020B0609020204030204" pitchFamily="49" charset="0"/>
-              </a:rPr>
-              <a:t>listen</a:t>
-            </a:r>
-            <a:r>
-              <a:rPr lang="en-US" altLang="ko-KR" sz="1000" dirty="0">
-                <a:solidFill>
-                  <a:srgbClr val="D4D4D4"/>
-                </a:solidFill>
-                <a:latin typeface="Consolas" panose="020B0609020204030204" pitchFamily="49" charset="0"/>
-              </a:rPr>
-              <a:t>(</a:t>
-            </a:r>
-            <a:r>
-              <a:rPr lang="en-US" altLang="ko-KR" sz="1000" dirty="0" err="1">
-                <a:solidFill>
-                  <a:srgbClr val="9CDCFE"/>
-                </a:solidFill>
-                <a:latin typeface="Consolas" panose="020B0609020204030204" pitchFamily="49" charset="0"/>
-              </a:rPr>
-              <a:t>app</a:t>
-            </a:r>
-            <a:r>
-              <a:rPr lang="en-US" altLang="ko-KR" sz="1000" dirty="0" err="1">
-                <a:solidFill>
-                  <a:srgbClr val="D4D4D4"/>
-                </a:solidFill>
-                <a:latin typeface="Consolas" panose="020B0609020204030204" pitchFamily="49" charset="0"/>
-              </a:rPr>
-              <a:t>.</a:t>
-            </a:r>
-            <a:r>
-              <a:rPr lang="en-US" altLang="ko-KR" sz="1000" dirty="0" err="1">
-                <a:solidFill>
-                  <a:srgbClr val="DCDCAA"/>
-                </a:solidFill>
-                <a:latin typeface="Consolas" panose="020B0609020204030204" pitchFamily="49" charset="0"/>
-              </a:rPr>
-              <a:t>get</a:t>
-            </a:r>
-            <a:r>
-              <a:rPr lang="en-US" altLang="ko-KR" sz="1000" dirty="0">
-                <a:solidFill>
-                  <a:srgbClr val="D4D4D4"/>
-                </a:solidFill>
-                <a:latin typeface="Consolas" panose="020B0609020204030204" pitchFamily="49" charset="0"/>
-              </a:rPr>
-              <a:t>( </a:t>
-            </a:r>
-            <a:r>
-              <a:rPr lang="en-US" altLang="ko-KR" sz="1000" dirty="0">
-                <a:solidFill>
-                  <a:srgbClr val="CE9178"/>
-                </a:solidFill>
-                <a:latin typeface="Consolas" panose="020B0609020204030204" pitchFamily="49" charset="0"/>
-              </a:rPr>
-              <a:t>'port'</a:t>
-            </a:r>
-            <a:r>
-              <a:rPr lang="en-US" altLang="ko-KR" sz="1000" dirty="0">
-                <a:solidFill>
-                  <a:srgbClr val="D4D4D4"/>
-                </a:solidFill>
-                <a:latin typeface="Consolas" panose="020B0609020204030204" pitchFamily="49" charset="0"/>
-              </a:rPr>
-              <a:t> ), </a:t>
-            </a:r>
-            <a:r>
-              <a:rPr lang="en-US" altLang="ko-KR" sz="1000" dirty="0">
-                <a:solidFill>
-                  <a:srgbClr val="569CD6"/>
-                </a:solidFill>
-                <a:latin typeface="Consolas" panose="020B0609020204030204" pitchFamily="49" charset="0"/>
-              </a:rPr>
-              <a:t>function</a:t>
-            </a:r>
-            <a:r>
-              <a:rPr lang="en-US" altLang="ko-KR" sz="1000" dirty="0">
-                <a:solidFill>
-                  <a:srgbClr val="D4D4D4"/>
-                </a:solidFill>
-                <a:latin typeface="Consolas" panose="020B0609020204030204" pitchFamily="49" charset="0"/>
-              </a:rPr>
-              <a:t>(){</a:t>
-            </a:r>
-          </a:p>
-          <a:p>
-            <a:pPr lvl="1"/>
-            <a:r>
-              <a:rPr lang="en-US" altLang="ko-KR" sz="1000" dirty="0">
-                <a:solidFill>
-                  <a:srgbClr val="4EC9B0"/>
-                </a:solidFill>
-                <a:latin typeface="Consolas" panose="020B0609020204030204" pitchFamily="49" charset="0"/>
-              </a:rPr>
-              <a:t>console</a:t>
-            </a:r>
-            <a:r>
-              <a:rPr lang="en-US" altLang="ko-KR" sz="1000" dirty="0">
-                <a:solidFill>
-                  <a:srgbClr val="D4D4D4"/>
-                </a:solidFill>
-                <a:latin typeface="Consolas" panose="020B0609020204030204" pitchFamily="49" charset="0"/>
-              </a:rPr>
-              <a:t>.</a:t>
-            </a:r>
-            <a:r>
-              <a:rPr lang="en-US" altLang="ko-KR" sz="1000" dirty="0">
-                <a:solidFill>
-                  <a:srgbClr val="DCDCAA"/>
-                </a:solidFill>
-                <a:latin typeface="Consolas" panose="020B0609020204030204" pitchFamily="49" charset="0"/>
-              </a:rPr>
-              <a:t>log</a:t>
-            </a:r>
-            <a:r>
-              <a:rPr lang="en-US" altLang="ko-KR" sz="1000" dirty="0">
-                <a:solidFill>
-                  <a:srgbClr val="D4D4D4"/>
-                </a:solidFill>
-                <a:latin typeface="Consolas" panose="020B0609020204030204" pitchFamily="49" charset="0"/>
-              </a:rPr>
-              <a:t>( </a:t>
-            </a:r>
-            <a:r>
-              <a:rPr lang="en-US" altLang="ko-KR" sz="1000" dirty="0">
-                <a:solidFill>
-                  <a:srgbClr val="CE9178"/>
-                </a:solidFill>
-                <a:latin typeface="Consolas" panose="020B0609020204030204" pitchFamily="49" charset="0"/>
-              </a:rPr>
-              <a:t>'Express server listening on port '</a:t>
-            </a:r>
-            <a:r>
-              <a:rPr lang="en-US" altLang="ko-KR" sz="1000" dirty="0">
-                <a:solidFill>
-                  <a:srgbClr val="D4D4D4"/>
-                </a:solidFill>
-                <a:latin typeface="Consolas" panose="020B0609020204030204" pitchFamily="49" charset="0"/>
-              </a:rPr>
-              <a:t> + </a:t>
-            </a:r>
-            <a:r>
-              <a:rPr lang="en-US" altLang="ko-KR" sz="1000" dirty="0" err="1">
-                <a:solidFill>
-                  <a:srgbClr val="9CDCFE"/>
-                </a:solidFill>
-                <a:latin typeface="Consolas" panose="020B0609020204030204" pitchFamily="49" charset="0"/>
-              </a:rPr>
-              <a:t>app</a:t>
-            </a:r>
-            <a:r>
-              <a:rPr lang="en-US" altLang="ko-KR" sz="1000" dirty="0" err="1">
-                <a:solidFill>
-                  <a:srgbClr val="D4D4D4"/>
-                </a:solidFill>
-                <a:latin typeface="Consolas" panose="020B0609020204030204" pitchFamily="49" charset="0"/>
-              </a:rPr>
-              <a:t>.</a:t>
-            </a:r>
-            <a:r>
-              <a:rPr lang="en-US" altLang="ko-KR" sz="1000" dirty="0" err="1">
-                <a:solidFill>
-                  <a:srgbClr val="DCDCAA"/>
-                </a:solidFill>
-                <a:latin typeface="Consolas" panose="020B0609020204030204" pitchFamily="49" charset="0"/>
-              </a:rPr>
-              <a:t>get</a:t>
-            </a:r>
-            <a:r>
-              <a:rPr lang="en-US" altLang="ko-KR" sz="1000" dirty="0">
-                <a:solidFill>
-                  <a:srgbClr val="D4D4D4"/>
-                </a:solidFill>
-                <a:latin typeface="Consolas" panose="020B0609020204030204" pitchFamily="49" charset="0"/>
-              </a:rPr>
-              <a:t>( </a:t>
-            </a:r>
-            <a:r>
-              <a:rPr lang="en-US" altLang="ko-KR" sz="1000" dirty="0">
-                <a:solidFill>
-                  <a:srgbClr val="CE9178"/>
-                </a:solidFill>
-                <a:latin typeface="Consolas" panose="020B0609020204030204" pitchFamily="49" charset="0"/>
-              </a:rPr>
-              <a:t>'port'</a:t>
-            </a:r>
-            <a:r>
-              <a:rPr lang="en-US" altLang="ko-KR" sz="1000" dirty="0">
-                <a:solidFill>
-                  <a:srgbClr val="D4D4D4"/>
-                </a:solidFill>
-                <a:latin typeface="Consolas" panose="020B0609020204030204" pitchFamily="49" charset="0"/>
-              </a:rPr>
-              <a:t> ));</a:t>
-            </a:r>
-          </a:p>
-          <a:p>
-            <a:r>
-              <a:rPr lang="en-US" altLang="ko-KR" sz="1000" dirty="0">
-                <a:solidFill>
-                  <a:srgbClr val="D4D4D4"/>
-                </a:solidFill>
-                <a:latin typeface="Consolas" panose="020B0609020204030204" pitchFamily="49" charset="0"/>
-              </a:rPr>
-              <a:t>});</a:t>
-            </a:r>
-            <a:endParaRPr lang="en-US" altLang="ko-KR" sz="1000" b="0" dirty="0">
-              <a:solidFill>
-                <a:srgbClr val="D4D4D4"/>
-              </a:solidFill>
-              <a:effectLst/>
-              <a:latin typeface="Consolas" panose="020B0609020204030204" pitchFamily="49" charset="0"/>
-            </a:endParaRPr>
-          </a:p>
-        </p:txBody>
-      </p:sp>
-      <p:sp>
-        <p:nvSpPr>
-          <p:cNvPr id="4" name="직사각형 3"/>
-          <p:cNvSpPr/>
-          <p:nvPr/>
-        </p:nvSpPr>
-        <p:spPr>
-          <a:xfrm>
-            <a:off x="319155" y="5363350"/>
-            <a:ext cx="8406001" cy="707886"/>
-          </a:xfrm>
-          <a:prstGeom prst="rect">
-            <a:avLst/>
-          </a:prstGeom>
-          <a:solidFill>
-            <a:schemeClr val="tx1"/>
-          </a:solidFill>
-        </p:spPr>
-        <p:txBody>
-          <a:bodyPr wrap="square">
-            <a:spAutoFit/>
-          </a:bodyPr>
-          <a:lstStyle/>
-          <a:p>
-            <a:r>
-              <a:rPr lang="en-US" altLang="ko-KR" sz="1000" dirty="0" err="1">
-                <a:solidFill>
-                  <a:srgbClr val="9CDCFE"/>
-                </a:solidFill>
-                <a:latin typeface="Consolas" panose="020B0609020204030204" pitchFamily="49" charset="0"/>
-              </a:rPr>
-              <a:t>app</a:t>
-            </a:r>
-            <a:r>
-              <a:rPr lang="en-US" altLang="ko-KR" sz="1000" dirty="0" err="1">
-                <a:solidFill>
-                  <a:srgbClr val="D4D4D4"/>
-                </a:solidFill>
-                <a:latin typeface="Consolas" panose="020B0609020204030204" pitchFamily="49" charset="0"/>
-              </a:rPr>
-              <a:t>.</a:t>
-            </a:r>
-            <a:r>
-              <a:rPr lang="en-US" altLang="ko-KR" sz="1000" dirty="0" err="1">
-                <a:solidFill>
-                  <a:srgbClr val="DCDCAA"/>
-                </a:solidFill>
-                <a:latin typeface="Consolas" panose="020B0609020204030204" pitchFamily="49" charset="0"/>
-              </a:rPr>
-              <a:t>listen</a:t>
-            </a:r>
-            <a:r>
-              <a:rPr lang="en-US" altLang="ko-KR" sz="1000" dirty="0">
-                <a:solidFill>
-                  <a:srgbClr val="D4D4D4"/>
-                </a:solidFill>
-                <a:latin typeface="Consolas" panose="020B0609020204030204" pitchFamily="49" charset="0"/>
-              </a:rPr>
-              <a:t> = </a:t>
-            </a:r>
-            <a:r>
-              <a:rPr lang="en-US" altLang="ko-KR" sz="1000" dirty="0">
-                <a:solidFill>
-                  <a:srgbClr val="569CD6"/>
-                </a:solidFill>
-                <a:latin typeface="Consolas" panose="020B0609020204030204" pitchFamily="49" charset="0"/>
-              </a:rPr>
-              <a:t>function</a:t>
-            </a:r>
-            <a:r>
-              <a:rPr lang="en-US" altLang="ko-KR" sz="1000" dirty="0">
-                <a:solidFill>
-                  <a:srgbClr val="D4D4D4"/>
-                </a:solidFill>
-                <a:latin typeface="Consolas" panose="020B0609020204030204" pitchFamily="49" charset="0"/>
-              </a:rPr>
-              <a:t> </a:t>
-            </a:r>
-            <a:r>
-              <a:rPr lang="en-US" altLang="ko-KR" sz="1000" dirty="0">
-                <a:solidFill>
-                  <a:srgbClr val="DCDCAA"/>
-                </a:solidFill>
-                <a:latin typeface="Consolas" panose="020B0609020204030204" pitchFamily="49" charset="0"/>
-              </a:rPr>
-              <a:t>listen</a:t>
-            </a:r>
-            <a:r>
-              <a:rPr lang="en-US" altLang="ko-KR" sz="1000" dirty="0">
-                <a:solidFill>
-                  <a:srgbClr val="D4D4D4"/>
-                </a:solidFill>
-                <a:latin typeface="Consolas" panose="020B0609020204030204" pitchFamily="49" charset="0"/>
-              </a:rPr>
-              <a:t>() {</a:t>
-            </a:r>
-          </a:p>
-          <a:p>
-            <a:pPr lvl="1"/>
-            <a:r>
-              <a:rPr lang="en-US" altLang="ko-KR" sz="1000" dirty="0" err="1">
-                <a:solidFill>
-                  <a:srgbClr val="569CD6"/>
-                </a:solidFill>
-                <a:latin typeface="Consolas" panose="020B0609020204030204" pitchFamily="49" charset="0"/>
-              </a:rPr>
-              <a:t>var</a:t>
-            </a:r>
-            <a:r>
-              <a:rPr lang="en-US" altLang="ko-KR" sz="1000" dirty="0">
-                <a:solidFill>
-                  <a:srgbClr val="D4D4D4"/>
-                </a:solidFill>
-                <a:latin typeface="Consolas" panose="020B0609020204030204" pitchFamily="49" charset="0"/>
-              </a:rPr>
-              <a:t> </a:t>
-            </a:r>
-            <a:r>
-              <a:rPr lang="en-US" altLang="ko-KR" sz="1000" dirty="0">
-                <a:solidFill>
-                  <a:srgbClr val="9CDCFE"/>
-                </a:solidFill>
-                <a:latin typeface="Consolas" panose="020B0609020204030204" pitchFamily="49" charset="0"/>
-              </a:rPr>
-              <a:t>server</a:t>
-            </a:r>
-            <a:r>
-              <a:rPr lang="en-US" altLang="ko-KR" sz="1000" dirty="0">
-                <a:solidFill>
-                  <a:srgbClr val="D4D4D4"/>
-                </a:solidFill>
-                <a:latin typeface="Consolas" panose="020B0609020204030204" pitchFamily="49" charset="0"/>
-              </a:rPr>
-              <a:t> = </a:t>
-            </a:r>
-            <a:r>
-              <a:rPr lang="en-US" altLang="ko-KR" sz="1000" dirty="0" err="1">
-                <a:solidFill>
-                  <a:srgbClr val="9CDCFE"/>
-                </a:solidFill>
-                <a:latin typeface="Consolas" panose="020B0609020204030204" pitchFamily="49" charset="0"/>
-              </a:rPr>
-              <a:t>http</a:t>
-            </a:r>
-            <a:r>
-              <a:rPr lang="en-US" altLang="ko-KR" sz="1000" dirty="0" err="1">
-                <a:solidFill>
-                  <a:srgbClr val="D4D4D4"/>
-                </a:solidFill>
-                <a:latin typeface="Consolas" panose="020B0609020204030204" pitchFamily="49" charset="0"/>
-              </a:rPr>
-              <a:t>.</a:t>
-            </a:r>
-            <a:r>
-              <a:rPr lang="en-US" altLang="ko-KR" sz="1000" dirty="0" err="1">
-                <a:solidFill>
-                  <a:srgbClr val="DCDCAA"/>
-                </a:solidFill>
-                <a:latin typeface="Consolas" panose="020B0609020204030204" pitchFamily="49" charset="0"/>
-              </a:rPr>
-              <a:t>createServer</a:t>
-            </a:r>
-            <a:r>
-              <a:rPr lang="en-US" altLang="ko-KR" sz="1000" dirty="0">
-                <a:solidFill>
-                  <a:srgbClr val="D4D4D4"/>
-                </a:solidFill>
-                <a:latin typeface="Consolas" panose="020B0609020204030204" pitchFamily="49" charset="0"/>
-              </a:rPr>
-              <a:t>(</a:t>
-            </a:r>
-            <a:r>
-              <a:rPr lang="en-US" altLang="ko-KR" sz="1000" dirty="0">
-                <a:solidFill>
-                  <a:srgbClr val="569CD6"/>
-                </a:solidFill>
-                <a:latin typeface="Consolas" panose="020B0609020204030204" pitchFamily="49" charset="0"/>
-              </a:rPr>
-              <a:t>this</a:t>
-            </a:r>
-            <a:r>
-              <a:rPr lang="en-US" altLang="ko-KR" sz="1000" dirty="0">
-                <a:solidFill>
-                  <a:srgbClr val="D4D4D4"/>
-                </a:solidFill>
-                <a:latin typeface="Consolas" panose="020B0609020204030204" pitchFamily="49" charset="0"/>
-              </a:rPr>
-              <a:t>);</a:t>
-            </a:r>
-          </a:p>
-          <a:p>
-            <a:pPr lvl="1"/>
-            <a:r>
-              <a:rPr lang="en-US" altLang="ko-KR" sz="1000" dirty="0">
-                <a:solidFill>
-                  <a:srgbClr val="C586C0"/>
-                </a:solidFill>
-                <a:latin typeface="Consolas" panose="020B0609020204030204" pitchFamily="49" charset="0"/>
-              </a:rPr>
-              <a:t>return</a:t>
-            </a:r>
-            <a:r>
-              <a:rPr lang="en-US" altLang="ko-KR" sz="1000" dirty="0">
-                <a:solidFill>
-                  <a:srgbClr val="D4D4D4"/>
-                </a:solidFill>
-                <a:latin typeface="Consolas" panose="020B0609020204030204" pitchFamily="49" charset="0"/>
-              </a:rPr>
-              <a:t> </a:t>
-            </a:r>
-            <a:r>
-              <a:rPr lang="en-US" altLang="ko-KR" sz="1000" dirty="0" err="1">
-                <a:solidFill>
-                  <a:srgbClr val="9CDCFE"/>
-                </a:solidFill>
-                <a:latin typeface="Consolas" panose="020B0609020204030204" pitchFamily="49" charset="0"/>
-              </a:rPr>
-              <a:t>server</a:t>
-            </a:r>
-            <a:r>
-              <a:rPr lang="en-US" altLang="ko-KR" sz="1000" dirty="0" err="1">
-                <a:solidFill>
-                  <a:srgbClr val="D4D4D4"/>
-                </a:solidFill>
-                <a:latin typeface="Consolas" panose="020B0609020204030204" pitchFamily="49" charset="0"/>
-              </a:rPr>
-              <a:t>.</a:t>
-            </a:r>
-            <a:r>
-              <a:rPr lang="en-US" altLang="ko-KR" sz="1000" dirty="0" err="1">
-                <a:solidFill>
-                  <a:srgbClr val="9CDCFE"/>
-                </a:solidFill>
-                <a:latin typeface="Consolas" panose="020B0609020204030204" pitchFamily="49" charset="0"/>
-              </a:rPr>
-              <a:t>listen</a:t>
-            </a:r>
-            <a:r>
-              <a:rPr lang="en-US" altLang="ko-KR" sz="1000" dirty="0" err="1">
-                <a:solidFill>
-                  <a:srgbClr val="D4D4D4"/>
-                </a:solidFill>
-                <a:latin typeface="Consolas" panose="020B0609020204030204" pitchFamily="49" charset="0"/>
-              </a:rPr>
-              <a:t>.</a:t>
-            </a:r>
-            <a:r>
-              <a:rPr lang="en-US" altLang="ko-KR" sz="1000" dirty="0" err="1">
-                <a:solidFill>
-                  <a:srgbClr val="DCDCAA"/>
-                </a:solidFill>
-                <a:latin typeface="Consolas" panose="020B0609020204030204" pitchFamily="49" charset="0"/>
-              </a:rPr>
-              <a:t>apply</a:t>
-            </a:r>
-            <a:r>
-              <a:rPr lang="en-US" altLang="ko-KR" sz="1000" dirty="0">
-                <a:solidFill>
-                  <a:srgbClr val="D4D4D4"/>
-                </a:solidFill>
-                <a:latin typeface="Consolas" panose="020B0609020204030204" pitchFamily="49" charset="0"/>
-              </a:rPr>
-              <a:t>(</a:t>
-            </a:r>
-            <a:r>
-              <a:rPr lang="en-US" altLang="ko-KR" sz="1000" dirty="0">
-                <a:solidFill>
-                  <a:srgbClr val="9CDCFE"/>
-                </a:solidFill>
-                <a:latin typeface="Consolas" panose="020B0609020204030204" pitchFamily="49" charset="0"/>
-              </a:rPr>
-              <a:t>server</a:t>
-            </a:r>
-            <a:r>
-              <a:rPr lang="en-US" altLang="ko-KR" sz="1000" dirty="0">
-                <a:solidFill>
-                  <a:srgbClr val="D4D4D4"/>
-                </a:solidFill>
-                <a:latin typeface="Consolas" panose="020B0609020204030204" pitchFamily="49" charset="0"/>
-              </a:rPr>
-              <a:t>, </a:t>
-            </a:r>
-            <a:r>
-              <a:rPr lang="en-US" altLang="ko-KR" sz="1000" dirty="0">
-                <a:solidFill>
-                  <a:srgbClr val="569CD6"/>
-                </a:solidFill>
-                <a:latin typeface="Consolas" panose="020B0609020204030204" pitchFamily="49" charset="0"/>
-              </a:rPr>
-              <a:t>arguments</a:t>
-            </a:r>
-            <a:r>
-              <a:rPr lang="en-US" altLang="ko-KR" sz="1000" dirty="0">
-                <a:solidFill>
-                  <a:srgbClr val="D4D4D4"/>
-                </a:solidFill>
-                <a:latin typeface="Consolas" panose="020B0609020204030204" pitchFamily="49" charset="0"/>
-              </a:rPr>
-              <a:t>);</a:t>
-            </a:r>
-          </a:p>
-          <a:p>
-            <a:r>
-              <a:rPr lang="en-US" altLang="ko-KR" sz="1000" dirty="0">
-                <a:solidFill>
-                  <a:srgbClr val="D4D4D4"/>
-                </a:solidFill>
-                <a:latin typeface="Consolas" panose="020B0609020204030204" pitchFamily="49" charset="0"/>
-              </a:rPr>
-              <a:t>};</a:t>
-            </a:r>
-            <a:endParaRPr lang="en-US" altLang="ko-KR" sz="1000" b="0" dirty="0">
-              <a:solidFill>
-                <a:srgbClr val="D4D4D4"/>
-              </a:solidFill>
-              <a:effectLst/>
-              <a:latin typeface="Consolas" panose="020B0609020204030204" pitchFamily="49" charset="0"/>
-            </a:endParaRPr>
-          </a:p>
-        </p:txBody>
-      </p:sp>
-      <p:sp>
-        <p:nvSpPr>
-          <p:cNvPr id="6" name="직사각형 5"/>
-          <p:cNvSpPr/>
-          <p:nvPr/>
-        </p:nvSpPr>
-        <p:spPr>
-          <a:xfrm>
-            <a:off x="319155" y="3159462"/>
-            <a:ext cx="8406001" cy="1631216"/>
-          </a:xfrm>
-          <a:prstGeom prst="rect">
-            <a:avLst/>
-          </a:prstGeom>
-          <a:solidFill>
-            <a:schemeClr val="tx1"/>
-          </a:solidFill>
-        </p:spPr>
-        <p:txBody>
-          <a:bodyPr wrap="square">
-            <a:spAutoFit/>
-          </a:bodyPr>
-          <a:lstStyle/>
-          <a:p>
-            <a:r>
-              <a:rPr lang="en-US" altLang="ko-KR" sz="1000" dirty="0" err="1">
-                <a:solidFill>
-                  <a:srgbClr val="569CD6"/>
-                </a:solidFill>
-                <a:latin typeface="Consolas" panose="020B0609020204030204" pitchFamily="49" charset="0"/>
-              </a:rPr>
-              <a:t>var</a:t>
-            </a:r>
-            <a:r>
-              <a:rPr lang="en-US" altLang="ko-KR" sz="1000" dirty="0">
-                <a:solidFill>
-                  <a:srgbClr val="D4D4D4"/>
-                </a:solidFill>
-                <a:latin typeface="Consolas" panose="020B0609020204030204" pitchFamily="49" charset="0"/>
-              </a:rPr>
-              <a:t> </a:t>
-            </a:r>
-            <a:r>
-              <a:rPr lang="en-US" altLang="ko-KR" sz="1000" dirty="0">
-                <a:solidFill>
-                  <a:srgbClr val="9CDCFE"/>
-                </a:solidFill>
-                <a:latin typeface="Consolas" panose="020B0609020204030204" pitchFamily="49" charset="0"/>
-              </a:rPr>
-              <a:t>server</a:t>
-            </a:r>
-            <a:r>
-              <a:rPr lang="en-US" altLang="ko-KR" sz="1000" dirty="0">
-                <a:solidFill>
-                  <a:srgbClr val="D4D4D4"/>
-                </a:solidFill>
-                <a:latin typeface="Consolas" panose="020B0609020204030204" pitchFamily="49" charset="0"/>
-              </a:rPr>
-              <a:t> = </a:t>
-            </a:r>
-            <a:r>
-              <a:rPr lang="en-US" altLang="ko-KR" sz="1000" dirty="0" err="1">
-                <a:solidFill>
-                  <a:srgbClr val="9CDCFE"/>
-                </a:solidFill>
-                <a:latin typeface="Consolas" panose="020B0609020204030204" pitchFamily="49" charset="0"/>
-              </a:rPr>
-              <a:t>http</a:t>
-            </a:r>
-            <a:r>
-              <a:rPr lang="en-US" altLang="ko-KR" sz="1000" dirty="0" err="1">
-                <a:solidFill>
-                  <a:srgbClr val="D4D4D4"/>
-                </a:solidFill>
-                <a:latin typeface="Consolas" panose="020B0609020204030204" pitchFamily="49" charset="0"/>
-              </a:rPr>
-              <a:t>.</a:t>
-            </a:r>
-            <a:r>
-              <a:rPr lang="en-US" altLang="ko-KR" sz="1000" dirty="0" err="1">
-                <a:solidFill>
-                  <a:srgbClr val="DCDCAA"/>
-                </a:solidFill>
-                <a:latin typeface="Consolas" panose="020B0609020204030204" pitchFamily="49" charset="0"/>
-              </a:rPr>
-              <a:t>createServer</a:t>
-            </a:r>
-            <a:r>
-              <a:rPr lang="en-US" altLang="ko-KR" sz="1000" dirty="0">
-                <a:solidFill>
-                  <a:srgbClr val="D4D4D4"/>
-                </a:solidFill>
-                <a:latin typeface="Consolas" panose="020B0609020204030204" pitchFamily="49" charset="0"/>
-              </a:rPr>
-              <a:t>(</a:t>
-            </a:r>
-            <a:r>
-              <a:rPr lang="en-US" altLang="ko-KR" sz="1000" dirty="0">
-                <a:solidFill>
-                  <a:srgbClr val="9CDCFE"/>
-                </a:solidFill>
-                <a:latin typeface="Consolas" panose="020B0609020204030204" pitchFamily="49" charset="0"/>
-              </a:rPr>
-              <a:t>app</a:t>
-            </a:r>
-            <a:r>
-              <a:rPr lang="en-US" altLang="ko-KR" sz="1000" dirty="0">
-                <a:solidFill>
-                  <a:srgbClr val="D4D4D4"/>
-                </a:solidFill>
-                <a:latin typeface="Consolas" panose="020B0609020204030204" pitchFamily="49" charset="0"/>
-              </a:rPr>
-              <a:t>);</a:t>
-            </a:r>
-          </a:p>
-          <a:p>
-            <a:r>
-              <a:rPr lang="en-US" altLang="ko-KR" sz="1000" dirty="0">
-                <a:solidFill>
-                  <a:srgbClr val="608B4E"/>
-                </a:solidFill>
-                <a:latin typeface="Consolas" panose="020B0609020204030204" pitchFamily="49" charset="0"/>
-              </a:rPr>
-              <a:t>/**</a:t>
-            </a:r>
-            <a:endParaRPr lang="en-US" altLang="ko-KR" sz="1000" dirty="0">
-              <a:solidFill>
-                <a:srgbClr val="D4D4D4"/>
-              </a:solidFill>
-              <a:latin typeface="Consolas" panose="020B0609020204030204" pitchFamily="49" charset="0"/>
-            </a:endParaRPr>
-          </a:p>
-          <a:p>
-            <a:r>
-              <a:rPr lang="en-US" altLang="ko-KR" sz="1000" dirty="0">
-                <a:solidFill>
-                  <a:srgbClr val="608B4E"/>
-                </a:solidFill>
-                <a:latin typeface="Consolas" panose="020B0609020204030204" pitchFamily="49" charset="0"/>
-              </a:rPr>
-              <a:t>* Listen on provided port, on all network interfaces.</a:t>
-            </a:r>
-            <a:endParaRPr lang="en-US" altLang="ko-KR" sz="1000" dirty="0">
-              <a:solidFill>
-                <a:srgbClr val="D4D4D4"/>
-              </a:solidFill>
-              <a:latin typeface="Consolas" panose="020B0609020204030204" pitchFamily="49" charset="0"/>
-            </a:endParaRPr>
-          </a:p>
-          <a:p>
-            <a:r>
-              <a:rPr lang="en-US" altLang="ko-KR" sz="1000" dirty="0">
-                <a:solidFill>
-                  <a:srgbClr val="608B4E"/>
-                </a:solidFill>
-                <a:latin typeface="Consolas" panose="020B0609020204030204" pitchFamily="49" charset="0"/>
-              </a:rPr>
-              <a:t>*/</a:t>
-            </a:r>
-            <a:endParaRPr lang="en-US" altLang="ko-KR" sz="1000" dirty="0">
-              <a:solidFill>
-                <a:srgbClr val="D4D4D4"/>
-              </a:solidFill>
-              <a:latin typeface="Consolas" panose="020B0609020204030204" pitchFamily="49" charset="0"/>
-            </a:endParaRPr>
-          </a:p>
-          <a:p>
-            <a:r>
-              <a:rPr lang="en-US" altLang="ko-KR" sz="1000" dirty="0">
-                <a:solidFill>
-                  <a:srgbClr val="D4D4D4"/>
-                </a:solidFill>
-                <a:latin typeface="Consolas" panose="020B0609020204030204" pitchFamily="49" charset="0"/>
-              </a:rPr>
-              <a:t/>
-            </a:r>
-            <a:br>
-              <a:rPr lang="en-US" altLang="ko-KR" sz="1000" dirty="0">
-                <a:solidFill>
-                  <a:srgbClr val="D4D4D4"/>
-                </a:solidFill>
-                <a:latin typeface="Consolas" panose="020B0609020204030204" pitchFamily="49" charset="0"/>
-              </a:rPr>
-            </a:br>
-            <a:r>
-              <a:rPr lang="en-US" altLang="ko-KR" sz="1000" dirty="0" err="1">
-                <a:solidFill>
-                  <a:srgbClr val="9CDCFE"/>
-                </a:solidFill>
-                <a:latin typeface="Consolas" panose="020B0609020204030204" pitchFamily="49" charset="0"/>
-              </a:rPr>
-              <a:t>server</a:t>
-            </a:r>
-            <a:r>
-              <a:rPr lang="en-US" altLang="ko-KR" sz="1000" dirty="0" err="1">
-                <a:solidFill>
-                  <a:srgbClr val="D4D4D4"/>
-                </a:solidFill>
-                <a:latin typeface="Consolas" panose="020B0609020204030204" pitchFamily="49" charset="0"/>
-              </a:rPr>
-              <a:t>.</a:t>
-            </a:r>
-            <a:r>
-              <a:rPr lang="en-US" altLang="ko-KR" sz="1000" dirty="0" err="1">
-                <a:solidFill>
-                  <a:srgbClr val="DCDCAA"/>
-                </a:solidFill>
-                <a:latin typeface="Consolas" panose="020B0609020204030204" pitchFamily="49" charset="0"/>
-              </a:rPr>
-              <a:t>listen</a:t>
-            </a:r>
-            <a:r>
-              <a:rPr lang="en-US" altLang="ko-KR" sz="1000" dirty="0">
-                <a:solidFill>
-                  <a:srgbClr val="D4D4D4"/>
-                </a:solidFill>
-                <a:latin typeface="Consolas" panose="020B0609020204030204" pitchFamily="49" charset="0"/>
-              </a:rPr>
-              <a:t>(</a:t>
-            </a:r>
-            <a:r>
-              <a:rPr lang="en-US" altLang="ko-KR" sz="1000" dirty="0">
-                <a:solidFill>
-                  <a:srgbClr val="9CDCFE"/>
-                </a:solidFill>
-                <a:latin typeface="Consolas" panose="020B0609020204030204" pitchFamily="49" charset="0"/>
-              </a:rPr>
-              <a:t>port</a:t>
-            </a:r>
-            <a:r>
-              <a:rPr lang="en-US" altLang="ko-KR" sz="1000" dirty="0">
-                <a:solidFill>
-                  <a:srgbClr val="D4D4D4"/>
-                </a:solidFill>
-                <a:latin typeface="Consolas" panose="020B0609020204030204" pitchFamily="49" charset="0"/>
-              </a:rPr>
-              <a:t>);</a:t>
-            </a:r>
-          </a:p>
-          <a:p>
-            <a:r>
-              <a:rPr lang="en-US" altLang="ko-KR" sz="1000" dirty="0" err="1">
-                <a:solidFill>
-                  <a:srgbClr val="9CDCFE"/>
-                </a:solidFill>
-                <a:latin typeface="Consolas" panose="020B0609020204030204" pitchFamily="49" charset="0"/>
-              </a:rPr>
-              <a:t>server</a:t>
-            </a:r>
-            <a:r>
-              <a:rPr lang="en-US" altLang="ko-KR" sz="1000" dirty="0" err="1">
-                <a:solidFill>
-                  <a:srgbClr val="D4D4D4"/>
-                </a:solidFill>
-                <a:latin typeface="Consolas" panose="020B0609020204030204" pitchFamily="49" charset="0"/>
-              </a:rPr>
-              <a:t>.</a:t>
-            </a:r>
-            <a:r>
-              <a:rPr lang="en-US" altLang="ko-KR" sz="1000" dirty="0" err="1">
-                <a:solidFill>
-                  <a:srgbClr val="DCDCAA"/>
-                </a:solidFill>
-                <a:latin typeface="Consolas" panose="020B0609020204030204" pitchFamily="49" charset="0"/>
-              </a:rPr>
-              <a:t>on</a:t>
-            </a:r>
-            <a:r>
-              <a:rPr lang="en-US" altLang="ko-KR" sz="1000" dirty="0">
-                <a:solidFill>
-                  <a:srgbClr val="D4D4D4"/>
-                </a:solidFill>
-                <a:latin typeface="Consolas" panose="020B0609020204030204" pitchFamily="49" charset="0"/>
-              </a:rPr>
-              <a:t>(</a:t>
-            </a:r>
-            <a:r>
-              <a:rPr lang="en-US" altLang="ko-KR" sz="1000" dirty="0">
-                <a:solidFill>
-                  <a:srgbClr val="CE9178"/>
-                </a:solidFill>
-                <a:latin typeface="Consolas" panose="020B0609020204030204" pitchFamily="49" charset="0"/>
-              </a:rPr>
-              <a:t>'error'</a:t>
-            </a:r>
-            <a:r>
-              <a:rPr lang="en-US" altLang="ko-KR" sz="1000" dirty="0">
-                <a:solidFill>
-                  <a:srgbClr val="D4D4D4"/>
-                </a:solidFill>
-                <a:latin typeface="Consolas" panose="020B0609020204030204" pitchFamily="49" charset="0"/>
-              </a:rPr>
-              <a:t>, </a:t>
-            </a:r>
-            <a:r>
-              <a:rPr lang="en-US" altLang="ko-KR" sz="1000" dirty="0" err="1">
-                <a:solidFill>
-                  <a:srgbClr val="9CDCFE"/>
-                </a:solidFill>
-                <a:latin typeface="Consolas" panose="020B0609020204030204" pitchFamily="49" charset="0"/>
-              </a:rPr>
-              <a:t>onError</a:t>
-            </a:r>
-            <a:r>
-              <a:rPr lang="en-US" altLang="ko-KR" sz="1000" dirty="0">
-                <a:solidFill>
-                  <a:srgbClr val="D4D4D4"/>
-                </a:solidFill>
-                <a:latin typeface="Consolas" panose="020B0609020204030204" pitchFamily="49" charset="0"/>
-              </a:rPr>
-              <a:t>);</a:t>
-            </a:r>
-          </a:p>
-          <a:p>
-            <a:r>
-              <a:rPr lang="en-US" altLang="ko-KR" sz="1000" dirty="0" err="1">
-                <a:solidFill>
-                  <a:srgbClr val="9CDCFE"/>
-                </a:solidFill>
-                <a:latin typeface="Consolas" panose="020B0609020204030204" pitchFamily="49" charset="0"/>
-              </a:rPr>
-              <a:t>server</a:t>
-            </a:r>
-            <a:r>
-              <a:rPr lang="en-US" altLang="ko-KR" sz="1000" dirty="0" err="1">
-                <a:solidFill>
-                  <a:srgbClr val="D4D4D4"/>
-                </a:solidFill>
-                <a:latin typeface="Consolas" panose="020B0609020204030204" pitchFamily="49" charset="0"/>
-              </a:rPr>
-              <a:t>.</a:t>
-            </a:r>
-            <a:r>
-              <a:rPr lang="en-US" altLang="ko-KR" sz="1000" dirty="0" err="1">
-                <a:solidFill>
-                  <a:srgbClr val="DCDCAA"/>
-                </a:solidFill>
-                <a:latin typeface="Consolas" panose="020B0609020204030204" pitchFamily="49" charset="0"/>
-              </a:rPr>
-              <a:t>on</a:t>
-            </a:r>
-            <a:r>
-              <a:rPr lang="en-US" altLang="ko-KR" sz="1000" dirty="0">
-                <a:solidFill>
-                  <a:srgbClr val="D4D4D4"/>
-                </a:solidFill>
-                <a:latin typeface="Consolas" panose="020B0609020204030204" pitchFamily="49" charset="0"/>
-              </a:rPr>
-              <a:t>(</a:t>
-            </a:r>
-            <a:r>
-              <a:rPr lang="en-US" altLang="ko-KR" sz="1000" dirty="0">
-                <a:solidFill>
-                  <a:srgbClr val="CE9178"/>
-                </a:solidFill>
-                <a:latin typeface="Consolas" panose="020B0609020204030204" pitchFamily="49" charset="0"/>
-              </a:rPr>
-              <a:t>'listening'</a:t>
-            </a:r>
-            <a:r>
-              <a:rPr lang="en-US" altLang="ko-KR" sz="1000" dirty="0">
-                <a:solidFill>
-                  <a:srgbClr val="D4D4D4"/>
-                </a:solidFill>
-                <a:latin typeface="Consolas" panose="020B0609020204030204" pitchFamily="49" charset="0"/>
-              </a:rPr>
-              <a:t>, </a:t>
-            </a:r>
-            <a:r>
-              <a:rPr lang="en-US" altLang="ko-KR" sz="1000" dirty="0" err="1">
-                <a:solidFill>
-                  <a:srgbClr val="9CDCFE"/>
-                </a:solidFill>
-                <a:latin typeface="Consolas" panose="020B0609020204030204" pitchFamily="49" charset="0"/>
-              </a:rPr>
-              <a:t>onListening</a:t>
-            </a:r>
-            <a:r>
-              <a:rPr lang="en-US" altLang="ko-KR" sz="1000" dirty="0">
-                <a:solidFill>
-                  <a:srgbClr val="D4D4D4"/>
-                </a:solidFill>
-                <a:latin typeface="Consolas" panose="020B0609020204030204" pitchFamily="49" charset="0"/>
-              </a:rPr>
-              <a:t>);</a:t>
-            </a:r>
-          </a:p>
-          <a:p>
-            <a:r>
-              <a:rPr lang="en-US" altLang="ko-KR" sz="1000" dirty="0">
-                <a:solidFill>
-                  <a:srgbClr val="D4D4D4"/>
-                </a:solidFill>
-                <a:latin typeface="Consolas" panose="020B0609020204030204" pitchFamily="49" charset="0"/>
-              </a:rPr>
-              <a:t/>
-            </a:r>
-            <a:br>
-              <a:rPr lang="en-US" altLang="ko-KR" sz="1000" dirty="0">
-                <a:solidFill>
-                  <a:srgbClr val="D4D4D4"/>
-                </a:solidFill>
-                <a:latin typeface="Consolas" panose="020B0609020204030204" pitchFamily="49" charset="0"/>
-              </a:rPr>
-            </a:br>
-            <a:endParaRPr lang="en-US" altLang="ko-KR" sz="1000" b="0" dirty="0">
-              <a:solidFill>
-                <a:srgbClr val="D4D4D4"/>
-              </a:solidFill>
-              <a:effectLst/>
-              <a:latin typeface="Consolas" panose="020B0609020204030204" pitchFamily="49" charset="0"/>
-            </a:endParaRPr>
-          </a:p>
-        </p:txBody>
-      </p:sp>
-      <p:sp>
-        <p:nvSpPr>
           <p:cNvPr id="7" name="직사각형 6"/>
           <p:cNvSpPr/>
           <p:nvPr/>
         </p:nvSpPr>
         <p:spPr>
           <a:xfrm>
-            <a:off x="319155" y="1663460"/>
-            <a:ext cx="2695546" cy="369332"/>
-          </a:xfrm>
-          <a:prstGeom prst="rect">
-            <a:avLst/>
-          </a:prstGeom>
-        </p:spPr>
-        <p:txBody>
-          <a:bodyPr wrap="none">
-            <a:spAutoFit/>
-          </a:bodyPr>
-          <a:lstStyle/>
-          <a:p>
-            <a:r>
-              <a:rPr lang="en-US" altLang="ko-KR" b="1" spc="-150" dirty="0" err="1" smtClean="0">
-                <a:solidFill>
-                  <a:schemeClr val="accent4">
-                    <a:lumMod val="50000"/>
-                  </a:schemeClr>
-                </a:solidFill>
-                <a:latin typeface="나눔고딕" pitchFamily="50" charset="-127"/>
-                <a:ea typeface="나눔고딕" pitchFamily="50" charset="-127"/>
-              </a:rPr>
-              <a:t>Websocket</a:t>
-            </a:r>
-            <a:r>
-              <a:rPr lang="ko-KR" altLang="en-US" b="1" spc="-150" dirty="0" smtClean="0">
-                <a:solidFill>
-                  <a:schemeClr val="accent4">
-                    <a:lumMod val="50000"/>
-                  </a:schemeClr>
-                </a:solidFill>
-                <a:latin typeface="나눔고딕" pitchFamily="50" charset="-127"/>
-                <a:ea typeface="나눔고딕" pitchFamily="50" charset="-127"/>
-              </a:rPr>
-              <a:t>이 동작하는 코드 </a:t>
-            </a:r>
-            <a:endParaRPr lang="ko-KR" altLang="en-US" dirty="0"/>
-          </a:p>
-        </p:txBody>
-      </p:sp>
-      <p:sp>
-        <p:nvSpPr>
-          <p:cNvPr id="11" name="직사각형 10"/>
-          <p:cNvSpPr/>
-          <p:nvPr/>
-        </p:nvSpPr>
-        <p:spPr>
-          <a:xfrm>
-            <a:off x="280246" y="2752861"/>
-            <a:ext cx="3134769" cy="369332"/>
-          </a:xfrm>
-          <a:prstGeom prst="rect">
-            <a:avLst/>
-          </a:prstGeom>
-        </p:spPr>
-        <p:txBody>
-          <a:bodyPr wrap="none">
-            <a:spAutoFit/>
-          </a:bodyPr>
-          <a:lstStyle/>
-          <a:p>
-            <a:r>
-              <a:rPr lang="en-US" altLang="ko-KR" b="1" spc="-150" dirty="0" err="1" smtClean="0">
-                <a:solidFill>
-                  <a:schemeClr val="accent4">
-                    <a:lumMod val="50000"/>
-                  </a:schemeClr>
-                </a:solidFill>
-                <a:latin typeface="나눔고딕" pitchFamily="50" charset="-127"/>
-                <a:ea typeface="나눔고딕" pitchFamily="50" charset="-127"/>
-              </a:rPr>
-              <a:t>Websocket</a:t>
-            </a:r>
-            <a:r>
-              <a:rPr lang="ko-KR" altLang="en-US" b="1" spc="-150" dirty="0" smtClean="0">
-                <a:solidFill>
-                  <a:schemeClr val="accent4">
-                    <a:lumMod val="50000"/>
-                  </a:schemeClr>
-                </a:solidFill>
-                <a:latin typeface="나눔고딕" pitchFamily="50" charset="-127"/>
-                <a:ea typeface="나눔고딕" pitchFamily="50" charset="-127"/>
-              </a:rPr>
-              <a:t>이 동작하지 않는 코드 </a:t>
-            </a:r>
-            <a:endParaRPr lang="ko-KR" altLang="en-US" dirty="0"/>
-          </a:p>
-        </p:txBody>
-      </p:sp>
-      <p:sp>
-        <p:nvSpPr>
-          <p:cNvPr id="12" name="직사각형 11"/>
-          <p:cNvSpPr/>
-          <p:nvPr/>
-        </p:nvSpPr>
-        <p:spPr>
-          <a:xfrm>
-            <a:off x="319155" y="4927810"/>
-            <a:ext cx="5264583" cy="369332"/>
-          </a:xfrm>
-          <a:prstGeom prst="rect">
-            <a:avLst/>
-          </a:prstGeom>
-        </p:spPr>
-        <p:txBody>
-          <a:bodyPr wrap="none">
-            <a:spAutoFit/>
-          </a:bodyPr>
-          <a:lstStyle/>
-          <a:p>
-            <a:r>
-              <a:rPr lang="en-US" altLang="ko-KR" dirty="0" err="1"/>
-              <a:t>a</a:t>
-            </a:r>
-            <a:r>
-              <a:rPr lang="en-US" altLang="ko-KR" dirty="0" err="1" smtClean="0"/>
-              <a:t>pp.listen</a:t>
-            </a:r>
-            <a:r>
-              <a:rPr lang="en-US" altLang="ko-KR" dirty="0" smtClean="0"/>
-              <a:t> == </a:t>
-            </a:r>
-            <a:r>
-              <a:rPr lang="en-US" altLang="ko-KR" dirty="0" err="1" smtClean="0"/>
-              <a:t>http.createServer</a:t>
-            </a:r>
-            <a:r>
-              <a:rPr lang="en-US" altLang="ko-KR" dirty="0" smtClean="0"/>
-              <a:t> + </a:t>
-            </a:r>
-            <a:r>
-              <a:rPr lang="en-US" altLang="ko-KR" dirty="0" err="1" smtClean="0"/>
-              <a:t>server.listen</a:t>
-            </a:r>
-            <a:r>
-              <a:rPr lang="en-US" altLang="ko-KR" dirty="0" smtClean="0"/>
-              <a:t> ??</a:t>
-            </a:r>
-            <a:endParaRPr lang="ko-KR" altLang="en-US" dirty="0"/>
-          </a:p>
-        </p:txBody>
-      </p:sp>
-      <p:sp>
-        <p:nvSpPr>
-          <p:cNvPr id="8" name="직사각형 7"/>
-          <p:cNvSpPr/>
-          <p:nvPr/>
-        </p:nvSpPr>
-        <p:spPr>
-          <a:xfrm>
-            <a:off x="319155" y="6274576"/>
-            <a:ext cx="8406001" cy="369332"/>
+            <a:off x="319155" y="1433318"/>
+            <a:ext cx="7506118" cy="5262979"/>
           </a:xfrm>
           <a:prstGeom prst="rect">
             <a:avLst/>
@@ -13473,87 +14623,438 @@
           <a:lstStyle/>
           <a:p>
             <a:r>
-              <a:rPr lang="ko-KR" altLang="en-US" b="1" spc="-150" dirty="0" err="1" smtClean="0">
-                <a:solidFill>
-                  <a:srgbClr val="FF0000"/>
+              <a:rPr lang="en-US" altLang="ko-KR" sz="1600" dirty="0" smtClean="0"/>
+              <a:t>. HTTP</a:t>
+            </a:r>
+          </a:p>
+          <a:p>
+            <a:r>
+              <a:rPr lang="en-US" altLang="ko-KR" sz="1600" dirty="0" smtClean="0"/>
+              <a:t>. HTML</a:t>
+            </a:r>
+          </a:p>
+          <a:p>
+            <a:r>
+              <a:rPr lang="en-US" altLang="ko-KR" sz="1600" dirty="0" smtClean="0"/>
+              <a:t>. </a:t>
+            </a:r>
+            <a:r>
+              <a:rPr lang="en-US" altLang="ko-KR" sz="1600" dirty="0" err="1" smtClean="0"/>
+              <a:t>Javascript</a:t>
+            </a:r>
+            <a:endParaRPr lang="en-US" altLang="ko-KR" sz="1600" dirty="0"/>
+          </a:p>
+          <a:p>
+            <a:endParaRPr lang="en-US" altLang="ko-KR" sz="1600" b="1" strike="sngStrike" spc="-150" dirty="0" smtClean="0">
+              <a:solidFill>
+                <a:schemeClr val="accent4">
+                  <a:lumMod val="50000"/>
+                </a:schemeClr>
+              </a:solidFill>
+              <a:latin typeface="나눔고딕" pitchFamily="50" charset="-127"/>
+              <a:ea typeface="나눔고딕" pitchFamily="50" charset="-127"/>
+            </a:endParaRPr>
+          </a:p>
+          <a:p>
+            <a:r>
+              <a:rPr lang="en-US" altLang="ko-KR" sz="1600" b="1" strike="sngStrike" spc="-150" dirty="0" smtClean="0">
+                <a:solidFill>
+                  <a:schemeClr val="accent4">
+                    <a:lumMod val="50000"/>
+                  </a:schemeClr>
                 </a:solidFill>
                 <a:latin typeface="나눔고딕" pitchFamily="50" charset="-127"/>
                 <a:ea typeface="나눔고딕" pitchFamily="50" charset="-127"/>
               </a:rPr>
-              <a:t>어느부분때문에</a:t>
-            </a:r>
-            <a:r>
-              <a:rPr lang="ko-KR" altLang="en-US" b="1" spc="-150" dirty="0" smtClean="0">
-                <a:solidFill>
-                  <a:srgbClr val="FF0000"/>
+              <a:t>. </a:t>
+            </a:r>
+            <a:r>
+              <a:rPr lang="ko-KR" altLang="en-US" sz="1600" b="1" strike="sngStrike" spc="-150" dirty="0" smtClean="0">
+                <a:solidFill>
+                  <a:schemeClr val="accent4">
+                    <a:lumMod val="50000"/>
+                  </a:schemeClr>
                 </a:solidFill>
                 <a:latin typeface="나눔고딕" pitchFamily="50" charset="-127"/>
                 <a:ea typeface="나눔고딕" pitchFamily="50" charset="-127"/>
               </a:rPr>
-              <a:t> 동작하지 </a:t>
-            </a:r>
-            <a:r>
-              <a:rPr lang="ko-KR" altLang="en-US" b="1" spc="-150" dirty="0" err="1" smtClean="0">
-                <a:solidFill>
-                  <a:srgbClr val="FF0000"/>
+              <a:t>메인</a:t>
+            </a:r>
+            <a:endParaRPr lang="en-US" altLang="ko-KR" sz="1600" b="1" strike="sngStrike" spc="-150" dirty="0" smtClean="0">
+              <a:solidFill>
+                <a:schemeClr val="accent4">
+                  <a:lumMod val="50000"/>
+                </a:schemeClr>
+              </a:solidFill>
+              <a:latin typeface="나눔고딕" pitchFamily="50" charset="-127"/>
+              <a:ea typeface="나눔고딕" pitchFamily="50" charset="-127"/>
+            </a:endParaRPr>
+          </a:p>
+          <a:p>
+            <a:r>
+              <a:rPr lang="en-US" altLang="ko-KR" sz="1600" b="1" strike="sngStrike" spc="-150" dirty="0" smtClean="0">
+                <a:solidFill>
+                  <a:schemeClr val="accent4">
+                    <a:lumMod val="50000"/>
+                  </a:schemeClr>
                 </a:solidFill>
                 <a:latin typeface="나눔고딕" pitchFamily="50" charset="-127"/>
                 <a:ea typeface="나눔고딕" pitchFamily="50" charset="-127"/>
               </a:rPr>
-              <a:t>않았던건</a:t>
-            </a:r>
-            <a:r>
-              <a:rPr lang="ko-KR" altLang="en-US" b="1" spc="-150" dirty="0" smtClean="0">
-                <a:solidFill>
-                  <a:srgbClr val="FF0000"/>
+              <a:t>  . </a:t>
+            </a:r>
+            <a:r>
+              <a:rPr lang="en-US" altLang="ko-KR" sz="1600" b="1" strike="sngStrike" spc="-150" dirty="0" err="1" smtClean="0">
+                <a:solidFill>
+                  <a:schemeClr val="accent4">
+                    <a:lumMod val="50000"/>
+                  </a:schemeClr>
                 </a:solidFill>
                 <a:latin typeface="나눔고딕" pitchFamily="50" charset="-127"/>
                 <a:ea typeface="나눔고딕" pitchFamily="50" charset="-127"/>
               </a:rPr>
-              <a:t> 알았지만</a:t>
-            </a:r>
-            <a:r>
-              <a:rPr lang="en-US" altLang="ko-KR" b="1" spc="-150" dirty="0" smtClean="0">
-                <a:solidFill>
-                  <a:srgbClr val="FF0000"/>
+              <a:t>WebRTC</a:t>
+            </a:r>
+            <a:r>
+              <a:rPr lang="en-US" altLang="ko-KR" sz="1600" b="1" strike="sngStrike" spc="-150" dirty="0" smtClean="0">
+                <a:solidFill>
+                  <a:schemeClr val="accent4">
+                    <a:lumMod val="50000"/>
+                  </a:schemeClr>
                 </a:solidFill>
                 <a:latin typeface="나눔고딕" pitchFamily="50" charset="-127"/>
                 <a:ea typeface="나눔고딕" pitchFamily="50" charset="-127"/>
               </a:rPr>
-              <a:t>, </a:t>
-            </a:r>
-            <a:r>
-              <a:rPr lang="ko-KR" altLang="en-US" b="1" spc="-150" dirty="0" smtClean="0">
-                <a:solidFill>
-                  <a:srgbClr val="FF0000"/>
+              <a:t>  </a:t>
+            </a:r>
+            <a:r>
+              <a:rPr lang="ko-KR" altLang="en-US" sz="1600" b="1" strike="sngStrike" spc="-150" dirty="0" smtClean="0">
+                <a:solidFill>
+                  <a:schemeClr val="accent4">
+                    <a:lumMod val="50000"/>
+                  </a:schemeClr>
                 </a:solidFill>
                 <a:latin typeface="나눔고딕" pitchFamily="50" charset="-127"/>
                 <a:ea typeface="나눔고딕" pitchFamily="50" charset="-127"/>
               </a:rPr>
-              <a:t>왜 그런지는 모르겠다</a:t>
-            </a:r>
-            <a:r>
-              <a:rPr lang="en-US" altLang="ko-KR" b="1" spc="-150" dirty="0" smtClean="0">
-                <a:solidFill>
-                  <a:srgbClr val="FF0000"/>
+              <a:t>역사 및 소개</a:t>
+            </a:r>
+            <a:endParaRPr lang="en-US" altLang="ko-KR" sz="1600" b="1" strike="sngStrike" spc="-150" dirty="0" smtClean="0">
+              <a:solidFill>
+                <a:schemeClr val="accent4">
+                  <a:lumMod val="50000"/>
+                </a:schemeClr>
+              </a:solidFill>
+              <a:latin typeface="나눔고딕" pitchFamily="50" charset="-127"/>
+              <a:ea typeface="나눔고딕" pitchFamily="50" charset="-127"/>
+            </a:endParaRPr>
+          </a:p>
+          <a:p>
+            <a:r>
+              <a:rPr lang="en-US" altLang="ko-KR" sz="1600" b="1" strike="sngStrike" spc="-150" dirty="0" smtClean="0">
+                <a:solidFill>
+                  <a:schemeClr val="accent4">
+                    <a:lumMod val="50000"/>
+                  </a:schemeClr>
                 </a:solidFill>
                 <a:latin typeface="나눔고딕" pitchFamily="50" charset="-127"/>
                 <a:ea typeface="나눔고딕" pitchFamily="50" charset="-127"/>
               </a:rPr>
-              <a:t>. </a:t>
-            </a:r>
-            <a:endParaRPr lang="ko-KR" altLang="en-US" dirty="0">
+              <a:t>  . </a:t>
+            </a:r>
+            <a:r>
+              <a:rPr lang="en-US" altLang="ko-KR" sz="1600" b="1" strike="sngStrike" spc="-150" dirty="0" err="1" smtClean="0">
+                <a:solidFill>
+                  <a:schemeClr val="accent4">
+                    <a:lumMod val="50000"/>
+                  </a:schemeClr>
+                </a:solidFill>
+                <a:latin typeface="나눔고딕" pitchFamily="50" charset="-127"/>
+                <a:ea typeface="나눔고딕" pitchFamily="50" charset="-127"/>
+              </a:rPr>
+              <a:t>MediaStream</a:t>
+            </a:r>
+            <a:r>
+              <a:rPr lang="en-US" altLang="ko-KR" sz="1600" b="1" strike="sngStrike" spc="-150" dirty="0" smtClean="0">
+                <a:solidFill>
+                  <a:schemeClr val="accent4">
+                    <a:lumMod val="50000"/>
+                  </a:schemeClr>
+                </a:solidFill>
+                <a:latin typeface="나눔고딕" pitchFamily="50" charset="-127"/>
+                <a:ea typeface="나눔고딕" pitchFamily="50" charset="-127"/>
+              </a:rPr>
+              <a:t> (</a:t>
+            </a:r>
+            <a:r>
+              <a:rPr lang="en-US" altLang="ko-KR" sz="1600" b="1" strike="sngStrike" spc="-150" dirty="0" err="1" smtClean="0">
+                <a:solidFill>
+                  <a:schemeClr val="accent4">
+                    <a:lumMod val="50000"/>
+                  </a:schemeClr>
+                </a:solidFill>
+                <a:latin typeface="나눔고딕" pitchFamily="50" charset="-127"/>
+                <a:ea typeface="나눔고딕" pitchFamily="50" charset="-127"/>
+              </a:rPr>
+              <a:t>getUserMedia</a:t>
+            </a:r>
+            <a:r>
+              <a:rPr lang="en-US" altLang="ko-KR" sz="1600" b="1" strike="sngStrike" spc="-150" dirty="0" smtClean="0">
+                <a:solidFill>
+                  <a:schemeClr val="accent4">
+                    <a:lumMod val="50000"/>
+                  </a:schemeClr>
+                </a:solidFill>
+                <a:latin typeface="나눔고딕" pitchFamily="50" charset="-127"/>
+                <a:ea typeface="나눔고딕" pitchFamily="50" charset="-127"/>
+              </a:rPr>
+              <a:t>)</a:t>
+            </a:r>
+          </a:p>
+          <a:p>
+            <a:r>
+              <a:rPr lang="en-US" altLang="ko-KR" sz="1600" b="1" strike="sngStrike" spc="-150" dirty="0" smtClean="0">
+                <a:solidFill>
+                  <a:schemeClr val="accent4">
+                    <a:lumMod val="50000"/>
+                  </a:schemeClr>
+                </a:solidFill>
+                <a:latin typeface="나눔고딕" pitchFamily="50" charset="-127"/>
+                <a:ea typeface="나눔고딕" pitchFamily="50" charset="-127"/>
+              </a:rPr>
+              <a:t>  . </a:t>
+            </a:r>
+            <a:r>
+              <a:rPr lang="en-US" altLang="ko-KR" sz="1600" b="1" strike="sngStrike" spc="-150" dirty="0" err="1" smtClean="0">
+                <a:solidFill>
+                  <a:schemeClr val="accent4">
+                    <a:lumMod val="50000"/>
+                  </a:schemeClr>
+                </a:solidFill>
+                <a:latin typeface="나눔고딕" pitchFamily="50" charset="-127"/>
+                <a:ea typeface="나눔고딕" pitchFamily="50" charset="-127"/>
+              </a:rPr>
+              <a:t>RTCPeerConnection</a:t>
+            </a:r>
+            <a:endParaRPr lang="en-US" altLang="ko-KR" sz="1600" b="1" strike="sngStrike" spc="-150" dirty="0" smtClean="0">
               <a:solidFill>
-                <a:srgbClr val="FF0000"/>
+                <a:schemeClr val="accent4">
+                  <a:lumMod val="50000"/>
+                </a:schemeClr>
               </a:solidFill>
+              <a:latin typeface="나눔고딕" pitchFamily="50" charset="-127"/>
+              <a:ea typeface="나눔고딕" pitchFamily="50" charset="-127"/>
             </a:endParaRPr>
+          </a:p>
+          <a:p>
+            <a:r>
+              <a:rPr lang="en-US" altLang="ko-KR" sz="1600" b="1" strike="sngStrike" spc="-150" dirty="0">
+                <a:solidFill>
+                  <a:schemeClr val="accent4">
+                    <a:lumMod val="50000"/>
+                  </a:schemeClr>
+                </a:solidFill>
+                <a:latin typeface="나눔고딕" pitchFamily="50" charset="-127"/>
+                <a:ea typeface="나눔고딕" pitchFamily="50" charset="-127"/>
+              </a:rPr>
+              <a:t>	</a:t>
+            </a:r>
+            <a:r>
+              <a:rPr lang="en-US" altLang="ko-KR" sz="1600" b="1" strike="sngStrike" spc="-150" dirty="0" smtClean="0">
+                <a:solidFill>
+                  <a:schemeClr val="accent4">
+                    <a:lumMod val="50000"/>
+                  </a:schemeClr>
+                </a:solidFill>
+                <a:latin typeface="나눔고딕" pitchFamily="50" charset="-127"/>
+                <a:ea typeface="나눔고딕" pitchFamily="50" charset="-127"/>
+              </a:rPr>
+              <a:t>. STUN / TURN</a:t>
+            </a:r>
+          </a:p>
+          <a:p>
+            <a:r>
+              <a:rPr lang="en-US" altLang="ko-KR" sz="1600" b="1" strike="sngStrike" spc="-150" dirty="0">
+                <a:solidFill>
+                  <a:schemeClr val="accent4">
+                    <a:lumMod val="50000"/>
+                  </a:schemeClr>
+                </a:solidFill>
+                <a:latin typeface="나눔고딕" pitchFamily="50" charset="-127"/>
+                <a:ea typeface="나눔고딕" pitchFamily="50" charset="-127"/>
+              </a:rPr>
+              <a:t>	</a:t>
+            </a:r>
+            <a:r>
+              <a:rPr lang="en-US" altLang="ko-KR" sz="1600" b="1" strike="sngStrike" spc="-150" dirty="0" smtClean="0">
+                <a:solidFill>
+                  <a:schemeClr val="accent4">
+                    <a:lumMod val="50000"/>
+                  </a:schemeClr>
+                </a:solidFill>
+                <a:latin typeface="나눔고딕" pitchFamily="50" charset="-127"/>
+                <a:ea typeface="나눔고딕" pitchFamily="50" charset="-127"/>
+              </a:rPr>
+              <a:t>. OFFER / ANSWER  + ICE + SDP</a:t>
+            </a:r>
+          </a:p>
+          <a:p>
+            <a:r>
+              <a:rPr lang="en-US" altLang="ko-KR" sz="1600" b="1" strike="sngStrike" spc="-150" dirty="0">
+                <a:solidFill>
+                  <a:schemeClr val="accent4">
+                    <a:lumMod val="50000"/>
+                  </a:schemeClr>
+                </a:solidFill>
+                <a:latin typeface="나눔고딕" pitchFamily="50" charset="-127"/>
+                <a:ea typeface="나눔고딕" pitchFamily="50" charset="-127"/>
+              </a:rPr>
+              <a:t> </a:t>
+            </a:r>
+            <a:r>
+              <a:rPr lang="en-US" altLang="ko-KR" sz="1600" b="1" strike="sngStrike" spc="-150" dirty="0" smtClean="0">
+                <a:solidFill>
+                  <a:schemeClr val="accent4">
+                    <a:lumMod val="50000"/>
+                  </a:schemeClr>
+                </a:solidFill>
+                <a:latin typeface="나눔고딕" pitchFamily="50" charset="-127"/>
+                <a:ea typeface="나눔고딕" pitchFamily="50" charset="-127"/>
+              </a:rPr>
+              <a:t> . Signal Server</a:t>
+            </a:r>
+            <a:r>
+              <a:rPr lang="en-US" altLang="ko-KR" sz="1600" b="1" spc="-150" dirty="0" smtClean="0">
+                <a:solidFill>
+                  <a:schemeClr val="accent4">
+                    <a:lumMod val="50000"/>
+                  </a:schemeClr>
+                </a:solidFill>
+                <a:latin typeface="나눔고딕" pitchFamily="50" charset="-127"/>
+                <a:ea typeface="나눔고딕" pitchFamily="50" charset="-127"/>
+              </a:rPr>
+              <a:t/>
+            </a:r>
+            <a:br>
+              <a:rPr lang="en-US" altLang="ko-KR" sz="1600" b="1" spc="-150" dirty="0" smtClean="0">
+                <a:solidFill>
+                  <a:schemeClr val="accent4">
+                    <a:lumMod val="50000"/>
+                  </a:schemeClr>
+                </a:solidFill>
+                <a:latin typeface="나눔고딕" pitchFamily="50" charset="-127"/>
+                <a:ea typeface="나눔고딕" pitchFamily="50" charset="-127"/>
+              </a:rPr>
+            </a:br>
+            <a:r>
+              <a:rPr lang="en-US" altLang="ko-KR" sz="1600" b="1" spc="-150" dirty="0" smtClean="0">
+                <a:solidFill>
+                  <a:schemeClr val="accent4">
+                    <a:lumMod val="50000"/>
+                  </a:schemeClr>
+                </a:solidFill>
+                <a:latin typeface="나눔고딕" pitchFamily="50" charset="-127"/>
+                <a:ea typeface="나눔고딕" pitchFamily="50" charset="-127"/>
+              </a:rPr>
+              <a:t>  . </a:t>
+            </a:r>
+            <a:r>
+              <a:rPr lang="en-US" altLang="ko-KR" sz="1600" b="1" spc="-150" dirty="0" err="1" smtClean="0">
+                <a:solidFill>
+                  <a:schemeClr val="accent4">
+                    <a:lumMod val="50000"/>
+                  </a:schemeClr>
+                </a:solidFill>
+                <a:latin typeface="나눔고딕" pitchFamily="50" charset="-127"/>
+                <a:ea typeface="나눔고딕" pitchFamily="50" charset="-127"/>
+              </a:rPr>
+              <a:t>RTCDataChannel</a:t>
+            </a:r>
+            <a:endParaRPr lang="en-US" altLang="ko-KR" sz="1600" b="1" spc="-150" dirty="0" smtClean="0">
+              <a:solidFill>
+                <a:schemeClr val="accent4">
+                  <a:lumMod val="50000"/>
+                </a:schemeClr>
+              </a:solidFill>
+              <a:latin typeface="나눔고딕" pitchFamily="50" charset="-127"/>
+              <a:ea typeface="나눔고딕" pitchFamily="50" charset="-127"/>
+            </a:endParaRPr>
+          </a:p>
+          <a:p>
+            <a:endParaRPr lang="en-US" altLang="ko-KR" sz="1600" dirty="0" smtClean="0"/>
+          </a:p>
+          <a:p>
+            <a:r>
+              <a:rPr lang="ko-KR" altLang="en-US" sz="1600" dirty="0" smtClean="0"/>
+              <a:t>덤 </a:t>
+            </a:r>
+            <a:endParaRPr lang="en-US" altLang="ko-KR" sz="1600" dirty="0" smtClean="0"/>
+          </a:p>
+          <a:p>
+            <a:r>
+              <a:rPr lang="en-US" altLang="ko-KR" sz="1600" dirty="0" smtClean="0"/>
+              <a:t>  . </a:t>
+            </a:r>
+            <a:r>
+              <a:rPr lang="en-US" altLang="ko-KR" sz="1600" dirty="0" err="1" smtClean="0"/>
+              <a:t>VSCode</a:t>
+            </a:r>
+            <a:endParaRPr lang="en-US" altLang="ko-KR" sz="1600" dirty="0" smtClean="0"/>
+          </a:p>
+          <a:p>
+            <a:r>
+              <a:rPr lang="en-US" altLang="ko-KR" sz="1600" dirty="0" smtClean="0"/>
+              <a:t>  . Web Server for Chrome</a:t>
+            </a:r>
+          </a:p>
+          <a:p>
+            <a:r>
+              <a:rPr lang="en-US" altLang="ko-KR" sz="1600" dirty="0" smtClean="0"/>
+              <a:t>  . Node</a:t>
+            </a:r>
+          </a:p>
+          <a:p>
+            <a:endParaRPr lang="en-US" altLang="ko-KR" sz="1600" dirty="0" smtClean="0"/>
+          </a:p>
+          <a:p>
+            <a:r>
+              <a:rPr lang="en-US" altLang="ko-KR" sz="1600" dirty="0" smtClean="0"/>
+              <a:t>  . </a:t>
+            </a:r>
+            <a:r>
+              <a:rPr lang="en-US" altLang="ko-KR" sz="1600" dirty="0" err="1" smtClean="0"/>
+              <a:t>WebSocket</a:t>
+            </a:r>
+            <a:endParaRPr lang="en-US" altLang="ko-KR" sz="1600" dirty="0" smtClean="0"/>
+          </a:p>
+          <a:p>
+            <a:r>
+              <a:rPr lang="en-US" altLang="ko-KR" sz="1600" dirty="0" smtClean="0"/>
+              <a:t>  . </a:t>
+            </a:r>
+            <a:r>
+              <a:rPr lang="en-US" altLang="ko-KR" sz="1600" dirty="0" err="1" smtClean="0"/>
+              <a:t>GitHub</a:t>
+            </a:r>
+            <a:endParaRPr lang="en-US" altLang="ko-KR" sz="1600" dirty="0" smtClean="0"/>
+          </a:p>
+          <a:p>
+            <a:r>
+              <a:rPr lang="en-US" altLang="ko-KR" sz="1600" dirty="0" smtClean="0"/>
+              <a:t>  . </a:t>
+            </a:r>
+            <a:r>
+              <a:rPr lang="en-US" altLang="ko-KR" sz="1600" dirty="0" err="1" smtClean="0"/>
+              <a:t>Heroku</a:t>
+            </a:r>
+            <a:endParaRPr lang="en-US" altLang="ko-KR" sz="1600" dirty="0" smtClean="0"/>
           </a:p>
         </p:txBody>
       </p:sp>
     </p:spTree>
     <p:extLst>
       <p:ext uri="{BB962C8B-B14F-4D97-AF65-F5344CB8AC3E}">
-        <p14:creationId xmlns:p14="http://schemas.microsoft.com/office/powerpoint/2010/main" val="2859972608"/>
+        <p14:creationId xmlns:p14="http://schemas.microsoft.com/office/powerpoint/2010/main" val="1214457141"/>
       </p:ext>
     </p:extLst>
   </p:cSld>
@@ -13570,7 +15071,7 @@
 </p:sld>
 </file>
 
-<file path=ppt/slides/slide3.xml><?xml version="1.0" encoding="utf-8"?>
+<file path=ppt/slides/slide4.xml><?xml version="1.0" encoding="utf-8"?>
 <p:sld xmlns:a="http://schemas.openxmlformats.org/drawingml/2006/main" xmlns:r="http://schemas.openxmlformats.org/officeDocument/2006/relationships" xmlns:p="http://schemas.openxmlformats.org/presentationml/2006/main">
   <p:cSld>
     <p:spTree>
@@ -13610,7 +15111,7 @@
           <a:lstStyle/>
           <a:p>
             <a:r>
-              <a:rPr lang="ko-KR" altLang="en-US" sz="800" spc="-30" dirty="0" smtClean="0">
+              <a:rPr lang="en-US" altLang="ko-KR" sz="800" spc="-30" dirty="0" smtClean="0">
                 <a:solidFill>
                   <a:schemeClr val="tx1">
                     <a:lumMod val="95000"/>
@@ -13620,7 +15121,20 @@
                 <a:latin typeface="나눔고딕" pitchFamily="50" charset="-127"/>
                 <a:ea typeface="나눔고딕" pitchFamily="50" charset="-127"/>
               </a:rPr>
-              <a:t>복습</a:t>
+              <a:t>1.1 </a:t>
+            </a:r>
+            <a:r>
+              <a:rPr lang="ko-KR" altLang="en-US" sz="800" spc="-30" dirty="0" smtClean="0">
+                <a:solidFill>
+                  <a:schemeClr val="tx1">
+                    <a:lumMod val="95000"/>
+                    <a:lumOff val="5000"/>
+                  </a:schemeClr>
+                </a:solidFill>
+                <a:latin typeface="나눔고딕" pitchFamily="50" charset="-127"/>
+                <a:ea typeface="나눔고딕" pitchFamily="50" charset="-127"/>
+              </a:rPr>
+              <a:t>강의소개</a:t>
             </a:r>
             <a:endParaRPr lang="en-US" altLang="ko-KR" sz="800" spc="-30" dirty="0">
               <a:solidFill>
@@ -13702,8 +15216,10 @@
                     <a:lumMod val="50000"/>
                   </a:schemeClr>
                 </a:solidFill>
-              </a:rPr>
-              <a:t>중간 회고</a:t>
+                <a:latin typeface="나눔고딕" pitchFamily="50" charset="-127"/>
+                <a:ea typeface="나눔고딕" pitchFamily="50" charset="-127"/>
+              </a:rPr>
+              <a:t>강의소개</a:t>
             </a:r>
             <a:endParaRPr lang="ko-KR" altLang="en-US" sz="4000" b="1" spc="-150" dirty="0">
               <a:solidFill>
@@ -13752,7 +15268,7 @@
                 <a:ea typeface="나눔고딕" pitchFamily="50" charset="-127"/>
               </a:rPr>
               <a:pPr algn="r"/>
-              <a:t>3</a:t>
+              <a:t>4</a:t>
             </a:fld>
             <a:r>
               <a:rPr lang="en-US" altLang="ko-KR" sz="800" spc="-30" dirty="0" smtClean="0">
@@ -13782,14 +15298,14 @@
       </p:sp>
       <p:sp>
         <p:nvSpPr>
-          <p:cNvPr id="7" name="직사각형 6"/>
+          <p:cNvPr id="2" name="직사각형 1"/>
           <p:cNvSpPr/>
           <p:nvPr/>
         </p:nvSpPr>
         <p:spPr>
           <a:xfrm>
-            <a:off x="319155" y="1433318"/>
-            <a:ext cx="7506118" cy="5262979"/>
+            <a:off x="256543" y="1433318"/>
+            <a:ext cx="8413003" cy="2677656"/>
           </a:xfrm>
           <a:prstGeom prst="rect">
             <a:avLst/>
@@ -13801,439 +15317,184 @@
           </a:bodyPr>
           <a:lstStyle/>
           <a:p>
-            <a:r>
-              <a:rPr lang="en-US" altLang="ko-KR" sz="1600" dirty="0" smtClean="0"/>
-              <a:t>. HTTP</a:t>
-            </a:r>
-          </a:p>
-          <a:p>
-            <a:r>
-              <a:rPr lang="en-US" altLang="ko-KR" sz="1600" dirty="0" smtClean="0"/>
-              <a:t>. HTML</a:t>
-            </a:r>
-          </a:p>
-          <a:p>
-            <a:r>
-              <a:rPr lang="en-US" altLang="ko-KR" sz="1600" dirty="0" smtClean="0"/>
-              <a:t>. </a:t>
-            </a:r>
-            <a:r>
-              <a:rPr lang="en-US" altLang="ko-KR" sz="1600" dirty="0" err="1" smtClean="0"/>
-              <a:t>Javascript</a:t>
-            </a:r>
-            <a:endParaRPr lang="en-US" altLang="ko-KR" sz="1600" dirty="0"/>
-          </a:p>
-          <a:p>
-            <a:endParaRPr lang="en-US" altLang="ko-KR" sz="1600" b="1" strike="sngStrike" spc="-150" dirty="0" smtClean="0">
-              <a:solidFill>
-                <a:schemeClr val="accent4">
-                  <a:lumMod val="50000"/>
-                </a:schemeClr>
-              </a:solidFill>
-              <a:latin typeface="나눔고딕" pitchFamily="50" charset="-127"/>
-              <a:ea typeface="나눔고딕" pitchFamily="50" charset="-127"/>
-            </a:endParaRPr>
-          </a:p>
-          <a:p>
-            <a:r>
-              <a:rPr lang="en-US" altLang="ko-KR" sz="1600" b="1" strike="sngStrike" spc="-150" dirty="0" smtClean="0">
-                <a:solidFill>
-                  <a:schemeClr val="accent4">
-                    <a:lumMod val="50000"/>
-                  </a:schemeClr>
-                </a:solidFill>
-                <a:latin typeface="나눔고딕" pitchFamily="50" charset="-127"/>
-                <a:ea typeface="나눔고딕" pitchFamily="50" charset="-127"/>
-              </a:rPr>
-              <a:t>. </a:t>
-            </a:r>
-            <a:r>
-              <a:rPr lang="ko-KR" altLang="en-US" sz="1600" b="1" strike="sngStrike" spc="-150" dirty="0" smtClean="0">
-                <a:solidFill>
-                  <a:schemeClr val="accent4">
-                    <a:lumMod val="50000"/>
-                  </a:schemeClr>
-                </a:solidFill>
-                <a:latin typeface="나눔고딕" pitchFamily="50" charset="-127"/>
-                <a:ea typeface="나눔고딕" pitchFamily="50" charset="-127"/>
-              </a:rPr>
-              <a:t>메인</a:t>
-            </a:r>
-            <a:endParaRPr lang="en-US" altLang="ko-KR" sz="1600" b="1" strike="sngStrike" spc="-150" dirty="0" smtClean="0">
-              <a:solidFill>
-                <a:schemeClr val="accent4">
-                  <a:lumMod val="50000"/>
-                </a:schemeClr>
-              </a:solidFill>
-              <a:latin typeface="나눔고딕" pitchFamily="50" charset="-127"/>
-              <a:ea typeface="나눔고딕" pitchFamily="50" charset="-127"/>
-            </a:endParaRPr>
-          </a:p>
-          <a:p>
-            <a:r>
-              <a:rPr lang="en-US" altLang="ko-KR" sz="1600" b="1" strike="sngStrike" spc="-150" dirty="0" smtClean="0">
-                <a:solidFill>
-                  <a:schemeClr val="accent4">
-                    <a:lumMod val="50000"/>
-                  </a:schemeClr>
-                </a:solidFill>
-                <a:latin typeface="나눔고딕" pitchFamily="50" charset="-127"/>
-                <a:ea typeface="나눔고딕" pitchFamily="50" charset="-127"/>
-              </a:rPr>
-              <a:t>  . </a:t>
-            </a:r>
-            <a:r>
-              <a:rPr lang="en-US" altLang="ko-KR" sz="1600" b="1" strike="sngStrike" spc="-150" dirty="0" err="1" smtClean="0">
-                <a:solidFill>
-                  <a:schemeClr val="accent4">
-                    <a:lumMod val="50000"/>
-                  </a:schemeClr>
-                </a:solidFill>
-                <a:latin typeface="나눔고딕" pitchFamily="50" charset="-127"/>
-                <a:ea typeface="나눔고딕" pitchFamily="50" charset="-127"/>
-              </a:rPr>
-              <a:t>WebRTC</a:t>
-            </a:r>
-            <a:r>
-              <a:rPr lang="en-US" altLang="ko-KR" sz="1600" b="1" strike="sngStrike" spc="-150" dirty="0" smtClean="0">
-                <a:solidFill>
-                  <a:schemeClr val="accent4">
-                    <a:lumMod val="50000"/>
-                  </a:schemeClr>
-                </a:solidFill>
-                <a:latin typeface="나눔고딕" pitchFamily="50" charset="-127"/>
-                <a:ea typeface="나눔고딕" pitchFamily="50" charset="-127"/>
-              </a:rPr>
-              <a:t>  </a:t>
-            </a:r>
-            <a:r>
-              <a:rPr lang="ko-KR" altLang="en-US" sz="1600" b="1" strike="sngStrike" spc="-150" dirty="0" smtClean="0">
-                <a:solidFill>
-                  <a:schemeClr val="accent4">
-                    <a:lumMod val="50000"/>
-                  </a:schemeClr>
-                </a:solidFill>
-                <a:latin typeface="나눔고딕" pitchFamily="50" charset="-127"/>
-                <a:ea typeface="나눔고딕" pitchFamily="50" charset="-127"/>
-              </a:rPr>
-              <a:t>역사 및 소개</a:t>
-            </a:r>
-            <a:endParaRPr lang="en-US" altLang="ko-KR" sz="1600" b="1" strike="sngStrike" spc="-150" dirty="0" smtClean="0">
-              <a:solidFill>
-                <a:schemeClr val="accent4">
-                  <a:lumMod val="50000"/>
-                </a:schemeClr>
-              </a:solidFill>
-              <a:latin typeface="나눔고딕" pitchFamily="50" charset="-127"/>
-              <a:ea typeface="나눔고딕" pitchFamily="50" charset="-127"/>
-            </a:endParaRPr>
-          </a:p>
-          <a:p>
-            <a:r>
-              <a:rPr lang="en-US" altLang="ko-KR" sz="1600" b="1" strike="sngStrike" spc="-150" dirty="0" smtClean="0">
-                <a:solidFill>
-                  <a:schemeClr val="accent4">
-                    <a:lumMod val="50000"/>
-                  </a:schemeClr>
-                </a:solidFill>
-                <a:latin typeface="나눔고딕" pitchFamily="50" charset="-127"/>
-                <a:ea typeface="나눔고딕" pitchFamily="50" charset="-127"/>
-              </a:rPr>
-              <a:t>  . </a:t>
-            </a:r>
-            <a:r>
-              <a:rPr lang="en-US" altLang="ko-KR" sz="1600" b="1" strike="sngStrike" spc="-150" dirty="0" err="1" smtClean="0">
-                <a:solidFill>
-                  <a:schemeClr val="accent4">
-                    <a:lumMod val="50000"/>
-                  </a:schemeClr>
-                </a:solidFill>
-                <a:latin typeface="나눔고딕" pitchFamily="50" charset="-127"/>
-                <a:ea typeface="나눔고딕" pitchFamily="50" charset="-127"/>
-              </a:rPr>
-              <a:t>MediaStream</a:t>
-            </a:r>
-            <a:r>
-              <a:rPr lang="en-US" altLang="ko-KR" sz="1600" b="1" strike="sngStrike" spc="-150" dirty="0" smtClean="0">
-                <a:solidFill>
-                  <a:schemeClr val="accent4">
-                    <a:lumMod val="50000"/>
-                  </a:schemeClr>
-                </a:solidFill>
-                <a:latin typeface="나눔고딕" pitchFamily="50" charset="-127"/>
-                <a:ea typeface="나눔고딕" pitchFamily="50" charset="-127"/>
-              </a:rPr>
-              <a:t> (</a:t>
-            </a:r>
-            <a:r>
-              <a:rPr lang="en-US" altLang="ko-KR" sz="1600" b="1" strike="sngStrike" spc="-150" dirty="0" err="1" smtClean="0">
-                <a:solidFill>
-                  <a:schemeClr val="accent4">
-                    <a:lumMod val="50000"/>
-                  </a:schemeClr>
-                </a:solidFill>
-                <a:latin typeface="나눔고딕" pitchFamily="50" charset="-127"/>
-                <a:ea typeface="나눔고딕" pitchFamily="50" charset="-127"/>
-              </a:rPr>
-              <a:t>getUserMedia</a:t>
-            </a:r>
-            <a:r>
-              <a:rPr lang="en-US" altLang="ko-KR" sz="1600" b="1" strike="sngStrike" spc="-150" dirty="0" smtClean="0">
-                <a:solidFill>
-                  <a:schemeClr val="accent4">
-                    <a:lumMod val="50000"/>
-                  </a:schemeClr>
-                </a:solidFill>
-                <a:latin typeface="나눔고딕" pitchFamily="50" charset="-127"/>
-                <a:ea typeface="나눔고딕" pitchFamily="50" charset="-127"/>
-              </a:rPr>
-              <a:t>)</a:t>
-            </a:r>
-          </a:p>
-          <a:p>
-            <a:r>
-              <a:rPr lang="en-US" altLang="ko-KR" sz="1600" b="1" strike="sngStrike" spc="-150" dirty="0" smtClean="0">
-                <a:solidFill>
-                  <a:schemeClr val="accent4">
-                    <a:lumMod val="50000"/>
-                  </a:schemeClr>
-                </a:solidFill>
-                <a:latin typeface="나눔고딕" pitchFamily="50" charset="-127"/>
-                <a:ea typeface="나눔고딕" pitchFamily="50" charset="-127"/>
-              </a:rPr>
-              <a:t>  . </a:t>
-            </a:r>
-            <a:r>
-              <a:rPr lang="en-US" altLang="ko-KR" sz="1600" b="1" strike="sngStrike" spc="-150" dirty="0" err="1" smtClean="0">
-                <a:solidFill>
-                  <a:schemeClr val="accent4">
-                    <a:lumMod val="50000"/>
-                  </a:schemeClr>
-                </a:solidFill>
-                <a:latin typeface="나눔고딕" pitchFamily="50" charset="-127"/>
-                <a:ea typeface="나눔고딕" pitchFamily="50" charset="-127"/>
-              </a:rPr>
-              <a:t>RTCPeerConnection</a:t>
-            </a:r>
-            <a:endParaRPr lang="en-US" altLang="ko-KR" sz="1600" b="1" strike="sngStrike" spc="-150" dirty="0" smtClean="0">
-              <a:solidFill>
-                <a:schemeClr val="accent4">
-                  <a:lumMod val="50000"/>
-                </a:schemeClr>
-              </a:solidFill>
-              <a:latin typeface="나눔고딕" pitchFamily="50" charset="-127"/>
-              <a:ea typeface="나눔고딕" pitchFamily="50" charset="-127"/>
-            </a:endParaRPr>
-          </a:p>
-          <a:p>
-            <a:r>
-              <a:rPr lang="en-US" altLang="ko-KR" sz="1600" b="1" strike="sngStrike" spc="-150" dirty="0">
-                <a:solidFill>
-                  <a:schemeClr val="accent4">
-                    <a:lumMod val="50000"/>
-                  </a:schemeClr>
-                </a:solidFill>
-                <a:latin typeface="나눔고딕" pitchFamily="50" charset="-127"/>
-                <a:ea typeface="나눔고딕" pitchFamily="50" charset="-127"/>
-              </a:rPr>
-              <a:t>	</a:t>
-            </a:r>
-            <a:r>
-              <a:rPr lang="en-US" altLang="ko-KR" sz="1600" b="1" strike="sngStrike" spc="-150" dirty="0" smtClean="0">
-                <a:solidFill>
-                  <a:schemeClr val="accent4">
-                    <a:lumMod val="50000"/>
-                  </a:schemeClr>
-                </a:solidFill>
-                <a:latin typeface="나눔고딕" pitchFamily="50" charset="-127"/>
-                <a:ea typeface="나눔고딕" pitchFamily="50" charset="-127"/>
-              </a:rPr>
-              <a:t>. STUN / TURN</a:t>
-            </a:r>
-          </a:p>
-          <a:p>
-            <a:r>
-              <a:rPr lang="en-US" altLang="ko-KR" sz="1600" b="1" strike="sngStrike" spc="-150" dirty="0">
-                <a:solidFill>
-                  <a:schemeClr val="accent4">
-                    <a:lumMod val="50000"/>
-                  </a:schemeClr>
-                </a:solidFill>
-                <a:latin typeface="나눔고딕" pitchFamily="50" charset="-127"/>
-                <a:ea typeface="나눔고딕" pitchFamily="50" charset="-127"/>
-              </a:rPr>
-              <a:t>	</a:t>
-            </a:r>
-            <a:r>
-              <a:rPr lang="en-US" altLang="ko-KR" sz="1600" b="1" strike="sngStrike" spc="-150" dirty="0" smtClean="0">
-                <a:solidFill>
-                  <a:schemeClr val="accent4">
-                    <a:lumMod val="50000"/>
-                  </a:schemeClr>
-                </a:solidFill>
-                <a:latin typeface="나눔고딕" pitchFamily="50" charset="-127"/>
-                <a:ea typeface="나눔고딕" pitchFamily="50" charset="-127"/>
-              </a:rPr>
-              <a:t>. OFFER / ANSWER  + ICE + SDP</a:t>
-            </a:r>
-          </a:p>
-          <a:p>
-            <a:r>
-              <a:rPr lang="en-US" altLang="ko-KR" sz="1600" b="1" strike="sngStrike" spc="-150" dirty="0">
-                <a:solidFill>
-                  <a:schemeClr val="accent4">
-                    <a:lumMod val="50000"/>
-                  </a:schemeClr>
-                </a:solidFill>
-                <a:latin typeface="나눔고딕" pitchFamily="50" charset="-127"/>
-                <a:ea typeface="나눔고딕" pitchFamily="50" charset="-127"/>
-              </a:rPr>
+            <a:endParaRPr lang="ko-KR" altLang="en-US" sz="1400" dirty="0"/>
+          </a:p>
+          <a:p>
+            <a:r>
+              <a:rPr lang="en-US" altLang="ko-KR" sz="1400" dirty="0"/>
+              <a:t>6</a:t>
+            </a:r>
+            <a:r>
+              <a:rPr lang="ko-KR" altLang="en-US" sz="1400" dirty="0"/>
+              <a:t>일차 </a:t>
+            </a:r>
+            <a:r>
+              <a:rPr lang="en-US" altLang="ko-KR" sz="1400" dirty="0"/>
+              <a:t>: </a:t>
+            </a:r>
+          </a:p>
+          <a:p>
+            <a:r>
+              <a:rPr lang="en-US" altLang="ko-KR" sz="1400" dirty="0" err="1"/>
+              <a:t>SingalServer</a:t>
+            </a:r>
+            <a:r>
+              <a:rPr lang="en-US" altLang="ko-KR" sz="1400" dirty="0"/>
               <a:t> </a:t>
             </a:r>
             <a:r>
-              <a:rPr lang="en-US" altLang="ko-KR" sz="1600" b="1" strike="sngStrike" spc="-150" dirty="0" smtClean="0">
-                <a:solidFill>
-                  <a:schemeClr val="accent4">
-                    <a:lumMod val="50000"/>
-                  </a:schemeClr>
-                </a:solidFill>
-                <a:latin typeface="나눔고딕" pitchFamily="50" charset="-127"/>
-                <a:ea typeface="나눔고딕" pitchFamily="50" charset="-127"/>
-              </a:rPr>
-              <a:t> . Signal Server</a:t>
-            </a:r>
-            <a:r>
-              <a:rPr lang="en-US" altLang="ko-KR" sz="1600" b="1" spc="-150" dirty="0" smtClean="0">
-                <a:solidFill>
-                  <a:schemeClr val="accent4">
-                    <a:lumMod val="50000"/>
-                  </a:schemeClr>
-                </a:solidFill>
-                <a:latin typeface="나눔고딕" pitchFamily="50" charset="-127"/>
-                <a:ea typeface="나눔고딕" pitchFamily="50" charset="-127"/>
-              </a:rPr>
-              <a:t/>
-            </a:r>
-            <a:br>
-              <a:rPr lang="en-US" altLang="ko-KR" sz="1600" b="1" spc="-150" dirty="0" smtClean="0">
-                <a:solidFill>
-                  <a:schemeClr val="accent4">
-                    <a:lumMod val="50000"/>
-                  </a:schemeClr>
-                </a:solidFill>
-                <a:latin typeface="나눔고딕" pitchFamily="50" charset="-127"/>
-                <a:ea typeface="나눔고딕" pitchFamily="50" charset="-127"/>
-              </a:rPr>
-            </a:br>
-            <a:r>
-              <a:rPr lang="en-US" altLang="ko-KR" sz="1600" b="1" spc="-150" dirty="0" smtClean="0">
-                <a:solidFill>
-                  <a:schemeClr val="accent4">
-                    <a:lumMod val="50000"/>
-                  </a:schemeClr>
-                </a:solidFill>
-                <a:latin typeface="나눔고딕" pitchFamily="50" charset="-127"/>
-                <a:ea typeface="나눔고딕" pitchFamily="50" charset="-127"/>
-              </a:rPr>
-              <a:t>  . </a:t>
-            </a:r>
-            <a:r>
-              <a:rPr lang="en-US" altLang="ko-KR" sz="1600" b="1" spc="-150" dirty="0" err="1" smtClean="0">
-                <a:solidFill>
-                  <a:schemeClr val="accent4">
-                    <a:lumMod val="50000"/>
-                  </a:schemeClr>
-                </a:solidFill>
-                <a:latin typeface="나눔고딕" pitchFamily="50" charset="-127"/>
-                <a:ea typeface="나눔고딕" pitchFamily="50" charset="-127"/>
-              </a:rPr>
-              <a:t>RTCDataChannel</a:t>
-            </a:r>
-            <a:endParaRPr lang="en-US" altLang="ko-KR" sz="1600" b="1" spc="-150" dirty="0" smtClean="0">
-              <a:solidFill>
-                <a:schemeClr val="accent4">
-                  <a:lumMod val="50000"/>
-                </a:schemeClr>
-              </a:solidFill>
-              <a:latin typeface="나눔고딕" pitchFamily="50" charset="-127"/>
-              <a:ea typeface="나눔고딕" pitchFamily="50" charset="-127"/>
-            </a:endParaRPr>
-          </a:p>
-          <a:p>
-            <a:endParaRPr lang="en-US" altLang="ko-KR" sz="1600" dirty="0" smtClean="0"/>
-          </a:p>
-          <a:p>
-            <a:r>
-              <a:rPr lang="ko-KR" altLang="en-US" sz="1600" dirty="0" smtClean="0"/>
-              <a:t>덤 </a:t>
-            </a:r>
-            <a:endParaRPr lang="en-US" altLang="ko-KR" sz="1600" dirty="0" smtClean="0"/>
-          </a:p>
-          <a:p>
-            <a:r>
-              <a:rPr lang="en-US" altLang="ko-KR" sz="1600" dirty="0" smtClean="0"/>
-              <a:t>  . </a:t>
-            </a:r>
-            <a:r>
-              <a:rPr lang="en-US" altLang="ko-KR" sz="1600" dirty="0" err="1" smtClean="0"/>
-              <a:t>VSCode</a:t>
-            </a:r>
-            <a:endParaRPr lang="en-US" altLang="ko-KR" sz="1600" dirty="0" smtClean="0"/>
-          </a:p>
-          <a:p>
-            <a:r>
-              <a:rPr lang="en-US" altLang="ko-KR" sz="1600" dirty="0" smtClean="0"/>
-              <a:t>  . Web Server for Chrome</a:t>
-            </a:r>
-          </a:p>
-          <a:p>
-            <a:r>
-              <a:rPr lang="en-US" altLang="ko-KR" sz="1600" dirty="0" smtClean="0"/>
-              <a:t>  . Node</a:t>
-            </a:r>
-          </a:p>
-          <a:p>
-            <a:endParaRPr lang="en-US" altLang="ko-KR" sz="1600" dirty="0" smtClean="0"/>
-          </a:p>
-          <a:p>
-            <a:r>
-              <a:rPr lang="en-US" altLang="ko-KR" sz="1600" dirty="0" smtClean="0"/>
-              <a:t>  . </a:t>
-            </a:r>
-            <a:r>
-              <a:rPr lang="en-US" altLang="ko-KR" sz="1600" dirty="0" err="1" smtClean="0"/>
-              <a:t>WebSocket</a:t>
-            </a:r>
-            <a:endParaRPr lang="en-US" altLang="ko-KR" sz="1600" dirty="0" smtClean="0"/>
-          </a:p>
-          <a:p>
-            <a:r>
-              <a:rPr lang="en-US" altLang="ko-KR" sz="1600" dirty="0" smtClean="0"/>
-              <a:t>  . </a:t>
-            </a:r>
-            <a:r>
-              <a:rPr lang="en-US" altLang="ko-KR" sz="1600" dirty="0" err="1" smtClean="0"/>
-              <a:t>GitHub</a:t>
-            </a:r>
-            <a:endParaRPr lang="en-US" altLang="ko-KR" sz="1600" dirty="0" smtClean="0"/>
-          </a:p>
-          <a:p>
-            <a:r>
-              <a:rPr lang="en-US" altLang="ko-KR" sz="1600" dirty="0" smtClean="0"/>
-              <a:t>  . </a:t>
-            </a:r>
-            <a:r>
-              <a:rPr lang="en-US" altLang="ko-KR" sz="1600" dirty="0" err="1" smtClean="0"/>
-              <a:t>Heroku</a:t>
-            </a:r>
-            <a:endParaRPr lang="en-US" altLang="ko-KR" sz="1600" dirty="0" smtClean="0"/>
+              <a:rPr lang="ko-KR" altLang="en-US" sz="1400" dirty="0"/>
+              <a:t>에 </a:t>
+            </a:r>
+            <a:r>
+              <a:rPr lang="en-US" altLang="ko-KR" sz="1400" dirty="0"/>
+              <a:t>Room </a:t>
+            </a:r>
+            <a:r>
+              <a:rPr lang="ko-KR" altLang="en-US" sz="1400" dirty="0"/>
+              <a:t>기능 추가 </a:t>
+            </a:r>
+          </a:p>
+          <a:p>
+            <a:pPr marL="285750" indent="-285750">
+              <a:buFontTx/>
+              <a:buChar char="-"/>
+            </a:pPr>
+            <a:r>
+              <a:rPr lang="en-US" altLang="ko-KR" sz="1400" dirty="0" smtClean="0"/>
+              <a:t>Room </a:t>
+            </a:r>
+            <a:r>
+              <a:rPr lang="ko-KR" altLang="en-US" sz="1400" dirty="0"/>
+              <a:t>기능 추가 </a:t>
+            </a:r>
+          </a:p>
+          <a:p>
+            <a:pPr marL="285750" indent="-285750">
+              <a:buFontTx/>
+              <a:buChar char="-"/>
+            </a:pPr>
+            <a:r>
+              <a:rPr lang="en-US" altLang="ko-KR" sz="1400" dirty="0" err="1" smtClean="0"/>
+              <a:t>SignalServer</a:t>
+            </a:r>
+            <a:r>
+              <a:rPr lang="en-US" altLang="ko-KR" sz="1400" dirty="0" smtClean="0"/>
+              <a:t> </a:t>
+            </a:r>
+            <a:r>
+              <a:rPr lang="ko-KR" altLang="en-US" sz="1400" dirty="0"/>
+              <a:t>에 </a:t>
+            </a:r>
+            <a:r>
+              <a:rPr lang="en-US" altLang="ko-KR" sz="1400" dirty="0"/>
+              <a:t>Room </a:t>
+            </a:r>
+            <a:r>
+              <a:rPr lang="ko-KR" altLang="en-US" sz="1400" dirty="0"/>
+              <a:t>기능 </a:t>
+            </a:r>
+            <a:r>
+              <a:rPr lang="ko-KR" altLang="en-US" sz="1400" dirty="0" smtClean="0"/>
+              <a:t>추가</a:t>
+            </a:r>
+            <a:endParaRPr lang="ko-KR" altLang="en-US" sz="1400" dirty="0"/>
+          </a:p>
+          <a:p>
+            <a:pPr marL="285750" indent="-285750">
+              <a:buFontTx/>
+              <a:buChar char="-"/>
+            </a:pPr>
+            <a:r>
+              <a:rPr lang="en-US" altLang="ko-KR" sz="1400" dirty="0" smtClean="0"/>
+              <a:t>Room </a:t>
+            </a:r>
+            <a:r>
+              <a:rPr lang="en-US" altLang="ko-KR" sz="1400" dirty="0"/>
+              <a:t>List </a:t>
+            </a:r>
+            <a:r>
+              <a:rPr lang="ko-KR" altLang="en-US" sz="1400" dirty="0"/>
+              <a:t>기능 </a:t>
+            </a:r>
+            <a:r>
+              <a:rPr lang="ko-KR" altLang="en-US" sz="1400" dirty="0" smtClean="0"/>
+              <a:t>추가</a:t>
+            </a:r>
+            <a:endParaRPr lang="en-US" altLang="ko-KR" sz="1400" dirty="0" smtClean="0"/>
+          </a:p>
+          <a:p>
+            <a:pPr marL="285750" indent="-285750">
+              <a:buFontTx/>
+              <a:buChar char="-"/>
+            </a:pPr>
+            <a:endParaRPr lang="ko-KR" altLang="en-US" sz="1400" dirty="0"/>
+          </a:p>
+          <a:p>
+            <a:pPr marL="285750" indent="-285750">
+              <a:buFontTx/>
+              <a:buChar char="-"/>
+            </a:pPr>
+            <a:r>
+              <a:rPr lang="ko-KR" altLang="en-US" sz="1400" dirty="0" smtClean="0"/>
+              <a:t>실습 </a:t>
+            </a:r>
+            <a:endParaRPr lang="en-US" altLang="ko-KR" sz="1400" dirty="0" smtClean="0"/>
+          </a:p>
+          <a:p>
+            <a:pPr marL="742950" lvl="1" indent="-285750">
+              <a:buFontTx/>
+              <a:buChar char="-"/>
+            </a:pPr>
+            <a:r>
+              <a:rPr lang="en-US" altLang="ko-KR" sz="1400" dirty="0" smtClean="0"/>
+              <a:t>Nick </a:t>
+            </a:r>
+            <a:r>
+              <a:rPr lang="ko-KR" altLang="en-US" sz="1400" dirty="0" smtClean="0"/>
+              <a:t>표시 기능 추가</a:t>
+            </a:r>
+            <a:endParaRPr lang="en-US" altLang="ko-KR" sz="1400" dirty="0" smtClean="0"/>
+          </a:p>
+          <a:p>
+            <a:pPr marL="742950" lvl="1" indent="-285750">
+              <a:buFontTx/>
+              <a:buChar char="-"/>
+            </a:pPr>
+            <a:r>
+              <a:rPr lang="ko-KR" altLang="en-US" sz="1400" dirty="0" smtClean="0"/>
+              <a:t>패스워드 </a:t>
+            </a:r>
+            <a:r>
+              <a:rPr lang="ko-KR" altLang="en-US" sz="1400" dirty="0"/>
+              <a:t>기능 </a:t>
+            </a:r>
+            <a:r>
+              <a:rPr lang="ko-KR" altLang="en-US" sz="1400" dirty="0" smtClean="0"/>
+              <a:t>추가</a:t>
+            </a:r>
+            <a:endParaRPr lang="ko-KR" altLang="en-US" sz="1400" dirty="0"/>
+          </a:p>
+          <a:p>
+            <a:r>
+              <a:rPr lang="ko-KR" altLang="en-US" sz="1400" dirty="0"/>
+              <a:t> </a:t>
+            </a:r>
+            <a:endParaRPr lang="en-US" altLang="ko-KR" sz="1400" dirty="0" smtClean="0"/>
+          </a:p>
+          <a:p>
+            <a:pPr marL="285750" indent="-285750">
+              <a:buFontTx/>
+              <a:buChar char="-"/>
+            </a:pPr>
+            <a:endParaRPr lang="ko-KR" altLang="en-US" sz="1400" dirty="0"/>
           </a:p>
         </p:txBody>
       </p:sp>
     </p:spTree>
     <p:extLst>
       <p:ext uri="{BB962C8B-B14F-4D97-AF65-F5344CB8AC3E}">
-        <p14:creationId xmlns:p14="http://schemas.microsoft.com/office/powerpoint/2010/main" val="1214457141"/>
+        <p14:creationId xmlns:p14="http://schemas.microsoft.com/office/powerpoint/2010/main" val="23489252"/>
       </p:ext>
     </p:extLst>
   </p:cSld>
@@ -14250,7 +15511,7 @@
 </p:sld>
 </file>
 
-<file path=ppt/slides/slide4.xml><?xml version="1.0" encoding="utf-8"?>
+<file path=ppt/slides/slide5.xml><?xml version="1.0" encoding="utf-8"?>
 <p:sld xmlns:a="http://schemas.openxmlformats.org/drawingml/2006/main" xmlns:r="http://schemas.openxmlformats.org/officeDocument/2006/relationships" xmlns:p="http://schemas.openxmlformats.org/presentationml/2006/main">
   <p:cSld>
     <p:spTree>
@@ -14447,7 +15708,7 @@
                 <a:ea typeface="나눔고딕" pitchFamily="50" charset="-127"/>
               </a:rPr>
               <a:pPr algn="r"/>
-              <a:t>4</a:t>
+              <a:t>5</a:t>
             </a:fld>
             <a:r>
               <a:rPr lang="en-US" altLang="ko-KR" sz="800" spc="-30" dirty="0" smtClean="0">
@@ -14475,449 +15736,9 @@
           </a:p>
         </p:txBody>
       </p:sp>
-      <p:sp>
-        <p:nvSpPr>
-          <p:cNvPr id="2" name="직사각형 1"/>
-          <p:cNvSpPr/>
-          <p:nvPr/>
-        </p:nvSpPr>
-        <p:spPr>
-          <a:xfrm>
-            <a:off x="256543" y="1433318"/>
-            <a:ext cx="8413003" cy="2677656"/>
-          </a:xfrm>
-          <a:prstGeom prst="rect">
-            <a:avLst/>
-          </a:prstGeom>
-        </p:spPr>
-        <p:txBody>
-          <a:bodyPr wrap="square">
-            <a:spAutoFit/>
-          </a:bodyPr>
-          <a:lstStyle/>
-          <a:p>
-            <a:endParaRPr lang="ko-KR" altLang="en-US" sz="1400" dirty="0"/>
-          </a:p>
-          <a:p>
-            <a:r>
-              <a:rPr lang="en-US" altLang="ko-KR" sz="1400" dirty="0"/>
-              <a:t>6</a:t>
-            </a:r>
-            <a:r>
-              <a:rPr lang="ko-KR" altLang="en-US" sz="1400" dirty="0"/>
-              <a:t>일차 </a:t>
-            </a:r>
-            <a:r>
-              <a:rPr lang="en-US" altLang="ko-KR" sz="1400" dirty="0"/>
-              <a:t>: </a:t>
-            </a:r>
-          </a:p>
-          <a:p>
-            <a:r>
-              <a:rPr lang="en-US" altLang="ko-KR" sz="1400" dirty="0" err="1"/>
-              <a:t>SingalServer</a:t>
-            </a:r>
-            <a:r>
-              <a:rPr lang="en-US" altLang="ko-KR" sz="1400" dirty="0"/>
-              <a:t> </a:t>
-            </a:r>
-            <a:r>
-              <a:rPr lang="ko-KR" altLang="en-US" sz="1400" dirty="0"/>
-              <a:t>에 </a:t>
-            </a:r>
-            <a:r>
-              <a:rPr lang="en-US" altLang="ko-KR" sz="1400" dirty="0"/>
-              <a:t>Room </a:t>
-            </a:r>
-            <a:r>
-              <a:rPr lang="ko-KR" altLang="en-US" sz="1400" dirty="0"/>
-              <a:t>기능 추가 </a:t>
-            </a:r>
-          </a:p>
-          <a:p>
-            <a:pPr marL="285750" indent="-285750">
-              <a:buFontTx/>
-              <a:buChar char="-"/>
-            </a:pPr>
-            <a:r>
-              <a:rPr lang="en-US" altLang="ko-KR" sz="1400" dirty="0" smtClean="0"/>
-              <a:t>Room </a:t>
-            </a:r>
-            <a:r>
-              <a:rPr lang="ko-KR" altLang="en-US" sz="1400" dirty="0"/>
-              <a:t>기능 추가 </a:t>
-            </a:r>
-          </a:p>
-          <a:p>
-            <a:pPr marL="285750" indent="-285750">
-              <a:buFontTx/>
-              <a:buChar char="-"/>
-            </a:pPr>
-            <a:r>
-              <a:rPr lang="en-US" altLang="ko-KR" sz="1400" dirty="0" err="1" smtClean="0"/>
-              <a:t>SignalServer</a:t>
-            </a:r>
-            <a:r>
-              <a:rPr lang="en-US" altLang="ko-KR" sz="1400" dirty="0" smtClean="0"/>
-              <a:t> </a:t>
-            </a:r>
-            <a:r>
-              <a:rPr lang="ko-KR" altLang="en-US" sz="1400" dirty="0"/>
-              <a:t>에 </a:t>
-            </a:r>
-            <a:r>
-              <a:rPr lang="en-US" altLang="ko-KR" sz="1400" dirty="0"/>
-              <a:t>Room </a:t>
-            </a:r>
-            <a:r>
-              <a:rPr lang="ko-KR" altLang="en-US" sz="1400" dirty="0"/>
-              <a:t>기능 </a:t>
-            </a:r>
-            <a:r>
-              <a:rPr lang="ko-KR" altLang="en-US" sz="1400" dirty="0" smtClean="0"/>
-              <a:t>추가</a:t>
-            </a:r>
-            <a:endParaRPr lang="ko-KR" altLang="en-US" sz="1400" dirty="0"/>
-          </a:p>
-          <a:p>
-            <a:pPr marL="285750" indent="-285750">
-              <a:buFontTx/>
-              <a:buChar char="-"/>
-            </a:pPr>
-            <a:r>
-              <a:rPr lang="en-US" altLang="ko-KR" sz="1400" dirty="0" smtClean="0"/>
-              <a:t>Room </a:t>
-            </a:r>
-            <a:r>
-              <a:rPr lang="en-US" altLang="ko-KR" sz="1400" dirty="0"/>
-              <a:t>List </a:t>
-            </a:r>
-            <a:r>
-              <a:rPr lang="ko-KR" altLang="en-US" sz="1400" dirty="0"/>
-              <a:t>기능 </a:t>
-            </a:r>
-            <a:r>
-              <a:rPr lang="ko-KR" altLang="en-US" sz="1400" dirty="0" smtClean="0"/>
-              <a:t>추가</a:t>
-            </a:r>
-            <a:endParaRPr lang="en-US" altLang="ko-KR" sz="1400" dirty="0" smtClean="0"/>
-          </a:p>
-          <a:p>
-            <a:pPr marL="285750" indent="-285750">
-              <a:buFontTx/>
-              <a:buChar char="-"/>
-            </a:pPr>
-            <a:endParaRPr lang="ko-KR" altLang="en-US" sz="1400" dirty="0"/>
-          </a:p>
-          <a:p>
-            <a:pPr marL="285750" indent="-285750">
-              <a:buFontTx/>
-              <a:buChar char="-"/>
-            </a:pPr>
-            <a:r>
-              <a:rPr lang="ko-KR" altLang="en-US" sz="1400" dirty="0" smtClean="0"/>
-              <a:t>실습 </a:t>
-            </a:r>
-            <a:endParaRPr lang="en-US" altLang="ko-KR" sz="1400" dirty="0" smtClean="0"/>
-          </a:p>
-          <a:p>
-            <a:pPr marL="742950" lvl="1" indent="-285750">
-              <a:buFontTx/>
-              <a:buChar char="-"/>
-            </a:pPr>
-            <a:r>
-              <a:rPr lang="en-US" altLang="ko-KR" sz="1400" dirty="0" smtClean="0"/>
-              <a:t>Nick </a:t>
-            </a:r>
-            <a:r>
-              <a:rPr lang="ko-KR" altLang="en-US" sz="1400" dirty="0" smtClean="0"/>
-              <a:t>표시 기능 추가</a:t>
-            </a:r>
-            <a:endParaRPr lang="en-US" altLang="ko-KR" sz="1400" dirty="0" smtClean="0"/>
-          </a:p>
-          <a:p>
-            <a:pPr marL="742950" lvl="1" indent="-285750">
-              <a:buFontTx/>
-              <a:buChar char="-"/>
-            </a:pPr>
-            <a:r>
-              <a:rPr lang="ko-KR" altLang="en-US" sz="1400" dirty="0" smtClean="0"/>
-              <a:t>패스워드 </a:t>
-            </a:r>
-            <a:r>
-              <a:rPr lang="ko-KR" altLang="en-US" sz="1400" dirty="0"/>
-              <a:t>기능 </a:t>
-            </a:r>
-            <a:r>
-              <a:rPr lang="ko-KR" altLang="en-US" sz="1400" dirty="0" smtClean="0"/>
-              <a:t>추가</a:t>
-            </a:r>
-            <a:endParaRPr lang="ko-KR" altLang="en-US" sz="1400" dirty="0"/>
-          </a:p>
-          <a:p>
-            <a:r>
-              <a:rPr lang="ko-KR" altLang="en-US" sz="1400" dirty="0"/>
-              <a:t> </a:t>
-            </a:r>
-            <a:endParaRPr lang="en-US" altLang="ko-KR" sz="1400" dirty="0" smtClean="0"/>
-          </a:p>
-          <a:p>
-            <a:pPr marL="285750" indent="-285750">
-              <a:buFontTx/>
-              <a:buChar char="-"/>
-            </a:pPr>
-            <a:endParaRPr lang="ko-KR" altLang="en-US" sz="1400" dirty="0"/>
-          </a:p>
-        </p:txBody>
-      </p:sp>
-    </p:spTree>
-    <p:extLst>
-      <p:ext uri="{BB962C8B-B14F-4D97-AF65-F5344CB8AC3E}">
-        <p14:creationId xmlns:p14="http://schemas.microsoft.com/office/powerpoint/2010/main" val="23489252"/>
-      </p:ext>
-    </p:extLst>
-  </p:cSld>
-  <p:clrMapOvr>
-    <a:masterClrMapping/>
-  </p:clrMapOvr>
-  <p:timing>
-    <p:tnLst>
-      <p:par>
-        <p:cTn id="1" dur="indefinite" restart="never" nodeType="tmRoot"/>
-      </p:par>
-    </p:tnLst>
-  </p:timing>
-</p:sld>
-</file>
-
-<file path=ppt/slides/slide5.xml><?xml version="1.0" encoding="utf-8"?>
-<p:sld xmlns:a="http://schemas.openxmlformats.org/drawingml/2006/main" xmlns:r="http://schemas.openxmlformats.org/officeDocument/2006/relationships" xmlns:p="http://schemas.openxmlformats.org/presentationml/2006/main">
-  <p:cSld>
-    <p:spTree>
-      <p:nvGrpSpPr>
-        <p:cNvPr id="1" name=""/>
-        <p:cNvGrpSpPr/>
-        <p:nvPr/>
-      </p:nvGrpSpPr>
-      <p:grpSpPr>
-        <a:xfrm>
-          <a:off x="0" y="0"/>
-          <a:ext cx="0" cy="0"/>
-          <a:chOff x="0" y="0"/>
-          <a:chExt cx="0" cy="0"/>
-        </a:xfrm>
-      </p:grpSpPr>
-      <p:sp>
-        <p:nvSpPr>
-          <p:cNvPr id="5" name="TextBox 4"/>
-          <p:cNvSpPr txBox="1"/>
-          <p:nvPr/>
-        </p:nvSpPr>
-        <p:spPr>
-          <a:xfrm>
-            <a:off x="263455" y="195231"/>
-            <a:ext cx="1584176" cy="215444"/>
-          </a:xfrm>
-          <a:prstGeom prst="rect">
-            <a:avLst/>
-          </a:prstGeom>
-          <a:noFill/>
-        </p:spPr>
-        <p:txBody>
-          <a:bodyPr wrap="square" rtlCol="0">
-            <a:spAutoFit/>
-          </a:bodyPr>
-          <a:lstStyle/>
-          <a:p>
-            <a:r>
-              <a:rPr lang="en-US" altLang="ko-KR" sz="800" spc="-30" dirty="0" smtClean="0">
-                <a:solidFill>
-                  <a:schemeClr val="tx1">
-                    <a:lumMod val="95000"/>
-                    <a:lumOff val="5000"/>
-                  </a:schemeClr>
-                </a:solidFill>
-                <a:latin typeface="나눔고딕" pitchFamily="50" charset="-127"/>
-                <a:ea typeface="나눔고딕" pitchFamily="50" charset="-127"/>
-              </a:rPr>
-              <a:t>1.1 </a:t>
-            </a:r>
-            <a:r>
-              <a:rPr lang="ko-KR" altLang="en-US" sz="800" spc="-30" dirty="0" smtClean="0">
-                <a:solidFill>
-                  <a:schemeClr val="tx1">
-                    <a:lumMod val="95000"/>
-                    <a:lumOff val="5000"/>
-                  </a:schemeClr>
-                </a:solidFill>
-                <a:latin typeface="나눔고딕" pitchFamily="50" charset="-127"/>
-                <a:ea typeface="나눔고딕" pitchFamily="50" charset="-127"/>
-              </a:rPr>
-              <a:t>강의소개</a:t>
-            </a:r>
-            <a:endParaRPr lang="en-US" altLang="ko-KR" sz="800" spc="-30" dirty="0">
-              <a:solidFill>
-                <a:schemeClr val="tx1">
-                  <a:lumMod val="95000"/>
-                  <a:lumOff val="5000"/>
-                </a:schemeClr>
-              </a:solidFill>
-              <a:latin typeface="나눔고딕" pitchFamily="50" charset="-127"/>
-              <a:ea typeface="나눔고딕" pitchFamily="50" charset="-127"/>
-            </a:endParaRPr>
-          </a:p>
-        </p:txBody>
-      </p:sp>
-      <p:cxnSp>
-        <p:nvCxnSpPr>
-          <p:cNvPr id="20" name="직선 연결선 19"/>
-          <p:cNvCxnSpPr/>
-          <p:nvPr/>
-        </p:nvCxnSpPr>
-        <p:spPr>
-          <a:xfrm>
-            <a:off x="364803" y="547859"/>
-            <a:ext cx="8406000" cy="0"/>
-          </a:xfrm>
-          <a:prstGeom prst="line">
-            <a:avLst/>
-          </a:prstGeom>
-          <a:ln w="3175">
-            <a:solidFill>
-              <a:schemeClr val="accent4">
-                <a:lumMod val="50000"/>
-              </a:schemeClr>
-            </a:solidFill>
-          </a:ln>
-        </p:spPr>
-        <p:style>
-          <a:lnRef idx="1">
-            <a:schemeClr val="accent1"/>
-          </a:lnRef>
-          <a:fillRef idx="0">
-            <a:schemeClr val="accent1"/>
-          </a:fillRef>
-          <a:effectRef idx="0">
-            <a:schemeClr val="accent1"/>
-          </a:effectRef>
-          <a:fontRef idx="minor">
-            <a:schemeClr val="tx1"/>
-          </a:fontRef>
-        </p:style>
-      </p:cxnSp>
-      <p:sp>
-        <p:nvSpPr>
-          <p:cNvPr id="31" name="제목 1"/>
-          <p:cNvSpPr>
-            <a:spLocks noGrp="1"/>
-          </p:cNvSpPr>
-          <p:nvPr>
-            <p:ph type="title"/>
-          </p:nvPr>
-        </p:nvSpPr>
-        <p:spPr>
-          <a:xfrm>
-            <a:off x="256544" y="700126"/>
-            <a:ext cx="6995120" cy="580926"/>
-          </a:xfrm>
-        </p:spPr>
-        <p:txBody>
-          <a:bodyPr>
-            <a:noAutofit/>
-          </a:bodyPr>
-          <a:lstStyle/>
-          <a:p>
-            <a:pPr algn="l"/>
-            <a:r>
-              <a:rPr lang="ko-KR" altLang="en-US" sz="4000" b="1" spc="-150" dirty="0" smtClean="0">
-                <a:solidFill>
-                  <a:schemeClr val="accent4">
-                    <a:lumMod val="50000"/>
-                  </a:schemeClr>
-                </a:solidFill>
-                <a:latin typeface="나눔고딕" pitchFamily="50" charset="-127"/>
-                <a:ea typeface="나눔고딕" pitchFamily="50" charset="-127"/>
-              </a:rPr>
-              <a:t>강의소개</a:t>
-            </a:r>
-            <a:endParaRPr lang="ko-KR" altLang="en-US" sz="4000" b="1" spc="-150" dirty="0">
-              <a:solidFill>
-                <a:schemeClr val="accent4">
-                  <a:lumMod val="50000"/>
-                </a:schemeClr>
-              </a:solidFill>
-              <a:latin typeface="나눔고딕" pitchFamily="50" charset="-127"/>
-              <a:ea typeface="나눔고딕" pitchFamily="50" charset="-127"/>
-            </a:endParaRPr>
-          </a:p>
-        </p:txBody>
-      </p:sp>
-      <p:sp>
-        <p:nvSpPr>
-          <p:cNvPr id="9" name="TextBox 8"/>
-          <p:cNvSpPr txBox="1"/>
-          <p:nvPr/>
-        </p:nvSpPr>
-        <p:spPr>
-          <a:xfrm>
-            <a:off x="7277411" y="195231"/>
-            <a:ext cx="1584176" cy="215444"/>
-          </a:xfrm>
-          <a:prstGeom prst="rect">
-            <a:avLst/>
-          </a:prstGeom>
-          <a:noFill/>
-        </p:spPr>
-        <p:txBody>
-          <a:bodyPr wrap="square" rtlCol="0">
-            <a:spAutoFit/>
-          </a:bodyPr>
-          <a:lstStyle/>
-          <a:p>
-            <a:pPr algn="r"/>
-            <a:fld id="{DBA1376A-1BCE-4C3B-85BD-05D751D6B156}" type="slidenum">
-              <a:rPr lang="en-US" altLang="ko-KR" sz="800" spc="-30" smtClean="0">
-                <a:solidFill>
-                  <a:schemeClr val="tx1">
-                    <a:lumMod val="95000"/>
-                    <a:lumOff val="5000"/>
-                  </a:schemeClr>
-                </a:solidFill>
-                <a:latin typeface="나눔고딕" pitchFamily="50" charset="-127"/>
-                <a:ea typeface="나눔고딕" pitchFamily="50" charset="-127"/>
-              </a:rPr>
-              <a:pPr algn="r"/>
-              <a:t>5</a:t>
-            </a:fld>
-            <a:r>
-              <a:rPr lang="en-US" altLang="ko-KR" sz="800" spc="-30" dirty="0" smtClean="0">
-                <a:solidFill>
-                  <a:schemeClr val="tx1">
-                    <a:lumMod val="95000"/>
-                    <a:lumOff val="5000"/>
-                  </a:schemeClr>
-                </a:solidFill>
-                <a:latin typeface="나눔고딕" pitchFamily="50" charset="-127"/>
-                <a:ea typeface="나눔고딕" pitchFamily="50" charset="-127"/>
-              </a:rPr>
-              <a:t> / 14</a:t>
-            </a:r>
-            <a:endParaRPr lang="en-US" altLang="ko-KR" sz="800" spc="-30" dirty="0">
-              <a:solidFill>
-                <a:schemeClr val="tx1">
-                  <a:lumMod val="95000"/>
-                  <a:lumOff val="5000"/>
-                </a:schemeClr>
-              </a:solidFill>
-              <a:latin typeface="나눔고딕" pitchFamily="50" charset="-127"/>
-              <a:ea typeface="나눔고딕" pitchFamily="50" charset="-127"/>
-            </a:endParaRPr>
-          </a:p>
-        </p:txBody>
-      </p:sp>
       <p:pic>
         <p:nvPicPr>
-          <p:cNvPr id="7" name="내용 개체 틀 3"/>
+          <p:cNvPr id="4" name="내용 개체 틀 3"/>
           <p:cNvPicPr>
             <a:picLocks noGrp="1" noChangeAspect="1"/>
           </p:cNvPicPr>
@@ -14933,8 +15754,8 @@
         </p:blipFill>
         <p:spPr>
           <a:xfrm>
-            <a:off x="891123" y="1600200"/>
-            <a:ext cx="7361753" cy="4525963"/>
+            <a:off x="457200" y="2267890"/>
+            <a:ext cx="8229600" cy="3190582"/>
           </a:xfrm>
           <a:prstGeom prst="rect">
             <a:avLst/>
